--- a/Presentation1.pptx
+++ b/Presentation1.pptx
@@ -5,7 +5,7 @@
     <p:sldMasterId id="2147483648" r:id="rId1"/>
   </p:sldMasterIdLst>
   <p:notesMasterIdLst>
-    <p:notesMasterId r:id="rId31"/>
+    <p:notesMasterId r:id="rId42"/>
   </p:notesMasterIdLst>
   <p:sldIdLst>
     <p:sldId id="256" r:id="rId2"/>
@@ -15,28 +15,39 @@
     <p:sldId id="260" r:id="rId6"/>
     <p:sldId id="261" r:id="rId7"/>
     <p:sldId id="262" r:id="rId8"/>
-    <p:sldId id="263" r:id="rId9"/>
-    <p:sldId id="264" r:id="rId10"/>
-    <p:sldId id="265" r:id="rId11"/>
-    <p:sldId id="266" r:id="rId12"/>
-    <p:sldId id="267" r:id="rId13"/>
-    <p:sldId id="268" r:id="rId14"/>
-    <p:sldId id="280" r:id="rId15"/>
-    <p:sldId id="281" r:id="rId16"/>
-    <p:sldId id="269" r:id="rId17"/>
-    <p:sldId id="270" r:id="rId18"/>
-    <p:sldId id="271" r:id="rId19"/>
-    <p:sldId id="272" r:id="rId20"/>
-    <p:sldId id="277" r:id="rId21"/>
-    <p:sldId id="273" r:id="rId22"/>
-    <p:sldId id="274" r:id="rId23"/>
-    <p:sldId id="276" r:id="rId24"/>
-    <p:sldId id="278" r:id="rId25"/>
-    <p:sldId id="279" r:id="rId26"/>
-    <p:sldId id="282" r:id="rId27"/>
-    <p:sldId id="283" r:id="rId28"/>
-    <p:sldId id="284" r:id="rId29"/>
-    <p:sldId id="285" r:id="rId30"/>
+    <p:sldId id="288" r:id="rId9"/>
+    <p:sldId id="263" r:id="rId10"/>
+    <p:sldId id="264" r:id="rId11"/>
+    <p:sldId id="265" r:id="rId12"/>
+    <p:sldId id="266" r:id="rId13"/>
+    <p:sldId id="267" r:id="rId14"/>
+    <p:sldId id="268" r:id="rId15"/>
+    <p:sldId id="289" r:id="rId16"/>
+    <p:sldId id="290" r:id="rId17"/>
+    <p:sldId id="286" r:id="rId18"/>
+    <p:sldId id="280" r:id="rId19"/>
+    <p:sldId id="281" r:id="rId20"/>
+    <p:sldId id="269" r:id="rId21"/>
+    <p:sldId id="270" r:id="rId22"/>
+    <p:sldId id="271" r:id="rId23"/>
+    <p:sldId id="272" r:id="rId24"/>
+    <p:sldId id="277" r:id="rId25"/>
+    <p:sldId id="273" r:id="rId26"/>
+    <p:sldId id="274" r:id="rId27"/>
+    <p:sldId id="276" r:id="rId28"/>
+    <p:sldId id="278" r:id="rId29"/>
+    <p:sldId id="279" r:id="rId30"/>
+    <p:sldId id="282" r:id="rId31"/>
+    <p:sldId id="283" r:id="rId32"/>
+    <p:sldId id="284" r:id="rId33"/>
+    <p:sldId id="285" r:id="rId34"/>
+    <p:sldId id="287" r:id="rId35"/>
+    <p:sldId id="291" r:id="rId36"/>
+    <p:sldId id="293" r:id="rId37"/>
+    <p:sldId id="294" r:id="rId38"/>
+    <p:sldId id="295" r:id="rId39"/>
+    <p:sldId id="296" r:id="rId40"/>
+    <p:sldId id="297" r:id="rId41"/>
   </p:sldIdLst>
   <p:sldSz cx="9144000" cy="6858000" type="screen4x3"/>
   <p:notesSz cx="6858000" cy="9144000"/>
@@ -7642,7 +7653,7 @@
             <a:fld id="{47FB0A46-06F6-4B28-987D-2411C59F7BFC}" type="slidenum">
               <a:rPr lang="en-US" smtClean="0"/>
               <a:pPr/>
-              <a:t>10</a:t>
+              <a:t>11</a:t>
             </a:fld>
             <a:endParaRPr lang="en-US"/>
           </a:p>
@@ -7724,7 +7735,7 @@
             <a:fld id="{47FB0A46-06F6-4B28-987D-2411C59F7BFC}" type="slidenum">
               <a:rPr lang="en-US" smtClean="0"/>
               <a:pPr/>
-              <a:t>11</a:t>
+              <a:t>12</a:t>
             </a:fld>
             <a:endParaRPr lang="en-US"/>
           </a:p>
@@ -7806,7 +7817,7 @@
             <a:fld id="{47FB0A46-06F6-4B28-987D-2411C59F7BFC}" type="slidenum">
               <a:rPr lang="en-US" smtClean="0"/>
               <a:pPr/>
-              <a:t>12</a:t>
+              <a:t>13</a:t>
             </a:fld>
             <a:endParaRPr lang="en-US"/>
           </a:p>
@@ -7888,7 +7899,7 @@
             <a:fld id="{47FB0A46-06F6-4B28-987D-2411C59F7BFC}" type="slidenum">
               <a:rPr lang="en-US" smtClean="0"/>
               <a:pPr/>
-              <a:t>13</a:t>
+              <a:t>14</a:t>
             </a:fld>
             <a:endParaRPr lang="en-US"/>
           </a:p>
@@ -7970,7 +7981,7 @@
             <a:fld id="{47FB0A46-06F6-4B28-987D-2411C59F7BFC}" type="slidenum">
               <a:rPr lang="en-US" smtClean="0"/>
               <a:pPr/>
-              <a:t>16</a:t>
+              <a:t>20</a:t>
             </a:fld>
             <a:endParaRPr lang="en-US"/>
           </a:p>
@@ -8052,7 +8063,7 @@
             <a:fld id="{47FB0A46-06F6-4B28-987D-2411C59F7BFC}" type="slidenum">
               <a:rPr lang="en-US" smtClean="0"/>
               <a:pPr/>
-              <a:t>17</a:t>
+              <a:t>21</a:t>
             </a:fld>
             <a:endParaRPr lang="en-US"/>
           </a:p>
@@ -8134,7 +8145,7 @@
             <a:fld id="{47FB0A46-06F6-4B28-987D-2411C59F7BFC}" type="slidenum">
               <a:rPr lang="en-US" smtClean="0"/>
               <a:pPr/>
-              <a:t>18</a:t>
+              <a:t>22</a:t>
             </a:fld>
             <a:endParaRPr lang="en-US"/>
           </a:p>
@@ -8216,7 +8227,7 @@
             <a:fld id="{47FB0A46-06F6-4B28-987D-2411C59F7BFC}" type="slidenum">
               <a:rPr lang="en-US" smtClean="0"/>
               <a:pPr/>
-              <a:t>19</a:t>
+              <a:t>23</a:t>
             </a:fld>
             <a:endParaRPr lang="en-US"/>
           </a:p>
@@ -8314,7 +8325,7 @@
             <a:fld id="{47FB0A46-06F6-4B28-987D-2411C59F7BFC}" type="slidenum">
               <a:rPr lang="en-US" smtClean="0"/>
               <a:pPr/>
-              <a:t>20</a:t>
+              <a:t>24</a:t>
             </a:fld>
             <a:endParaRPr lang="en-US"/>
           </a:p>
@@ -8396,7 +8407,7 @@
             <a:fld id="{47FB0A46-06F6-4B28-987D-2411C59F7BFC}" type="slidenum">
               <a:rPr lang="en-US" smtClean="0"/>
               <a:pPr/>
-              <a:t>21</a:t>
+              <a:t>25</a:t>
             </a:fld>
             <a:endParaRPr lang="en-US"/>
           </a:p>
@@ -8560,7 +8571,7 @@
             <a:fld id="{47FB0A46-06F6-4B28-987D-2411C59F7BFC}" type="slidenum">
               <a:rPr lang="en-US" smtClean="0"/>
               <a:pPr/>
-              <a:t>22</a:t>
+              <a:t>26</a:t>
             </a:fld>
             <a:endParaRPr lang="en-US"/>
           </a:p>
@@ -8642,7 +8653,7 @@
             <a:fld id="{47FB0A46-06F6-4B28-987D-2411C59F7BFC}" type="slidenum">
               <a:rPr lang="en-US" smtClean="0"/>
               <a:pPr/>
-              <a:t>23</a:t>
+              <a:t>27</a:t>
             </a:fld>
             <a:endParaRPr lang="en-US"/>
           </a:p>
@@ -8724,7 +8735,7 @@
             <a:fld id="{47FB0A46-06F6-4B28-987D-2411C59F7BFC}" type="slidenum">
               <a:rPr lang="en-US" smtClean="0"/>
               <a:pPr/>
-              <a:t>24</a:t>
+              <a:t>28</a:t>
             </a:fld>
             <a:endParaRPr lang="en-US"/>
           </a:p>
@@ -9224,7 +9235,7 @@
             <a:fld id="{47FB0A46-06F6-4B28-987D-2411C59F7BFC}" type="slidenum">
               <a:rPr lang="en-US" smtClean="0"/>
               <a:pPr/>
-              <a:t>8</a:t>
+              <a:t>9</a:t>
             </a:fld>
             <a:endParaRPr lang="en-US"/>
           </a:p>
@@ -9306,7 +9317,7 @@
             <a:fld id="{47FB0A46-06F6-4B28-987D-2411C59F7BFC}" type="slidenum">
               <a:rPr lang="en-US" smtClean="0"/>
               <a:pPr/>
-              <a:t>9</a:t>
+              <a:t>10</a:t>
             </a:fld>
             <a:endParaRPr lang="en-US"/>
           </a:p>
@@ -12574,6 +12585,303 @@
       </p:grpSpPr>
       <p:sp>
         <p:nvSpPr>
+          <p:cNvPr id="35842" name="TextShape 1"/>
+          <p:cNvSpPr txBox="1">
+            <a:spLocks noChangeArrowheads="1"/>
+          </p:cNvSpPr>
+          <p:nvPr/>
+        </p:nvSpPr>
+        <p:spPr bwMode="auto">
+          <a:xfrm>
+            <a:off x="457200" y="274638"/>
+            <a:ext cx="8229600" cy="1143000"/>
+          </a:xfrm>
+          <a:prstGeom prst="rect">
+            <a:avLst/>
+          </a:prstGeom>
+          <a:noFill/>
+          <a:ln w="9525">
+            <a:noFill/>
+            <a:miter lim="800000"/>
+            <a:headEnd/>
+            <a:tailEnd/>
+          </a:ln>
+        </p:spPr>
+        <p:txBody>
+          <a:bodyPr anchor="ctr"/>
+          <a:lstStyle/>
+          <a:p>
+            <a:pPr algn="ctr"/>
+            <a:r>
+              <a:rPr lang="en-US" sz="4400">
+                <a:solidFill>
+                  <a:srgbClr val="000000"/>
+                </a:solidFill>
+                <a:latin typeface="Calibri" pitchFamily="34" charset="0"/>
+              </a:rPr>
+              <a:t>Compulsory Signs</a:t>
+            </a:r>
+            <a:endParaRPr lang="en-US"/>
+          </a:p>
+        </p:txBody>
+      </p:sp>
+      <p:sp>
+        <p:nvSpPr>
+          <p:cNvPr id="35843" name="TextShape 2"/>
+          <p:cNvSpPr txBox="1">
+            <a:spLocks noChangeArrowheads="1"/>
+          </p:cNvSpPr>
+          <p:nvPr/>
+        </p:nvSpPr>
+        <p:spPr bwMode="auto">
+          <a:xfrm>
+            <a:off x="457200" y="1600200"/>
+            <a:ext cx="8229600" cy="4525963"/>
+          </a:xfrm>
+          <a:prstGeom prst="rect">
+            <a:avLst/>
+          </a:prstGeom>
+          <a:noFill/>
+          <a:ln w="9525">
+            <a:noFill/>
+            <a:miter lim="800000"/>
+            <a:headEnd/>
+            <a:tailEnd/>
+          </a:ln>
+        </p:spPr>
+        <p:txBody>
+          <a:bodyPr/>
+          <a:lstStyle/>
+          <a:p>
+            <a:pPr>
+              <a:buFont typeface="Arial" pitchFamily="34" charset="0"/>
+              <a:buChar char="•"/>
+            </a:pPr>
+            <a:r>
+              <a:rPr lang="en-US" sz="3200">
+                <a:solidFill>
+                  <a:srgbClr val="000000"/>
+                </a:solidFill>
+                <a:latin typeface="Calibri" pitchFamily="34" charset="0"/>
+              </a:rPr>
+              <a:t>Compulsory signs are circles with RED border, WHITE background, and BLACK text/image.</a:t>
+            </a:r>
+            <a:endParaRPr lang="en-US"/>
+          </a:p>
+          <a:p>
+            <a:endParaRPr lang="en-US"/>
+          </a:p>
+        </p:txBody>
+      </p:sp>
+      <p:pic>
+        <p:nvPicPr>
+          <p:cNvPr id="35844" name="Picture 5"/>
+          <p:cNvPicPr>
+            <a:picLocks noChangeAspect="1" noChangeArrowheads="1"/>
+          </p:cNvPicPr>
+          <p:nvPr/>
+        </p:nvPicPr>
+        <p:blipFill>
+          <a:blip r:embed="rId3" cstate="print"/>
+          <a:srcRect/>
+          <a:stretch>
+            <a:fillRect/>
+          </a:stretch>
+        </p:blipFill>
+        <p:spPr bwMode="auto">
+          <a:xfrm>
+            <a:off x="685800" y="3048000"/>
+            <a:ext cx="2262188" cy="2262188"/>
+          </a:xfrm>
+          <a:prstGeom prst="rect">
+            <a:avLst/>
+          </a:prstGeom>
+          <a:noFill/>
+          <a:ln w="9525">
+            <a:noFill/>
+            <a:miter lim="800000"/>
+            <a:headEnd/>
+            <a:tailEnd/>
+          </a:ln>
+        </p:spPr>
+      </p:pic>
+      <p:pic>
+        <p:nvPicPr>
+          <p:cNvPr id="35845" name="Picture 6"/>
+          <p:cNvPicPr>
+            <a:picLocks noChangeAspect="1" noChangeArrowheads="1"/>
+          </p:cNvPicPr>
+          <p:nvPr/>
+        </p:nvPicPr>
+        <p:blipFill>
+          <a:blip r:embed="rId4" cstate="print"/>
+          <a:srcRect/>
+          <a:stretch>
+            <a:fillRect/>
+          </a:stretch>
+        </p:blipFill>
+        <p:spPr bwMode="auto">
+          <a:xfrm>
+            <a:off x="6477000" y="3124200"/>
+            <a:ext cx="2185988" cy="2185988"/>
+          </a:xfrm>
+          <a:prstGeom prst="rect">
+            <a:avLst/>
+          </a:prstGeom>
+          <a:noFill/>
+          <a:ln w="9525">
+            <a:noFill/>
+            <a:miter lim="800000"/>
+            <a:headEnd/>
+            <a:tailEnd/>
+          </a:ln>
+        </p:spPr>
+      </p:pic>
+      <p:sp>
+        <p:nvSpPr>
+          <p:cNvPr id="35846" name="CustomShape 3"/>
+          <p:cNvSpPr>
+            <a:spLocks noChangeArrowheads="1"/>
+          </p:cNvSpPr>
+          <p:nvPr/>
+        </p:nvSpPr>
+        <p:spPr bwMode="auto">
+          <a:xfrm>
+            <a:off x="4876800" y="5867400"/>
+            <a:ext cx="4267200" cy="365125"/>
+          </a:xfrm>
+          <a:prstGeom prst="rect">
+            <a:avLst/>
+          </a:prstGeom>
+          <a:noFill/>
+          <a:ln w="9525">
+            <a:noFill/>
+            <a:miter lim="800000"/>
+            <a:headEnd/>
+            <a:tailEnd/>
+          </a:ln>
+        </p:spPr>
+        <p:txBody>
+          <a:bodyPr lIns="90000" tIns="45000" rIns="90000" bIns="45000"/>
+          <a:lstStyle/>
+          <a:p>
+            <a:r>
+              <a:rPr lang="en-US" dirty="0">
+                <a:solidFill>
+                  <a:srgbClr val="000000"/>
+                </a:solidFill>
+                <a:latin typeface="Calibri" pitchFamily="34" charset="0"/>
+              </a:rPr>
+              <a:t>Image Courtesy: Delhi Traffic Police Website</a:t>
+            </a:r>
+            <a:endParaRPr lang="en-US" dirty="0"/>
+          </a:p>
+        </p:txBody>
+      </p:sp>
+      <p:sp>
+        <p:nvSpPr>
+          <p:cNvPr id="7" name="Date Placeholder 6"/>
+          <p:cNvSpPr>
+            <a:spLocks noGrp="1"/>
+          </p:cNvSpPr>
+          <p:nvPr>
+            <p:ph type="dt" sz="half" idx="10"/>
+          </p:nvPr>
+        </p:nvSpPr>
+        <p:spPr/>
+        <p:txBody>
+          <a:bodyPr/>
+          <a:lstStyle/>
+          <a:p>
+            <a:r>
+              <a:rPr lang="en-US" smtClean="0"/>
+              <a:t>18th June, 2014</a:t>
+            </a:r>
+            <a:endParaRPr lang="en-US"/>
+          </a:p>
+        </p:txBody>
+      </p:sp>
+      <p:sp>
+        <p:nvSpPr>
+          <p:cNvPr id="8" name="Slide Number Placeholder 7"/>
+          <p:cNvSpPr>
+            <a:spLocks noGrp="1"/>
+          </p:cNvSpPr>
+          <p:nvPr>
+            <p:ph type="sldNum" sz="quarter" idx="12"/>
+          </p:nvPr>
+        </p:nvSpPr>
+        <p:spPr/>
+        <p:txBody>
+          <a:bodyPr/>
+          <a:lstStyle/>
+          <a:p>
+            <a:fld id="{AB249746-A831-457C-AC59-C43D077DC69E}" type="slidenum">
+              <a:rPr lang="en-US" smtClean="0"/>
+              <a:pPr/>
+              <a:t>10</a:t>
+            </a:fld>
+            <a:endParaRPr lang="en-US" dirty="0"/>
+          </a:p>
+        </p:txBody>
+      </p:sp>
+      <p:sp>
+        <p:nvSpPr>
+          <p:cNvPr id="9" name="Footer Placeholder 8"/>
+          <p:cNvSpPr>
+            <a:spLocks noGrp="1"/>
+          </p:cNvSpPr>
+          <p:nvPr>
+            <p:ph type="ftr" sz="quarter" idx="11"/>
+          </p:nvPr>
+        </p:nvSpPr>
+        <p:spPr/>
+        <p:txBody>
+          <a:bodyPr/>
+          <a:lstStyle/>
+          <a:p>
+            <a:r>
+              <a:rPr lang="en-US" smtClean="0"/>
+              <a:t>Image Processing Interns, IIITDM, Kancheepuram</a:t>
+            </a:r>
+            <a:endParaRPr lang="en-US"/>
+          </a:p>
+        </p:txBody>
+      </p:sp>
+    </p:spTree>
+  </p:cSld>
+  <p:clrMapOvr>
+    <a:masterClrMapping/>
+  </p:clrMapOvr>
+  <p:timing>
+    <p:tnLst>
+      <p:par>
+        <p:cTn id="1" dur="indefinite" restart="never" nodeType="tmRoot"/>
+      </p:par>
+    </p:tnLst>
+  </p:timing>
+</p:sld>
+</file>
+
+<file path=ppt/slides/slide11.xml><?xml version="1.0" encoding="utf-8"?>
+<p:sld xmlns:a="http://schemas.openxmlformats.org/drawingml/2006/main" xmlns:r="http://schemas.openxmlformats.org/officeDocument/2006/relationships" xmlns:p="http://schemas.openxmlformats.org/presentationml/2006/main">
+  <p:cSld>
+    <p:spTree>
+      <p:nvGrpSpPr>
+        <p:cNvPr id="1" name=""/>
+        <p:cNvGrpSpPr/>
+        <p:nvPr/>
+      </p:nvGrpSpPr>
+      <p:grpSpPr>
+        <a:xfrm>
+          <a:off x="0" y="0"/>
+          <a:ext cx="0" cy="0"/>
+          <a:chOff x="0" y="0"/>
+          <a:chExt cx="0" cy="0"/>
+        </a:xfrm>
+      </p:grpSpPr>
+      <p:sp>
+        <p:nvSpPr>
           <p:cNvPr id="36866" name="TextShape 1"/>
           <p:cNvSpPr txBox="1">
             <a:spLocks noChangeArrowheads="1"/>
@@ -12805,7 +13113,7 @@
             <a:fld id="{AB249746-A831-457C-AC59-C43D077DC69E}" type="slidenum">
               <a:rPr lang="en-US" smtClean="0"/>
               <a:pPr/>
-              <a:t>10</a:t>
+              <a:t>11</a:t>
             </a:fld>
             <a:endParaRPr lang="en-US" dirty="0"/>
           </a:p>
@@ -12849,7 +13157,7 @@
 </p:sld>
 </file>
 
-<file path=ppt/slides/slide11.xml><?xml version="1.0" encoding="utf-8"?>
+<file path=ppt/slides/slide12.xml><?xml version="1.0" encoding="utf-8"?>
 <p:sld xmlns:a="http://schemas.openxmlformats.org/drawingml/2006/main" xmlns:r="http://schemas.openxmlformats.org/officeDocument/2006/relationships" xmlns:p="http://schemas.openxmlformats.org/presentationml/2006/main">
   <p:cSld>
     <p:spTree>
@@ -13099,7 +13407,7 @@
             <a:fld id="{AB249746-A831-457C-AC59-C43D077DC69E}" type="slidenum">
               <a:rPr lang="en-US" smtClean="0"/>
               <a:pPr/>
-              <a:t>11</a:t>
+              <a:t>12</a:t>
             </a:fld>
             <a:endParaRPr lang="en-US" dirty="0"/>
           </a:p>
@@ -13125,247 +13433,6 @@
               <a:t>Image Processing Interns, IIITDM, Kancheepuram</a:t>
             </a:r>
             <a:endParaRPr lang="en-US" dirty="0"/>
-          </a:p>
-        </p:txBody>
-      </p:sp>
-    </p:spTree>
-  </p:cSld>
-  <p:clrMapOvr>
-    <a:masterClrMapping/>
-  </p:clrMapOvr>
-  <p:timing>
-    <p:tnLst>
-      <p:par>
-        <p:cTn id="1" dur="indefinite" restart="never" nodeType="tmRoot"/>
-      </p:par>
-    </p:tnLst>
-  </p:timing>
-</p:sld>
-</file>
-
-<file path=ppt/slides/slide12.xml><?xml version="1.0" encoding="utf-8"?>
-<p:sld xmlns:a="http://schemas.openxmlformats.org/drawingml/2006/main" xmlns:r="http://schemas.openxmlformats.org/officeDocument/2006/relationships" xmlns:p="http://schemas.openxmlformats.org/presentationml/2006/main">
-  <p:cSld>
-    <p:spTree>
-      <p:nvGrpSpPr>
-        <p:cNvPr id="1" name=""/>
-        <p:cNvGrpSpPr/>
-        <p:nvPr/>
-      </p:nvGrpSpPr>
-      <p:grpSpPr>
-        <a:xfrm>
-          <a:off x="0" y="0"/>
-          <a:ext cx="0" cy="0"/>
-          <a:chOff x="0" y="0"/>
-          <a:chExt cx="0" cy="0"/>
-        </a:xfrm>
-      </p:grpSpPr>
-      <p:sp>
-        <p:nvSpPr>
-          <p:cNvPr id="38914" name="TextShape 1"/>
-          <p:cNvSpPr txBox="1">
-            <a:spLocks noChangeArrowheads="1"/>
-          </p:cNvSpPr>
-          <p:nvPr/>
-        </p:nvSpPr>
-        <p:spPr bwMode="auto">
-          <a:xfrm>
-            <a:off x="457200" y="274638"/>
-            <a:ext cx="8229600" cy="1143000"/>
-          </a:xfrm>
-          <a:prstGeom prst="rect">
-            <a:avLst/>
-          </a:prstGeom>
-          <a:noFill/>
-          <a:ln w="9525">
-            <a:noFill/>
-            <a:miter lim="800000"/>
-            <a:headEnd/>
-            <a:tailEnd/>
-          </a:ln>
-        </p:spPr>
-        <p:txBody>
-          <a:bodyPr anchor="ctr"/>
-          <a:lstStyle/>
-          <a:p>
-            <a:pPr algn="ctr"/>
-            <a:r>
-              <a:rPr lang="en-US" sz="4400">
-                <a:solidFill>
-                  <a:srgbClr val="000000"/>
-                </a:solidFill>
-                <a:latin typeface="Calibri" pitchFamily="34" charset="0"/>
-              </a:rPr>
-              <a:t>Step 3: Region of Interest</a:t>
-            </a:r>
-            <a:endParaRPr lang="en-US"/>
-          </a:p>
-        </p:txBody>
-      </p:sp>
-      <p:sp>
-        <p:nvSpPr>
-          <p:cNvPr id="38915" name="TextShape 2"/>
-          <p:cNvSpPr txBox="1">
-            <a:spLocks noChangeArrowheads="1"/>
-          </p:cNvSpPr>
-          <p:nvPr/>
-        </p:nvSpPr>
-        <p:spPr bwMode="auto">
-          <a:xfrm>
-            <a:off x="457200" y="1600200"/>
-            <a:ext cx="8229600" cy="4525963"/>
-          </a:xfrm>
-          <a:prstGeom prst="rect">
-            <a:avLst/>
-          </a:prstGeom>
-          <a:noFill/>
-          <a:ln w="9525">
-            <a:noFill/>
-            <a:miter lim="800000"/>
-            <a:headEnd/>
-            <a:tailEnd/>
-          </a:ln>
-        </p:spPr>
-        <p:txBody>
-          <a:bodyPr/>
-          <a:lstStyle/>
-          <a:p>
-            <a:pPr>
-              <a:buFont typeface="Arial" pitchFamily="34" charset="0"/>
-              <a:buChar char="•"/>
-            </a:pPr>
-            <a:r>
-              <a:rPr lang="en-US" sz="3200" dirty="0" smtClean="0">
-                <a:solidFill>
-                  <a:srgbClr val="000000"/>
-                </a:solidFill>
-                <a:latin typeface="Calibri" pitchFamily="34" charset="0"/>
-              </a:rPr>
-              <a:t> Once </a:t>
-            </a:r>
-            <a:r>
-              <a:rPr lang="en-US" sz="3200" dirty="0">
-                <a:solidFill>
-                  <a:srgbClr val="000000"/>
-                </a:solidFill>
-                <a:latin typeface="Calibri" pitchFamily="34" charset="0"/>
-              </a:rPr>
-              <a:t>the image is in the </a:t>
-            </a:r>
-            <a:r>
-              <a:rPr lang="en-US" sz="3200" dirty="0" err="1">
-                <a:solidFill>
-                  <a:srgbClr val="000000"/>
-                </a:solidFill>
-                <a:latin typeface="Calibri" pitchFamily="34" charset="0"/>
-              </a:rPr>
-              <a:t>YCbCr</a:t>
-            </a:r>
-            <a:r>
-              <a:rPr lang="en-US" sz="3200" dirty="0">
-                <a:solidFill>
-                  <a:srgbClr val="000000"/>
-                </a:solidFill>
-                <a:latin typeface="Calibri" pitchFamily="34" charset="0"/>
-              </a:rPr>
-              <a:t> color space, and we have the red and the blue components, we start blob detection.</a:t>
-            </a:r>
-            <a:endParaRPr lang="en-US" dirty="0"/>
-          </a:p>
-          <a:p>
-            <a:pPr>
-              <a:buFont typeface="Arial" pitchFamily="34" charset="0"/>
-              <a:buChar char="•"/>
-            </a:pPr>
-            <a:r>
-              <a:rPr lang="en-US" sz="3200" dirty="0" smtClean="0">
-                <a:solidFill>
-                  <a:srgbClr val="000000"/>
-                </a:solidFill>
-                <a:latin typeface="Calibri" pitchFamily="34" charset="0"/>
-              </a:rPr>
-              <a:t> During </a:t>
-            </a:r>
-            <a:r>
-              <a:rPr lang="en-US" sz="3200" dirty="0">
-                <a:solidFill>
-                  <a:srgbClr val="000000"/>
-                </a:solidFill>
-                <a:latin typeface="Calibri" pitchFamily="34" charset="0"/>
-              </a:rPr>
-              <a:t>the process of blob detection, parts of the image that are connected and satisfy a particular criteria (minimum area, minimum pixel value etc) are extracted.</a:t>
-            </a:r>
-            <a:endParaRPr lang="en-US" dirty="0"/>
-          </a:p>
-        </p:txBody>
-      </p:sp>
-      <p:sp>
-        <p:nvSpPr>
-          <p:cNvPr id="4" name="Date Placeholder 3"/>
-          <p:cNvSpPr>
-            <a:spLocks noGrp="1"/>
-          </p:cNvSpPr>
-          <p:nvPr>
-            <p:ph type="dt" sz="half" idx="10"/>
-          </p:nvPr>
-        </p:nvSpPr>
-        <p:spPr/>
-        <p:txBody>
-          <a:bodyPr/>
-          <a:lstStyle/>
-          <a:p>
-            <a:r>
-              <a:rPr lang="en-US" smtClean="0"/>
-              <a:t>18th June, 2014</a:t>
-            </a:r>
-            <a:endParaRPr lang="en-US"/>
-          </a:p>
-        </p:txBody>
-      </p:sp>
-      <p:sp>
-        <p:nvSpPr>
-          <p:cNvPr id="5" name="Slide Number Placeholder 4"/>
-          <p:cNvSpPr>
-            <a:spLocks noGrp="1"/>
-          </p:cNvSpPr>
-          <p:nvPr>
-            <p:ph type="sldNum" sz="quarter" idx="12"/>
-          </p:nvPr>
-        </p:nvSpPr>
-        <p:spPr/>
-        <p:txBody>
-          <a:bodyPr/>
-          <a:lstStyle/>
-          <a:p>
-            <a:fld id="{AB249746-A831-457C-AC59-C43D077DC69E}" type="slidenum">
-              <a:rPr lang="en-US" smtClean="0"/>
-              <a:pPr/>
-              <a:t>12</a:t>
-            </a:fld>
-            <a:endParaRPr lang="en-US"/>
-          </a:p>
-        </p:txBody>
-      </p:sp>
-      <p:sp>
-        <p:nvSpPr>
-          <p:cNvPr id="6" name="Footer Placeholder 5"/>
-          <p:cNvSpPr>
-            <a:spLocks noGrp="1"/>
-          </p:cNvSpPr>
-          <p:nvPr>
-            <p:ph type="ftr" sz="quarter" idx="11"/>
-          </p:nvPr>
-        </p:nvSpPr>
-        <p:spPr/>
-        <p:txBody>
-          <a:bodyPr/>
-          <a:lstStyle/>
-          <a:p>
-            <a:r>
-              <a:rPr lang="en-US" smtClean="0"/>
-              <a:t>Image Processing Interns, IIITDM, Kancheepuram</a:t>
-            </a:r>
-            <a:endParaRPr lang="en-US"/>
           </a:p>
         </p:txBody>
       </p:sp>
@@ -13403,7 +13470,7 @@
       </p:grpSpPr>
       <p:sp>
         <p:nvSpPr>
-          <p:cNvPr id="39938" name="TextShape 1"/>
+          <p:cNvPr id="38914" name="TextShape 1"/>
           <p:cNvSpPr txBox="1">
             <a:spLocks noChangeArrowheads="1"/>
           </p:cNvSpPr>
@@ -13445,7 +13512,7 @@
       </p:sp>
       <p:sp>
         <p:nvSpPr>
-          <p:cNvPr id="39939" name="TextShape 2"/>
+          <p:cNvPr id="38915" name="TextShape 2"/>
           <p:cNvSpPr txBox="1">
             <a:spLocks noChangeArrowheads="1"/>
           </p:cNvSpPr>
@@ -13482,7 +13549,7 @@
                 </a:solidFill>
                 <a:latin typeface="Calibri" pitchFamily="34" charset="0"/>
               </a:rPr>
-              <a:t> We </a:t>
+              <a:t> Once </a:t>
             </a:r>
             <a:r>
               <a:rPr lang="en-US" sz="3200" dirty="0">
@@ -13491,25 +13558,16 @@
                 </a:solidFill>
                 <a:latin typeface="Calibri" pitchFamily="34" charset="0"/>
               </a:rPr>
-              <a:t>find the bounding rectangle of this region and then extract this region from the main image (input from the camera), and when we see this image, then we see that what we actually have is the traffic sign without any of </a:t>
-            </a:r>
-            <a:r>
-              <a:rPr lang="en-US" sz="3200">
+              <a:t>the image is in the </a:t>
+            </a:r>
+            <a:r>
+              <a:rPr lang="en-US" sz="3200" dirty="0" err="1">
                 <a:solidFill>
                   <a:srgbClr val="000000"/>
                 </a:solidFill>
                 <a:latin typeface="Calibri" pitchFamily="34" charset="0"/>
               </a:rPr>
-              <a:t>the </a:t>
-            </a:r>
-            <a:r>
-              <a:rPr lang="en-US" sz="3200" smtClean="0">
-                <a:solidFill>
-                  <a:srgbClr val="000000"/>
-                </a:solidFill>
-                <a:latin typeface="Calibri" pitchFamily="34" charset="0"/>
-              </a:rPr>
-              <a:t>noise around </a:t>
+              <a:t>YCbCr</a:t>
             </a:r>
             <a:r>
               <a:rPr lang="en-US" sz="3200" dirty="0">
@@ -13518,7 +13576,7 @@
                 </a:solidFill>
                 <a:latin typeface="Calibri" pitchFamily="34" charset="0"/>
               </a:rPr>
-              <a:t>it.</a:t>
+              <a:t> color space, and we have the red and the blue components, we start blob detection.</a:t>
             </a:r>
             <a:endParaRPr lang="en-US" dirty="0"/>
           </a:p>
@@ -13534,7 +13592,7 @@
                 </a:solidFill>
                 <a:latin typeface="Calibri" pitchFamily="34" charset="0"/>
               </a:rPr>
-              <a:t> This </a:t>
+              <a:t> During </a:t>
             </a:r>
             <a:r>
               <a:rPr lang="en-US" sz="3200" dirty="0">
@@ -13543,7 +13601,7 @@
                 </a:solidFill>
                 <a:latin typeface="Calibri" pitchFamily="34" charset="0"/>
               </a:rPr>
-              <a:t>part of the original image is the output of step 3.</a:t>
+              <a:t>the process of blob detection, parts of the image that are connected and satisfy a particular criteria (minimum area, minimum pixel value etc) are extracted.</a:t>
             </a:r>
             <a:endParaRPr lang="en-US" dirty="0"/>
           </a:p>
@@ -13653,45 +13711,162 @@
       </p:grpSpPr>
       <p:sp>
         <p:nvSpPr>
-          <p:cNvPr id="5" name="Title 4"/>
-          <p:cNvSpPr>
-            <a:spLocks noGrp="1"/>
-          </p:cNvSpPr>
-          <p:nvPr>
-            <p:ph type="title"/>
-          </p:nvPr>
-        </p:nvSpPr>
-        <p:spPr/>
-        <p:txBody>
-          <a:bodyPr/>
-          <a:lstStyle/>
-          <a:p>
-            <a:r>
-              <a:rPr lang="en-US" dirty="0" smtClean="0"/>
+          <p:cNvPr id="39938" name="TextShape 1"/>
+          <p:cNvSpPr txBox="1">
+            <a:spLocks noChangeArrowheads="1"/>
+          </p:cNvSpPr>
+          <p:nvPr/>
+        </p:nvSpPr>
+        <p:spPr bwMode="auto">
+          <a:xfrm>
+            <a:off x="457200" y="274638"/>
+            <a:ext cx="8229600" cy="1143000"/>
+          </a:xfrm>
+          <a:prstGeom prst="rect">
+            <a:avLst/>
+          </a:prstGeom>
+          <a:noFill/>
+          <a:ln w="9525">
+            <a:noFill/>
+            <a:miter lim="800000"/>
+            <a:headEnd/>
+            <a:tailEnd/>
+          </a:ln>
+        </p:spPr>
+        <p:txBody>
+          <a:bodyPr anchor="ctr"/>
+          <a:lstStyle/>
+          <a:p>
+            <a:pPr algn="ctr"/>
+            <a:r>
+              <a:rPr lang="en-US" sz="4400">
+                <a:solidFill>
+                  <a:srgbClr val="000000"/>
+                </a:solidFill>
+                <a:latin typeface="Calibri" pitchFamily="34" charset="0"/>
+              </a:rPr>
               <a:t>Step 3: Region of Interest</a:t>
             </a:r>
+            <a:endParaRPr lang="en-US"/>
+          </a:p>
+        </p:txBody>
+      </p:sp>
+      <p:sp>
+        <p:nvSpPr>
+          <p:cNvPr id="39939" name="TextShape 2"/>
+          <p:cNvSpPr txBox="1">
+            <a:spLocks noChangeArrowheads="1"/>
+          </p:cNvSpPr>
+          <p:nvPr/>
+        </p:nvSpPr>
+        <p:spPr bwMode="auto">
+          <a:xfrm>
+            <a:off x="457200" y="1600200"/>
+            <a:ext cx="8229600" cy="4525963"/>
+          </a:xfrm>
+          <a:prstGeom prst="rect">
+            <a:avLst/>
+          </a:prstGeom>
+          <a:noFill/>
+          <a:ln w="9525">
+            <a:noFill/>
+            <a:miter lim="800000"/>
+            <a:headEnd/>
+            <a:tailEnd/>
+          </a:ln>
+        </p:spPr>
+        <p:txBody>
+          <a:bodyPr/>
+          <a:lstStyle/>
+          <a:p>
+            <a:pPr>
+              <a:buFont typeface="Arial" pitchFamily="34" charset="0"/>
+              <a:buChar char="•"/>
+            </a:pPr>
+            <a:r>
+              <a:rPr lang="en-US" sz="3200" dirty="0" smtClean="0">
+                <a:solidFill>
+                  <a:srgbClr val="000000"/>
+                </a:solidFill>
+                <a:latin typeface="Calibri" pitchFamily="34" charset="0"/>
+              </a:rPr>
+              <a:t> We </a:t>
+            </a:r>
+            <a:r>
+              <a:rPr lang="en-US" sz="3200" dirty="0">
+                <a:solidFill>
+                  <a:srgbClr val="000000"/>
+                </a:solidFill>
+                <a:latin typeface="Calibri" pitchFamily="34" charset="0"/>
+              </a:rPr>
+              <a:t>find the bounding rectangle of this region and then extract this region from the main image (input from the </a:t>
+            </a:r>
+            <a:r>
+              <a:rPr lang="en-US" sz="3200" dirty="0" smtClean="0">
+                <a:solidFill>
+                  <a:srgbClr val="000000"/>
+                </a:solidFill>
+                <a:latin typeface="Calibri" pitchFamily="34" charset="0"/>
+              </a:rPr>
+              <a:t>camera)</a:t>
+            </a:r>
+          </a:p>
+          <a:p>
+            <a:pPr>
+              <a:buFont typeface="Arial" pitchFamily="34" charset="0"/>
+              <a:buChar char="•"/>
+            </a:pPr>
+            <a:r>
+              <a:rPr lang="en-US" sz="3200" dirty="0" smtClean="0">
+                <a:solidFill>
+                  <a:srgbClr val="000000"/>
+                </a:solidFill>
+                <a:latin typeface="Calibri" pitchFamily="34" charset="0"/>
+              </a:rPr>
+              <a:t> We find  that </a:t>
+            </a:r>
+            <a:r>
+              <a:rPr lang="en-US" sz="3200" dirty="0">
+                <a:solidFill>
+                  <a:srgbClr val="000000"/>
+                </a:solidFill>
+                <a:latin typeface="Calibri" pitchFamily="34" charset="0"/>
+              </a:rPr>
+              <a:t>this image, </a:t>
+            </a:r>
+            <a:r>
+              <a:rPr lang="en-US" sz="3200" dirty="0" smtClean="0">
+                <a:solidFill>
+                  <a:srgbClr val="000000"/>
+                </a:solidFill>
+                <a:latin typeface="Calibri" pitchFamily="34" charset="0"/>
+              </a:rPr>
+              <a:t>has the traffic sign without any of the noise around it. (backgrounds, cars etc).</a:t>
+            </a:r>
             <a:endParaRPr lang="en-US" dirty="0"/>
           </a:p>
-        </p:txBody>
-      </p:sp>
-      <p:sp>
-        <p:nvSpPr>
-          <p:cNvPr id="6" name="Content Placeholder 5"/>
-          <p:cNvSpPr>
-            <a:spLocks noGrp="1"/>
-          </p:cNvSpPr>
-          <p:nvPr>
-            <p:ph idx="1"/>
-          </p:nvPr>
-        </p:nvSpPr>
-        <p:spPr/>
-        <p:txBody>
-          <a:bodyPr/>
-          <a:lstStyle/>
-          <a:p>
-            <a:r>
-              <a:rPr lang="en-US" dirty="0" smtClean="0"/>
-              <a:t>Once we have the region of interest, we can proceed in two directions to find the shape.</a:t>
+          <a:p>
+            <a:pPr>
+              <a:buFont typeface="Arial" pitchFamily="34" charset="0"/>
+              <a:buChar char="•"/>
+            </a:pPr>
+            <a:r>
+              <a:rPr lang="en-US" sz="3200" dirty="0" smtClean="0">
+                <a:solidFill>
+                  <a:srgbClr val="000000"/>
+                </a:solidFill>
+                <a:latin typeface="Calibri" pitchFamily="34" charset="0"/>
+              </a:rPr>
+              <a:t> This </a:t>
+            </a:r>
+            <a:r>
+              <a:rPr lang="en-US" sz="3200" dirty="0">
+                <a:solidFill>
+                  <a:srgbClr val="000000"/>
+                </a:solidFill>
+                <a:latin typeface="Calibri" pitchFamily="34" charset="0"/>
+              </a:rPr>
+              <a:t>part of the original image is the output of step 3.</a:t>
             </a:r>
             <a:endParaRPr lang="en-US" dirty="0"/>
           </a:p>
@@ -13699,7 +13874,7 @@
       </p:sp>
       <p:sp>
         <p:nvSpPr>
-          <p:cNvPr id="2" name="Date Placeholder 1"/>
+          <p:cNvPr id="4" name="Date Placeholder 3"/>
           <p:cNvSpPr>
             <a:spLocks noGrp="1"/>
           </p:cNvSpPr>
@@ -13722,30 +13897,7 @@
       </p:sp>
       <p:sp>
         <p:nvSpPr>
-          <p:cNvPr id="3" name="Footer Placeholder 2"/>
-          <p:cNvSpPr>
-            <a:spLocks noGrp="1"/>
-          </p:cNvSpPr>
-          <p:nvPr>
-            <p:ph type="ftr" sz="quarter" idx="11"/>
-          </p:nvPr>
-        </p:nvSpPr>
-        <p:spPr/>
-        <p:txBody>
-          <a:bodyPr/>
-          <a:lstStyle/>
-          <a:p>
-            <a:r>
-              <a:rPr lang="en-US" smtClean="0"/>
-              <a:t>Image Processing Interns, IIITDM, Kancheepuram</a:t>
-            </a:r>
-            <a:endParaRPr lang="en-US"/>
-          </a:p>
-        </p:txBody>
-      </p:sp>
-      <p:sp>
-        <p:nvSpPr>
-          <p:cNvPr id="4" name="Slide Number Placeholder 3"/>
+          <p:cNvPr id="5" name="Slide Number Placeholder 4"/>
           <p:cNvSpPr>
             <a:spLocks noGrp="1"/>
           </p:cNvSpPr>
@@ -13769,89 +13921,24 @@
       </p:sp>
       <p:sp>
         <p:nvSpPr>
-          <p:cNvPr id="7" name="Oval 6"/>
-          <p:cNvSpPr/>
-          <p:nvPr/>
-        </p:nvSpPr>
-        <p:spPr>
-          <a:xfrm>
-            <a:off x="990600" y="2971800"/>
-            <a:ext cx="3276600" cy="2895600"/>
-          </a:xfrm>
-          <a:prstGeom prst="ellipse">
-            <a:avLst/>
-          </a:prstGeom>
-        </p:spPr>
-        <p:style>
-          <a:lnRef idx="2">
-            <a:schemeClr val="accent1">
-              <a:shade val="50000"/>
-            </a:schemeClr>
-          </a:lnRef>
-          <a:fillRef idx="1">
-            <a:schemeClr val="accent1"/>
-          </a:fillRef>
-          <a:effectRef idx="0">
-            <a:schemeClr val="accent1"/>
-          </a:effectRef>
-          <a:fontRef idx="minor">
-            <a:schemeClr val="lt1"/>
-          </a:fontRef>
-        </p:style>
-        <p:txBody>
-          <a:bodyPr rtlCol="0" anchor="ctr"/>
-          <a:lstStyle/>
-          <a:p>
-            <a:pPr algn="ctr"/>
-            <a:r>
-              <a:rPr lang="en-US" dirty="0" smtClean="0"/>
-              <a:t>Use correlation and some stored images of triangles and circles and find the shape, by getting which shape has the maximum correlation coefficient</a:t>
-            </a:r>
-            <a:endParaRPr lang="en-US" dirty="0"/>
-          </a:p>
-        </p:txBody>
-      </p:sp>
-      <p:sp>
-        <p:nvSpPr>
-          <p:cNvPr id="9" name="Oval 8"/>
-          <p:cNvSpPr/>
-          <p:nvPr/>
-        </p:nvSpPr>
-        <p:spPr>
-          <a:xfrm>
-            <a:off x="4419600" y="2971800"/>
-            <a:ext cx="3276600" cy="2895600"/>
-          </a:xfrm>
-          <a:prstGeom prst="ellipse">
-            <a:avLst/>
-          </a:prstGeom>
-        </p:spPr>
-        <p:style>
-          <a:lnRef idx="2">
-            <a:schemeClr val="accent1">
-              <a:shade val="50000"/>
-            </a:schemeClr>
-          </a:lnRef>
-          <a:fillRef idx="1">
-            <a:schemeClr val="accent1"/>
-          </a:fillRef>
-          <a:effectRef idx="0">
-            <a:schemeClr val="accent1"/>
-          </a:effectRef>
-          <a:fontRef idx="minor">
-            <a:schemeClr val="lt1"/>
-          </a:fontRef>
-        </p:style>
-        <p:txBody>
-          <a:bodyPr rtlCol="0" anchor="ctr"/>
-          <a:lstStyle/>
-          <a:p>
-            <a:pPr algn="ctr"/>
-            <a:r>
-              <a:rPr lang="en-US" sz="1600" dirty="0" smtClean="0"/>
-              <a:t>Train a neural network using images of triangles and circles and all the road signs, and then use this neural network to classify the extracted blob in one of the shapes.</a:t>
-            </a:r>
-            <a:endParaRPr lang="en-US" sz="1600" dirty="0"/>
+          <p:cNvPr id="6" name="Footer Placeholder 5"/>
+          <p:cNvSpPr>
+            <a:spLocks noGrp="1"/>
+          </p:cNvSpPr>
+          <p:nvPr>
+            <p:ph type="ftr" sz="quarter" idx="11"/>
+          </p:nvPr>
+        </p:nvSpPr>
+        <p:spPr/>
+        <p:txBody>
+          <a:bodyPr/>
+          <a:lstStyle/>
+          <a:p>
+            <a:r>
+              <a:rPr lang="en-US" smtClean="0"/>
+              <a:t>Image Processing Interns, IIITDM, Kancheepuram</a:t>
+            </a:r>
+            <a:endParaRPr lang="en-US"/>
           </a:p>
         </p:txBody>
       </p:sp>
@@ -13889,59 +13976,7 @@
       </p:grpSpPr>
       <p:sp>
         <p:nvSpPr>
-          <p:cNvPr id="7" name="Title 6"/>
-          <p:cNvSpPr>
-            <a:spLocks noGrp="1"/>
-          </p:cNvSpPr>
-          <p:nvPr>
-            <p:ph type="title"/>
-          </p:nvPr>
-        </p:nvSpPr>
-        <p:spPr/>
-        <p:txBody>
-          <a:bodyPr/>
-          <a:lstStyle/>
-          <a:p>
-            <a:r>
-              <a:rPr lang="en-US" dirty="0" smtClean="0"/>
-              <a:t>Further classification</a:t>
-            </a:r>
-            <a:endParaRPr lang="en-US" dirty="0"/>
-          </a:p>
-        </p:txBody>
-      </p:sp>
-      <p:sp>
-        <p:nvSpPr>
-          <p:cNvPr id="8" name="Content Placeholder 7"/>
-          <p:cNvSpPr>
-            <a:spLocks noGrp="1"/>
-          </p:cNvSpPr>
-          <p:nvPr>
-            <p:ph idx="1"/>
-          </p:nvPr>
-        </p:nvSpPr>
-        <p:spPr/>
-        <p:txBody>
-          <a:bodyPr/>
-          <a:lstStyle/>
-          <a:p>
-            <a:r>
-              <a:rPr lang="en-US" dirty="0" smtClean="0"/>
-              <a:t>Once we have found the region of interest in the input image and found the shape of the image, then we will immediately get the class of the image (compulsory, warning, etc);</a:t>
-            </a:r>
-          </a:p>
-          <a:p>
-            <a:r>
-              <a:rPr lang="en-US" dirty="0" smtClean="0"/>
-              <a:t>Now, in the further steps, we go for further classification into the exact sign that the image represents (“road narrows”, “speed limit”, etc)</a:t>
-            </a:r>
-            <a:endParaRPr lang="en-US" dirty="0"/>
-          </a:p>
-        </p:txBody>
-      </p:sp>
-      <p:sp>
-        <p:nvSpPr>
-          <p:cNvPr id="4" name="Date Placeholder 3"/>
+          <p:cNvPr id="2" name="Date Placeholder 1"/>
           <p:cNvSpPr>
             <a:spLocks noGrp="1"/>
           </p:cNvSpPr>
@@ -13958,13 +13993,13 @@
               <a:rPr lang="en-US" smtClean="0"/>
               <a:t>18th June, 2014</a:t>
             </a:r>
-            <a:endParaRPr lang="en-US" dirty="0"/>
-          </a:p>
-        </p:txBody>
-      </p:sp>
-      <p:sp>
-        <p:nvSpPr>
-          <p:cNvPr id="5" name="Footer Placeholder 4"/>
+            <a:endParaRPr lang="en-US"/>
+          </a:p>
+        </p:txBody>
+      </p:sp>
+      <p:sp>
+        <p:nvSpPr>
+          <p:cNvPr id="3" name="Footer Placeholder 2"/>
           <p:cNvSpPr>
             <a:spLocks noGrp="1"/>
           </p:cNvSpPr>
@@ -13981,13 +14016,13 @@
               <a:rPr lang="en-US" smtClean="0"/>
               <a:t>Image Processing Interns, IIITDM, Kancheepuram</a:t>
             </a:r>
-            <a:endParaRPr lang="en-US" dirty="0"/>
-          </a:p>
-        </p:txBody>
-      </p:sp>
-      <p:sp>
-        <p:nvSpPr>
-          <p:cNvPr id="6" name="Slide Number Placeholder 5"/>
+            <a:endParaRPr lang="en-US"/>
+          </a:p>
+        </p:txBody>
+      </p:sp>
+      <p:sp>
+        <p:nvSpPr>
+          <p:cNvPr id="4" name="Slide Number Placeholder 3"/>
           <p:cNvSpPr>
             <a:spLocks noGrp="1"/>
           </p:cNvSpPr>
@@ -14005,6 +14040,196 @@
               <a:pPr/>
               <a:t>15</a:t>
             </a:fld>
+            <a:endParaRPr lang="en-US"/>
+          </a:p>
+        </p:txBody>
+      </p:sp>
+      <p:pic>
+        <p:nvPicPr>
+          <p:cNvPr id="2050" name="Picture 2"/>
+          <p:cNvPicPr>
+            <a:picLocks noChangeAspect="1" noChangeArrowheads="1"/>
+          </p:cNvPicPr>
+          <p:nvPr/>
+        </p:nvPicPr>
+        <p:blipFill>
+          <a:blip r:embed="rId2" cstate="print"/>
+          <a:srcRect/>
+          <a:stretch>
+            <a:fillRect/>
+          </a:stretch>
+        </p:blipFill>
+        <p:spPr bwMode="auto">
+          <a:xfrm>
+            <a:off x="6400800" y="4495800"/>
+            <a:ext cx="2505075" cy="2152650"/>
+          </a:xfrm>
+          <a:prstGeom prst="rect">
+            <a:avLst/>
+          </a:prstGeom>
+          <a:noFill/>
+          <a:ln w="9525">
+            <a:noFill/>
+            <a:miter lim="800000"/>
+            <a:headEnd/>
+            <a:tailEnd/>
+          </a:ln>
+          <a:effectLst/>
+        </p:spPr>
+      </p:pic>
+      <p:pic>
+        <p:nvPicPr>
+          <p:cNvPr id="2051" name="Picture 3"/>
+          <p:cNvPicPr>
+            <a:picLocks noChangeAspect="1" noChangeArrowheads="1"/>
+          </p:cNvPicPr>
+          <p:nvPr/>
+        </p:nvPicPr>
+        <p:blipFill>
+          <a:blip r:embed="rId3" cstate="print"/>
+          <a:srcRect/>
+          <a:stretch>
+            <a:fillRect/>
+          </a:stretch>
+        </p:blipFill>
+        <p:spPr bwMode="auto">
+          <a:xfrm>
+            <a:off x="1" y="1"/>
+            <a:ext cx="5029200" cy="3799390"/>
+          </a:xfrm>
+          <a:prstGeom prst="rect">
+            <a:avLst/>
+          </a:prstGeom>
+          <a:noFill/>
+          <a:ln w="9525">
+            <a:noFill/>
+            <a:miter lim="800000"/>
+            <a:headEnd/>
+            <a:tailEnd/>
+          </a:ln>
+          <a:effectLst/>
+        </p:spPr>
+      </p:pic>
+      <p:sp>
+        <p:nvSpPr>
+          <p:cNvPr id="7" name="Right Arrow 6"/>
+          <p:cNvSpPr/>
+          <p:nvPr/>
+        </p:nvSpPr>
+        <p:spPr>
+          <a:xfrm rot="1740436">
+            <a:off x="4890754" y="3924371"/>
+            <a:ext cx="1406402" cy="762000"/>
+          </a:xfrm>
+          <a:prstGeom prst="rightArrow">
+            <a:avLst/>
+          </a:prstGeom>
+        </p:spPr>
+        <p:style>
+          <a:lnRef idx="2">
+            <a:schemeClr val="accent1">
+              <a:shade val="50000"/>
+            </a:schemeClr>
+          </a:lnRef>
+          <a:fillRef idx="1">
+            <a:schemeClr val="accent1"/>
+          </a:fillRef>
+          <a:effectRef idx="0">
+            <a:schemeClr val="accent1"/>
+          </a:effectRef>
+          <a:fontRef idx="minor">
+            <a:schemeClr val="lt1"/>
+          </a:fontRef>
+        </p:style>
+        <p:txBody>
+          <a:bodyPr rtlCol="0" anchor="ctr"/>
+          <a:lstStyle/>
+          <a:p>
+            <a:pPr algn="ctr"/>
+            <a:endParaRPr lang="en-US"/>
+          </a:p>
+        </p:txBody>
+      </p:sp>
+      <p:sp>
+        <p:nvSpPr>
+          <p:cNvPr id="9" name="Oval 8"/>
+          <p:cNvSpPr/>
+          <p:nvPr/>
+        </p:nvSpPr>
+        <p:spPr>
+          <a:xfrm>
+            <a:off x="5867400" y="990600"/>
+            <a:ext cx="2667000" cy="2438400"/>
+          </a:xfrm>
+          <a:prstGeom prst="ellipse">
+            <a:avLst/>
+          </a:prstGeom>
+        </p:spPr>
+        <p:style>
+          <a:lnRef idx="2">
+            <a:schemeClr val="accent1">
+              <a:shade val="50000"/>
+            </a:schemeClr>
+          </a:lnRef>
+          <a:fillRef idx="1">
+            <a:schemeClr val="accent1"/>
+          </a:fillRef>
+          <a:effectRef idx="0">
+            <a:schemeClr val="accent1"/>
+          </a:effectRef>
+          <a:fontRef idx="minor">
+            <a:schemeClr val="lt1"/>
+          </a:fontRef>
+        </p:style>
+        <p:txBody>
+          <a:bodyPr rtlCol="0" anchor="ctr"/>
+          <a:lstStyle/>
+          <a:p>
+            <a:pPr algn="ctr"/>
+            <a:r>
+              <a:rPr lang="en-US" sz="1400" dirty="0" smtClean="0"/>
+              <a:t>This is the blob that is extracted up to now. As seen below, the truck, building etc, have been removed and we have the image that is ready to be submitted to the neural network</a:t>
+            </a:r>
+            <a:endParaRPr lang="en-US" sz="1400" dirty="0"/>
+          </a:p>
+        </p:txBody>
+      </p:sp>
+      <p:sp>
+        <p:nvSpPr>
+          <p:cNvPr id="10" name="Down Arrow 9"/>
+          <p:cNvSpPr/>
+          <p:nvPr/>
+        </p:nvSpPr>
+        <p:spPr>
+          <a:xfrm>
+            <a:off x="7086600" y="3581400"/>
+            <a:ext cx="304800" cy="762000"/>
+          </a:xfrm>
+          <a:prstGeom prst="downArrow">
+            <a:avLst/>
+          </a:prstGeom>
+        </p:spPr>
+        <p:style>
+          <a:lnRef idx="2">
+            <a:schemeClr val="accent1">
+              <a:shade val="50000"/>
+            </a:schemeClr>
+          </a:lnRef>
+          <a:fillRef idx="1">
+            <a:schemeClr val="accent1"/>
+          </a:fillRef>
+          <a:effectRef idx="0">
+            <a:schemeClr val="accent1"/>
+          </a:effectRef>
+          <a:fontRef idx="minor">
+            <a:schemeClr val="lt1"/>
+          </a:fontRef>
+        </p:style>
+        <p:txBody>
+          <a:bodyPr rtlCol="0" anchor="ctr"/>
+          <a:lstStyle/>
+          <a:p>
+            <a:pPr algn="ctr"/>
             <a:endParaRPr lang="en-US"/>
           </a:p>
         </p:txBody>
@@ -14014,6 +14239,13 @@
   <p:clrMapOvr>
     <a:masterClrMapping/>
   </p:clrMapOvr>
+  <p:timing>
+    <p:tnLst>
+      <p:par>
+        <p:cTn id="1" dur="indefinite" restart="never" nodeType="tmRoot"/>
+      </p:par>
+    </p:tnLst>
+  </p:timing>
 </p:sld>
 </file>
 
@@ -14036,7 +14268,816 @@
       </p:grpSpPr>
       <p:sp>
         <p:nvSpPr>
-          <p:cNvPr id="40962" name="TextShape 1"/>
+          <p:cNvPr id="7" name="Title 6"/>
+          <p:cNvSpPr>
+            <a:spLocks noGrp="1"/>
+          </p:cNvSpPr>
+          <p:nvPr>
+            <p:ph type="title"/>
+          </p:nvPr>
+        </p:nvSpPr>
+        <p:spPr/>
+        <p:txBody>
+          <a:bodyPr/>
+          <a:lstStyle/>
+          <a:p>
+            <a:r>
+              <a:rPr lang="en-US" dirty="0" smtClean="0"/>
+              <a:t>Another example</a:t>
+            </a:r>
+            <a:endParaRPr lang="en-US" dirty="0"/>
+          </a:p>
+        </p:txBody>
+      </p:sp>
+      <p:sp>
+        <p:nvSpPr>
+          <p:cNvPr id="2" name="Date Placeholder 1"/>
+          <p:cNvSpPr>
+            <a:spLocks noGrp="1"/>
+          </p:cNvSpPr>
+          <p:nvPr>
+            <p:ph type="dt" sz="half" idx="10"/>
+          </p:nvPr>
+        </p:nvSpPr>
+        <p:spPr/>
+        <p:txBody>
+          <a:bodyPr/>
+          <a:lstStyle/>
+          <a:p>
+            <a:r>
+              <a:rPr lang="en-US" smtClean="0"/>
+              <a:t>18th June, 2014</a:t>
+            </a:r>
+            <a:endParaRPr lang="en-US"/>
+          </a:p>
+        </p:txBody>
+      </p:sp>
+      <p:sp>
+        <p:nvSpPr>
+          <p:cNvPr id="3" name="Footer Placeholder 2"/>
+          <p:cNvSpPr>
+            <a:spLocks noGrp="1"/>
+          </p:cNvSpPr>
+          <p:nvPr>
+            <p:ph type="ftr" sz="quarter" idx="11"/>
+          </p:nvPr>
+        </p:nvSpPr>
+        <p:spPr/>
+        <p:txBody>
+          <a:bodyPr/>
+          <a:lstStyle/>
+          <a:p>
+            <a:r>
+              <a:rPr lang="en-US" smtClean="0"/>
+              <a:t>Image Processing Interns, IIITDM, Kancheepuram</a:t>
+            </a:r>
+            <a:endParaRPr lang="en-US"/>
+          </a:p>
+        </p:txBody>
+      </p:sp>
+      <p:sp>
+        <p:nvSpPr>
+          <p:cNvPr id="4" name="Slide Number Placeholder 3"/>
+          <p:cNvSpPr>
+            <a:spLocks noGrp="1"/>
+          </p:cNvSpPr>
+          <p:nvPr>
+            <p:ph type="sldNum" sz="quarter" idx="12"/>
+          </p:nvPr>
+        </p:nvSpPr>
+        <p:spPr/>
+        <p:txBody>
+          <a:bodyPr/>
+          <a:lstStyle/>
+          <a:p>
+            <a:fld id="{AB249746-A831-457C-AC59-C43D077DC69E}" type="slidenum">
+              <a:rPr lang="en-US" smtClean="0"/>
+              <a:pPr/>
+              <a:t>16</a:t>
+            </a:fld>
+            <a:endParaRPr lang="en-US"/>
+          </a:p>
+        </p:txBody>
+      </p:sp>
+      <p:pic>
+        <p:nvPicPr>
+          <p:cNvPr id="3074" name="Picture 2"/>
+          <p:cNvPicPr>
+            <a:picLocks noChangeAspect="1" noChangeArrowheads="1"/>
+          </p:cNvPicPr>
+          <p:nvPr/>
+        </p:nvPicPr>
+        <p:blipFill>
+          <a:blip r:embed="rId2" cstate="print"/>
+          <a:srcRect/>
+          <a:stretch>
+            <a:fillRect/>
+          </a:stretch>
+        </p:blipFill>
+        <p:spPr bwMode="auto">
+          <a:xfrm>
+            <a:off x="1" y="1066801"/>
+            <a:ext cx="4733994" cy="3581400"/>
+          </a:xfrm>
+          <a:prstGeom prst="rect">
+            <a:avLst/>
+          </a:prstGeom>
+          <a:noFill/>
+          <a:ln w="9525">
+            <a:noFill/>
+            <a:miter lim="800000"/>
+            <a:headEnd/>
+            <a:tailEnd/>
+          </a:ln>
+          <a:effectLst/>
+        </p:spPr>
+      </p:pic>
+      <p:pic>
+        <p:nvPicPr>
+          <p:cNvPr id="3075" name="Picture 3"/>
+          <p:cNvPicPr>
+            <a:picLocks noChangeAspect="1" noChangeArrowheads="1"/>
+          </p:cNvPicPr>
+          <p:nvPr/>
+        </p:nvPicPr>
+        <p:blipFill>
+          <a:blip r:embed="rId3" cstate="print"/>
+          <a:srcRect/>
+          <a:stretch>
+            <a:fillRect/>
+          </a:stretch>
+        </p:blipFill>
+        <p:spPr bwMode="auto">
+          <a:xfrm>
+            <a:off x="6953250" y="4343400"/>
+            <a:ext cx="2190750" cy="1924050"/>
+          </a:xfrm>
+          <a:prstGeom prst="rect">
+            <a:avLst/>
+          </a:prstGeom>
+          <a:noFill/>
+          <a:ln w="9525">
+            <a:noFill/>
+            <a:miter lim="800000"/>
+            <a:headEnd/>
+            <a:tailEnd/>
+          </a:ln>
+          <a:effectLst/>
+        </p:spPr>
+      </p:pic>
+      <p:sp>
+        <p:nvSpPr>
+          <p:cNvPr id="10" name="Right Arrow 9"/>
+          <p:cNvSpPr/>
+          <p:nvPr/>
+        </p:nvSpPr>
+        <p:spPr>
+          <a:xfrm rot="1438906">
+            <a:off x="5080727" y="4505371"/>
+            <a:ext cx="1676400" cy="609600"/>
+          </a:xfrm>
+          <a:prstGeom prst="rightArrow">
+            <a:avLst/>
+          </a:prstGeom>
+        </p:spPr>
+        <p:style>
+          <a:lnRef idx="2">
+            <a:schemeClr val="accent1">
+              <a:shade val="50000"/>
+            </a:schemeClr>
+          </a:lnRef>
+          <a:fillRef idx="1">
+            <a:schemeClr val="accent1"/>
+          </a:fillRef>
+          <a:effectRef idx="0">
+            <a:schemeClr val="accent1"/>
+          </a:effectRef>
+          <a:fontRef idx="minor">
+            <a:schemeClr val="lt1"/>
+          </a:fontRef>
+        </p:style>
+        <p:txBody>
+          <a:bodyPr rtlCol="0" anchor="ctr"/>
+          <a:lstStyle/>
+          <a:p>
+            <a:pPr algn="ctr"/>
+            <a:endParaRPr lang="en-US"/>
+          </a:p>
+        </p:txBody>
+      </p:sp>
+    </p:spTree>
+  </p:cSld>
+  <p:clrMapOvr>
+    <a:masterClrMapping/>
+  </p:clrMapOvr>
+  <p:timing>
+    <p:tnLst>
+      <p:par>
+        <p:cTn id="1" dur="indefinite" restart="never" nodeType="tmRoot"/>
+      </p:par>
+    </p:tnLst>
+  </p:timing>
+</p:sld>
+</file>
+
+<file path=ppt/slides/slide17.xml><?xml version="1.0" encoding="utf-8"?>
+<p:sld xmlns:a="http://schemas.openxmlformats.org/drawingml/2006/main" xmlns:r="http://schemas.openxmlformats.org/officeDocument/2006/relationships" xmlns:p="http://schemas.openxmlformats.org/presentationml/2006/main">
+  <p:cSld>
+    <p:spTree>
+      <p:nvGrpSpPr>
+        <p:cNvPr id="1" name=""/>
+        <p:cNvGrpSpPr/>
+        <p:nvPr/>
+      </p:nvGrpSpPr>
+      <p:grpSpPr>
+        <a:xfrm>
+          <a:off x="0" y="0"/>
+          <a:ext cx="0" cy="0"/>
+          <a:chOff x="0" y="0"/>
+          <a:chExt cx="0" cy="0"/>
+        </a:xfrm>
+      </p:grpSpPr>
+      <p:sp>
+        <p:nvSpPr>
+          <p:cNvPr id="5" name="Title 4"/>
+          <p:cNvSpPr>
+            <a:spLocks noGrp="1"/>
+          </p:cNvSpPr>
+          <p:nvPr>
+            <p:ph type="title"/>
+          </p:nvPr>
+        </p:nvSpPr>
+        <p:spPr/>
+        <p:txBody>
+          <a:bodyPr/>
+          <a:lstStyle/>
+          <a:p>
+            <a:r>
+              <a:rPr lang="en-US" dirty="0" smtClean="0"/>
+              <a:t>Until now…</a:t>
+            </a:r>
+            <a:endParaRPr lang="en-US" dirty="0"/>
+          </a:p>
+        </p:txBody>
+      </p:sp>
+      <p:sp>
+        <p:nvSpPr>
+          <p:cNvPr id="6" name="Content Placeholder 5"/>
+          <p:cNvSpPr>
+            <a:spLocks noGrp="1"/>
+          </p:cNvSpPr>
+          <p:nvPr>
+            <p:ph idx="1"/>
+          </p:nvPr>
+        </p:nvSpPr>
+        <p:spPr/>
+        <p:txBody>
+          <a:bodyPr>
+            <a:normAutofit fontScale="92500" lnSpcReduction="20000"/>
+          </a:bodyPr>
+          <a:lstStyle/>
+          <a:p>
+            <a:r>
+              <a:rPr lang="en-US" dirty="0" smtClean="0"/>
+              <a:t>Take the input image</a:t>
+            </a:r>
+          </a:p>
+          <a:p>
+            <a:r>
+              <a:rPr lang="en-US" dirty="0" smtClean="0"/>
+              <a:t>Transfer it to the </a:t>
+            </a:r>
+            <a:r>
+              <a:rPr lang="en-US" dirty="0" err="1" smtClean="0"/>
+              <a:t>YCbCr</a:t>
+            </a:r>
+            <a:r>
+              <a:rPr lang="en-US" dirty="0" smtClean="0"/>
+              <a:t> color space</a:t>
+            </a:r>
+          </a:p>
+          <a:p>
+            <a:r>
+              <a:rPr lang="en-US" dirty="0" smtClean="0"/>
+              <a:t>Apply blob detection on the red and blue components</a:t>
+            </a:r>
+          </a:p>
+          <a:p>
+            <a:r>
+              <a:rPr lang="en-US" dirty="0" smtClean="0"/>
+              <a:t>Using this component, we find the “bounding box” of the blob that contains the traffic sign.</a:t>
+            </a:r>
+          </a:p>
+          <a:p>
+            <a:r>
+              <a:rPr lang="en-US" dirty="0" smtClean="0"/>
+              <a:t>Now using this bounding box, find a rectangle from the main image.</a:t>
+            </a:r>
+          </a:p>
+          <a:p>
+            <a:r>
+              <a:rPr lang="en-US" dirty="0" smtClean="0"/>
+              <a:t>We have segmented the traffic sign from an image which had noise (background, cars etc)</a:t>
+            </a:r>
+            <a:endParaRPr lang="en-US" dirty="0"/>
+          </a:p>
+        </p:txBody>
+      </p:sp>
+      <p:sp>
+        <p:nvSpPr>
+          <p:cNvPr id="2" name="Date Placeholder 1"/>
+          <p:cNvSpPr>
+            <a:spLocks noGrp="1"/>
+          </p:cNvSpPr>
+          <p:nvPr>
+            <p:ph type="dt" sz="half" idx="10"/>
+          </p:nvPr>
+        </p:nvSpPr>
+        <p:spPr/>
+        <p:txBody>
+          <a:bodyPr/>
+          <a:lstStyle/>
+          <a:p>
+            <a:r>
+              <a:rPr lang="en-US" smtClean="0"/>
+              <a:t>18th June, 2014</a:t>
+            </a:r>
+            <a:endParaRPr lang="en-US"/>
+          </a:p>
+        </p:txBody>
+      </p:sp>
+      <p:sp>
+        <p:nvSpPr>
+          <p:cNvPr id="3" name="Footer Placeholder 2"/>
+          <p:cNvSpPr>
+            <a:spLocks noGrp="1"/>
+          </p:cNvSpPr>
+          <p:nvPr>
+            <p:ph type="ftr" sz="quarter" idx="11"/>
+          </p:nvPr>
+        </p:nvSpPr>
+        <p:spPr/>
+        <p:txBody>
+          <a:bodyPr/>
+          <a:lstStyle/>
+          <a:p>
+            <a:r>
+              <a:rPr lang="en-US" smtClean="0"/>
+              <a:t>Image Processing Interns, IIITDM, Kancheepuram</a:t>
+            </a:r>
+            <a:endParaRPr lang="en-US"/>
+          </a:p>
+        </p:txBody>
+      </p:sp>
+      <p:sp>
+        <p:nvSpPr>
+          <p:cNvPr id="4" name="Slide Number Placeholder 3"/>
+          <p:cNvSpPr>
+            <a:spLocks noGrp="1"/>
+          </p:cNvSpPr>
+          <p:nvPr>
+            <p:ph type="sldNum" sz="quarter" idx="12"/>
+          </p:nvPr>
+        </p:nvSpPr>
+        <p:spPr/>
+        <p:txBody>
+          <a:bodyPr/>
+          <a:lstStyle/>
+          <a:p>
+            <a:fld id="{AB249746-A831-457C-AC59-C43D077DC69E}" type="slidenum">
+              <a:rPr lang="en-US" smtClean="0"/>
+              <a:pPr/>
+              <a:t>17</a:t>
+            </a:fld>
+            <a:endParaRPr lang="en-US"/>
+          </a:p>
+        </p:txBody>
+      </p:sp>
+    </p:spTree>
+  </p:cSld>
+  <p:clrMapOvr>
+    <a:masterClrMapping/>
+  </p:clrMapOvr>
+  <p:timing>
+    <p:tnLst>
+      <p:par>
+        <p:cTn id="1" dur="indefinite" restart="never" nodeType="tmRoot"/>
+      </p:par>
+    </p:tnLst>
+  </p:timing>
+</p:sld>
+</file>
+
+<file path=ppt/slides/slide18.xml><?xml version="1.0" encoding="utf-8"?>
+<p:sld xmlns:a="http://schemas.openxmlformats.org/drawingml/2006/main" xmlns:r="http://schemas.openxmlformats.org/officeDocument/2006/relationships" xmlns:p="http://schemas.openxmlformats.org/presentationml/2006/main">
+  <p:cSld>
+    <p:spTree>
+      <p:nvGrpSpPr>
+        <p:cNvPr id="1" name=""/>
+        <p:cNvGrpSpPr/>
+        <p:nvPr/>
+      </p:nvGrpSpPr>
+      <p:grpSpPr>
+        <a:xfrm>
+          <a:off x="0" y="0"/>
+          <a:ext cx="0" cy="0"/>
+          <a:chOff x="0" y="0"/>
+          <a:chExt cx="0" cy="0"/>
+        </a:xfrm>
+      </p:grpSpPr>
+      <p:sp>
+        <p:nvSpPr>
+          <p:cNvPr id="5" name="Title 4"/>
+          <p:cNvSpPr>
+            <a:spLocks noGrp="1"/>
+          </p:cNvSpPr>
+          <p:nvPr>
+            <p:ph type="title"/>
+          </p:nvPr>
+        </p:nvSpPr>
+        <p:spPr/>
+        <p:txBody>
+          <a:bodyPr/>
+          <a:lstStyle/>
+          <a:p>
+            <a:r>
+              <a:rPr lang="en-US" dirty="0" smtClean="0"/>
+              <a:t>Moving on...</a:t>
+            </a:r>
+            <a:endParaRPr lang="en-US" dirty="0"/>
+          </a:p>
+        </p:txBody>
+      </p:sp>
+      <p:sp>
+        <p:nvSpPr>
+          <p:cNvPr id="6" name="Content Placeholder 5"/>
+          <p:cNvSpPr>
+            <a:spLocks noGrp="1"/>
+          </p:cNvSpPr>
+          <p:nvPr>
+            <p:ph idx="1"/>
+          </p:nvPr>
+        </p:nvSpPr>
+        <p:spPr/>
+        <p:txBody>
+          <a:bodyPr/>
+          <a:lstStyle/>
+          <a:p>
+            <a:r>
+              <a:rPr lang="en-US" dirty="0" smtClean="0"/>
+              <a:t>Once we have the region of interest, we can proceed in two directions to find the shape.</a:t>
+            </a:r>
+            <a:endParaRPr lang="en-US" dirty="0"/>
+          </a:p>
+        </p:txBody>
+      </p:sp>
+      <p:sp>
+        <p:nvSpPr>
+          <p:cNvPr id="2" name="Date Placeholder 1"/>
+          <p:cNvSpPr>
+            <a:spLocks noGrp="1"/>
+          </p:cNvSpPr>
+          <p:nvPr>
+            <p:ph type="dt" sz="half" idx="10"/>
+          </p:nvPr>
+        </p:nvSpPr>
+        <p:spPr/>
+        <p:txBody>
+          <a:bodyPr/>
+          <a:lstStyle/>
+          <a:p>
+            <a:r>
+              <a:rPr lang="en-US" smtClean="0"/>
+              <a:t>18th June, 2014</a:t>
+            </a:r>
+            <a:endParaRPr lang="en-US"/>
+          </a:p>
+        </p:txBody>
+      </p:sp>
+      <p:sp>
+        <p:nvSpPr>
+          <p:cNvPr id="3" name="Footer Placeholder 2"/>
+          <p:cNvSpPr>
+            <a:spLocks noGrp="1"/>
+          </p:cNvSpPr>
+          <p:nvPr>
+            <p:ph type="ftr" sz="quarter" idx="11"/>
+          </p:nvPr>
+        </p:nvSpPr>
+        <p:spPr/>
+        <p:txBody>
+          <a:bodyPr/>
+          <a:lstStyle/>
+          <a:p>
+            <a:r>
+              <a:rPr lang="en-US" smtClean="0"/>
+              <a:t>Image Processing Interns, IIITDM, Kancheepuram</a:t>
+            </a:r>
+            <a:endParaRPr lang="en-US"/>
+          </a:p>
+        </p:txBody>
+      </p:sp>
+      <p:sp>
+        <p:nvSpPr>
+          <p:cNvPr id="4" name="Slide Number Placeholder 3"/>
+          <p:cNvSpPr>
+            <a:spLocks noGrp="1"/>
+          </p:cNvSpPr>
+          <p:nvPr>
+            <p:ph type="sldNum" sz="quarter" idx="12"/>
+          </p:nvPr>
+        </p:nvSpPr>
+        <p:spPr/>
+        <p:txBody>
+          <a:bodyPr/>
+          <a:lstStyle/>
+          <a:p>
+            <a:fld id="{AB249746-A831-457C-AC59-C43D077DC69E}" type="slidenum">
+              <a:rPr lang="en-US" smtClean="0"/>
+              <a:pPr/>
+              <a:t>18</a:t>
+            </a:fld>
+            <a:endParaRPr lang="en-US"/>
+          </a:p>
+        </p:txBody>
+      </p:sp>
+      <p:sp>
+        <p:nvSpPr>
+          <p:cNvPr id="7" name="Oval 6"/>
+          <p:cNvSpPr/>
+          <p:nvPr/>
+        </p:nvSpPr>
+        <p:spPr>
+          <a:xfrm>
+            <a:off x="990600" y="2971800"/>
+            <a:ext cx="3276600" cy="2895600"/>
+          </a:xfrm>
+          <a:prstGeom prst="ellipse">
+            <a:avLst/>
+          </a:prstGeom>
+        </p:spPr>
+        <p:style>
+          <a:lnRef idx="2">
+            <a:schemeClr val="accent1">
+              <a:shade val="50000"/>
+            </a:schemeClr>
+          </a:lnRef>
+          <a:fillRef idx="1">
+            <a:schemeClr val="accent1"/>
+          </a:fillRef>
+          <a:effectRef idx="0">
+            <a:schemeClr val="accent1"/>
+          </a:effectRef>
+          <a:fontRef idx="minor">
+            <a:schemeClr val="lt1"/>
+          </a:fontRef>
+        </p:style>
+        <p:txBody>
+          <a:bodyPr rtlCol="0" anchor="ctr"/>
+          <a:lstStyle/>
+          <a:p>
+            <a:pPr algn="ctr"/>
+            <a:r>
+              <a:rPr lang="en-US" dirty="0" smtClean="0"/>
+              <a:t>Use correlation and some stored images of triangles and circles and find the shape, by getting which shape has the maximum correlation coefficient</a:t>
+            </a:r>
+            <a:endParaRPr lang="en-US" dirty="0"/>
+          </a:p>
+        </p:txBody>
+      </p:sp>
+      <p:sp>
+        <p:nvSpPr>
+          <p:cNvPr id="9" name="Oval 8"/>
+          <p:cNvSpPr/>
+          <p:nvPr/>
+        </p:nvSpPr>
+        <p:spPr>
+          <a:xfrm>
+            <a:off x="4419600" y="2971800"/>
+            <a:ext cx="3276600" cy="2895600"/>
+          </a:xfrm>
+          <a:prstGeom prst="ellipse">
+            <a:avLst/>
+          </a:prstGeom>
+        </p:spPr>
+        <p:style>
+          <a:lnRef idx="2">
+            <a:schemeClr val="accent1">
+              <a:shade val="50000"/>
+            </a:schemeClr>
+          </a:lnRef>
+          <a:fillRef idx="1">
+            <a:schemeClr val="accent1"/>
+          </a:fillRef>
+          <a:effectRef idx="0">
+            <a:schemeClr val="accent1"/>
+          </a:effectRef>
+          <a:fontRef idx="minor">
+            <a:schemeClr val="lt1"/>
+          </a:fontRef>
+        </p:style>
+        <p:txBody>
+          <a:bodyPr rtlCol="0" anchor="ctr"/>
+          <a:lstStyle/>
+          <a:p>
+            <a:pPr algn="ctr"/>
+            <a:r>
+              <a:rPr lang="en-US" sz="1600" dirty="0" smtClean="0"/>
+              <a:t>Train a neural network using images of triangles and circles and all the road signs, and then use this neural network to classify the extracted blob in one of the shapes.</a:t>
+            </a:r>
+            <a:endParaRPr lang="en-US" sz="1600" dirty="0"/>
+          </a:p>
+        </p:txBody>
+      </p:sp>
+    </p:spTree>
+  </p:cSld>
+  <p:clrMapOvr>
+    <a:masterClrMapping/>
+  </p:clrMapOvr>
+  <p:timing>
+    <p:tnLst>
+      <p:par>
+        <p:cTn id="1" dur="indefinite" restart="never" nodeType="tmRoot"/>
+      </p:par>
+    </p:tnLst>
+  </p:timing>
+</p:sld>
+</file>
+
+<file path=ppt/slides/slide19.xml><?xml version="1.0" encoding="utf-8"?>
+<p:sld xmlns:a="http://schemas.openxmlformats.org/drawingml/2006/main" xmlns:r="http://schemas.openxmlformats.org/officeDocument/2006/relationships" xmlns:p="http://schemas.openxmlformats.org/presentationml/2006/main">
+  <p:cSld>
+    <p:spTree>
+      <p:nvGrpSpPr>
+        <p:cNvPr id="1" name=""/>
+        <p:cNvGrpSpPr/>
+        <p:nvPr/>
+      </p:nvGrpSpPr>
+      <p:grpSpPr>
+        <a:xfrm>
+          <a:off x="0" y="0"/>
+          <a:ext cx="0" cy="0"/>
+          <a:chOff x="0" y="0"/>
+          <a:chExt cx="0" cy="0"/>
+        </a:xfrm>
+      </p:grpSpPr>
+      <p:sp>
+        <p:nvSpPr>
+          <p:cNvPr id="7" name="Title 6"/>
+          <p:cNvSpPr>
+            <a:spLocks noGrp="1"/>
+          </p:cNvSpPr>
+          <p:nvPr>
+            <p:ph type="title"/>
+          </p:nvPr>
+        </p:nvSpPr>
+        <p:spPr/>
+        <p:txBody>
+          <a:bodyPr/>
+          <a:lstStyle/>
+          <a:p>
+            <a:r>
+              <a:rPr lang="en-US" dirty="0" smtClean="0"/>
+              <a:t>Further classification</a:t>
+            </a:r>
+            <a:endParaRPr lang="en-US" dirty="0"/>
+          </a:p>
+        </p:txBody>
+      </p:sp>
+      <p:sp>
+        <p:nvSpPr>
+          <p:cNvPr id="8" name="Content Placeholder 7"/>
+          <p:cNvSpPr>
+            <a:spLocks noGrp="1"/>
+          </p:cNvSpPr>
+          <p:nvPr>
+            <p:ph idx="1"/>
+          </p:nvPr>
+        </p:nvSpPr>
+        <p:spPr/>
+        <p:txBody>
+          <a:bodyPr/>
+          <a:lstStyle/>
+          <a:p>
+            <a:r>
+              <a:rPr lang="en-US" dirty="0" smtClean="0"/>
+              <a:t>Once we have found the region of interest in the input image and found the shape of the image, then we will immediately get the class of the image (compulsory, warning, etc);</a:t>
+            </a:r>
+          </a:p>
+          <a:p>
+            <a:r>
+              <a:rPr lang="en-US" dirty="0" smtClean="0"/>
+              <a:t>Now, in the further steps, we go for further classification into the exact sign that the image represents (“road narrows”, “speed limit”, etc)</a:t>
+            </a:r>
+            <a:endParaRPr lang="en-US" dirty="0"/>
+          </a:p>
+        </p:txBody>
+      </p:sp>
+      <p:sp>
+        <p:nvSpPr>
+          <p:cNvPr id="4" name="Date Placeholder 3"/>
+          <p:cNvSpPr>
+            <a:spLocks noGrp="1"/>
+          </p:cNvSpPr>
+          <p:nvPr>
+            <p:ph type="dt" sz="half" idx="10"/>
+          </p:nvPr>
+        </p:nvSpPr>
+        <p:spPr/>
+        <p:txBody>
+          <a:bodyPr/>
+          <a:lstStyle/>
+          <a:p>
+            <a:r>
+              <a:rPr lang="en-US" smtClean="0"/>
+              <a:t>18th June, 2014</a:t>
+            </a:r>
+            <a:endParaRPr lang="en-US" dirty="0"/>
+          </a:p>
+        </p:txBody>
+      </p:sp>
+      <p:sp>
+        <p:nvSpPr>
+          <p:cNvPr id="5" name="Footer Placeholder 4"/>
+          <p:cNvSpPr>
+            <a:spLocks noGrp="1"/>
+          </p:cNvSpPr>
+          <p:nvPr>
+            <p:ph type="ftr" sz="quarter" idx="11"/>
+          </p:nvPr>
+        </p:nvSpPr>
+        <p:spPr/>
+        <p:txBody>
+          <a:bodyPr/>
+          <a:lstStyle/>
+          <a:p>
+            <a:r>
+              <a:rPr lang="en-US" smtClean="0"/>
+              <a:t>Image Processing Interns, IIITDM, Kancheepuram</a:t>
+            </a:r>
+            <a:endParaRPr lang="en-US" dirty="0"/>
+          </a:p>
+        </p:txBody>
+      </p:sp>
+      <p:sp>
+        <p:nvSpPr>
+          <p:cNvPr id="6" name="Slide Number Placeholder 5"/>
+          <p:cNvSpPr>
+            <a:spLocks noGrp="1"/>
+          </p:cNvSpPr>
+          <p:nvPr>
+            <p:ph type="sldNum" sz="quarter" idx="12"/>
+          </p:nvPr>
+        </p:nvSpPr>
+        <p:spPr/>
+        <p:txBody>
+          <a:bodyPr/>
+          <a:lstStyle/>
+          <a:p>
+            <a:fld id="{AB249746-A831-457C-AC59-C43D077DC69E}" type="slidenum">
+              <a:rPr lang="en-US" smtClean="0"/>
+              <a:pPr/>
+              <a:t>19</a:t>
+            </a:fld>
+            <a:endParaRPr lang="en-US"/>
+          </a:p>
+        </p:txBody>
+      </p:sp>
+    </p:spTree>
+  </p:cSld>
+  <p:clrMapOvr>
+    <a:masterClrMapping/>
+  </p:clrMapOvr>
+  <p:timing>
+    <p:tnLst>
+      <p:par>
+        <p:cTn id="1" dur="indefinite" restart="never" nodeType="tmRoot"/>
+      </p:par>
+    </p:tnLst>
+  </p:timing>
+</p:sld>
+</file>
+
+<file path=ppt/slides/slide2.xml><?xml version="1.0" encoding="utf-8"?>
+<p:sld xmlns:a="http://schemas.openxmlformats.org/drawingml/2006/main" xmlns:r="http://schemas.openxmlformats.org/officeDocument/2006/relationships" xmlns:p="http://schemas.openxmlformats.org/presentationml/2006/main">
+  <p:cSld>
+    <p:spTree>
+      <p:nvGrpSpPr>
+        <p:cNvPr id="1" name=""/>
+        <p:cNvGrpSpPr/>
+        <p:nvPr/>
+      </p:nvGrpSpPr>
+      <p:grpSpPr>
+        <a:xfrm>
+          <a:off x="0" y="0"/>
+          <a:ext cx="0" cy="0"/>
+          <a:chOff x="0" y="0"/>
+          <a:chExt cx="0" cy="0"/>
+        </a:xfrm>
+      </p:grpSpPr>
+      <p:sp>
+        <p:nvSpPr>
+          <p:cNvPr id="28674" name="TextShape 1"/>
           <p:cNvSpPr txBox="1">
             <a:spLocks noChangeArrowheads="1"/>
           </p:cNvSpPr>
@@ -14070,15 +15111,15 @@
                 </a:solidFill>
                 <a:latin typeface="Calibri" pitchFamily="34" charset="0"/>
               </a:rPr>
-              <a:t>Step 4: Feature Extraction</a:t>
-            </a:r>
-            <a:endParaRPr lang="en-US"/>
-          </a:p>
-        </p:txBody>
-      </p:sp>
-      <p:sp>
-        <p:nvSpPr>
-          <p:cNvPr id="40963" name="TextShape 2"/>
+              <a:t>Problem Statement</a:t>
+            </a:r>
+            <a:endParaRPr lang="en-US"/>
+          </a:p>
+        </p:txBody>
+      </p:sp>
+      <p:sp>
+        <p:nvSpPr>
+          <p:cNvPr id="28675" name="TextShape 2"/>
           <p:cNvSpPr txBox="1">
             <a:spLocks noChangeArrowheads="1"/>
           </p:cNvSpPr>
@@ -14104,6 +15145,192 @@
           <a:bodyPr/>
           <a:lstStyle/>
           <a:p>
+            <a:pPr algn="ctr"/>
+            <a:r>
+              <a:rPr lang="en-US" sz="3200">
+                <a:solidFill>
+                  <a:srgbClr val="000000"/>
+                </a:solidFill>
+                <a:latin typeface="Calibri" pitchFamily="34" charset="0"/>
+              </a:rPr>
+              <a:t>Detect the traffic signs on both sides of the road, recognize and classify them. Then, give useful information to the driver regarding the meaning of the sign and the traffic rules to be followed.</a:t>
+            </a:r>
+            <a:endParaRPr lang="en-US"/>
+          </a:p>
+        </p:txBody>
+      </p:sp>
+      <p:sp>
+        <p:nvSpPr>
+          <p:cNvPr id="4" name="Date Placeholder 3"/>
+          <p:cNvSpPr>
+            <a:spLocks noGrp="1"/>
+          </p:cNvSpPr>
+          <p:nvPr>
+            <p:ph type="dt" sz="half" idx="10"/>
+          </p:nvPr>
+        </p:nvSpPr>
+        <p:spPr/>
+        <p:txBody>
+          <a:bodyPr/>
+          <a:lstStyle/>
+          <a:p>
+            <a:r>
+              <a:rPr lang="en-US" smtClean="0"/>
+              <a:t>18th June, 2014</a:t>
+            </a:r>
+            <a:endParaRPr lang="en-US"/>
+          </a:p>
+        </p:txBody>
+      </p:sp>
+      <p:sp>
+        <p:nvSpPr>
+          <p:cNvPr id="5" name="Slide Number Placeholder 4"/>
+          <p:cNvSpPr>
+            <a:spLocks noGrp="1"/>
+          </p:cNvSpPr>
+          <p:nvPr>
+            <p:ph type="sldNum" sz="quarter" idx="12"/>
+          </p:nvPr>
+        </p:nvSpPr>
+        <p:spPr/>
+        <p:txBody>
+          <a:bodyPr/>
+          <a:lstStyle/>
+          <a:p>
+            <a:fld id="{AB249746-A831-457C-AC59-C43D077DC69E}" type="slidenum">
+              <a:rPr lang="en-US" smtClean="0"/>
+              <a:pPr/>
+              <a:t>2</a:t>
+            </a:fld>
+            <a:endParaRPr lang="en-US"/>
+          </a:p>
+        </p:txBody>
+      </p:sp>
+      <p:sp>
+        <p:nvSpPr>
+          <p:cNvPr id="6" name="Footer Placeholder 5"/>
+          <p:cNvSpPr>
+            <a:spLocks noGrp="1"/>
+          </p:cNvSpPr>
+          <p:nvPr>
+            <p:ph type="ftr" sz="quarter" idx="11"/>
+          </p:nvPr>
+        </p:nvSpPr>
+        <p:spPr/>
+        <p:txBody>
+          <a:bodyPr/>
+          <a:lstStyle/>
+          <a:p>
+            <a:r>
+              <a:rPr lang="en-US" smtClean="0"/>
+              <a:t>Image Processing Interns, IIITDM, Kancheepuram</a:t>
+            </a:r>
+            <a:endParaRPr lang="en-US"/>
+          </a:p>
+        </p:txBody>
+      </p:sp>
+    </p:spTree>
+  </p:cSld>
+  <p:clrMapOvr>
+    <a:masterClrMapping/>
+  </p:clrMapOvr>
+  <p:timing>
+    <p:tnLst>
+      <p:par>
+        <p:cTn id="1" dur="indefinite" restart="never" nodeType="tmRoot"/>
+      </p:par>
+    </p:tnLst>
+  </p:timing>
+</p:sld>
+</file>
+
+<file path=ppt/slides/slide20.xml><?xml version="1.0" encoding="utf-8"?>
+<p:sld xmlns:a="http://schemas.openxmlformats.org/drawingml/2006/main" xmlns:r="http://schemas.openxmlformats.org/officeDocument/2006/relationships" xmlns:p="http://schemas.openxmlformats.org/presentationml/2006/main">
+  <p:cSld>
+    <p:spTree>
+      <p:nvGrpSpPr>
+        <p:cNvPr id="1" name=""/>
+        <p:cNvGrpSpPr/>
+        <p:nvPr/>
+      </p:nvGrpSpPr>
+      <p:grpSpPr>
+        <a:xfrm>
+          <a:off x="0" y="0"/>
+          <a:ext cx="0" cy="0"/>
+          <a:chOff x="0" y="0"/>
+          <a:chExt cx="0" cy="0"/>
+        </a:xfrm>
+      </p:grpSpPr>
+      <p:sp>
+        <p:nvSpPr>
+          <p:cNvPr id="40962" name="TextShape 1"/>
+          <p:cNvSpPr txBox="1">
+            <a:spLocks noChangeArrowheads="1"/>
+          </p:cNvSpPr>
+          <p:nvPr/>
+        </p:nvSpPr>
+        <p:spPr bwMode="auto">
+          <a:xfrm>
+            <a:off x="457200" y="274638"/>
+            <a:ext cx="8229600" cy="1143000"/>
+          </a:xfrm>
+          <a:prstGeom prst="rect">
+            <a:avLst/>
+          </a:prstGeom>
+          <a:noFill/>
+          <a:ln w="9525">
+            <a:noFill/>
+            <a:miter lim="800000"/>
+            <a:headEnd/>
+            <a:tailEnd/>
+          </a:ln>
+        </p:spPr>
+        <p:txBody>
+          <a:bodyPr anchor="ctr"/>
+          <a:lstStyle/>
+          <a:p>
+            <a:pPr algn="ctr"/>
+            <a:r>
+              <a:rPr lang="en-US" sz="4400">
+                <a:solidFill>
+                  <a:srgbClr val="000000"/>
+                </a:solidFill>
+                <a:latin typeface="Calibri" pitchFamily="34" charset="0"/>
+              </a:rPr>
+              <a:t>Step 4: Feature Extraction</a:t>
+            </a:r>
+            <a:endParaRPr lang="en-US"/>
+          </a:p>
+        </p:txBody>
+      </p:sp>
+      <p:sp>
+        <p:nvSpPr>
+          <p:cNvPr id="40963" name="TextShape 2"/>
+          <p:cNvSpPr txBox="1">
+            <a:spLocks noChangeArrowheads="1"/>
+          </p:cNvSpPr>
+          <p:nvPr/>
+        </p:nvSpPr>
+        <p:spPr bwMode="auto">
+          <a:xfrm>
+            <a:off x="457200" y="1600200"/>
+            <a:ext cx="8229600" cy="4525963"/>
+          </a:xfrm>
+          <a:prstGeom prst="rect">
+            <a:avLst/>
+          </a:prstGeom>
+          <a:noFill/>
+          <a:ln w="9525">
+            <a:noFill/>
+            <a:miter lim="800000"/>
+            <a:headEnd/>
+            <a:tailEnd/>
+          </a:ln>
+        </p:spPr>
+        <p:txBody>
+          <a:bodyPr/>
+          <a:lstStyle/>
+          <a:p>
             <a:pPr>
               <a:buFont typeface="Arial" pitchFamily="34" charset="0"/>
               <a:buChar char="•"/>
@@ -14196,7 +15423,7 @@
             <a:fld id="{AB249746-A831-457C-AC59-C43D077DC69E}" type="slidenum">
               <a:rPr lang="en-US" smtClean="0"/>
               <a:pPr/>
-              <a:t>16</a:t>
+              <a:t>20</a:t>
             </a:fld>
             <a:endParaRPr lang="en-US"/>
           </a:p>
@@ -14260,7 +15487,7 @@
 </p:sld>
 </file>
 
-<file path=ppt/slides/slide17.xml><?xml version="1.0" encoding="utf-8"?>
+<file path=ppt/slides/slide21.xml><?xml version="1.0" encoding="utf-8"?>
 <p:sld xmlns:a="http://schemas.openxmlformats.org/drawingml/2006/main" xmlns:r="http://schemas.openxmlformats.org/officeDocument/2006/relationships" xmlns:p="http://schemas.openxmlformats.org/presentationml/2006/main">
   <p:cSld>
     <p:spTree>
@@ -14361,7 +15588,16 @@
               <a:t> Once we have the blob, we resize it to a 25x25 image using the inbuilt </a:t>
             </a:r>
             <a:r>
-              <a:rPr lang="en-US" sz="3200" dirty="0" err="1">
+              <a:rPr lang="en-US" sz="3200" dirty="0" smtClean="0">
+                <a:solidFill>
+                  <a:srgbClr val="000000"/>
+                </a:solidFill>
+                <a:latin typeface="Calibri" pitchFamily="34" charset="0"/>
+              </a:rPr>
+              <a:t>`</a:t>
+            </a:r>
+            <a:r>
+              <a:rPr lang="en-US" sz="3200" dirty="0" err="1" smtClean="0">
                 <a:solidFill>
                   <a:srgbClr val="000000"/>
                 </a:solidFill>
@@ -14370,13 +15606,22 @@
               <a:t>imresize</a:t>
             </a:r>
             <a:r>
+              <a:rPr lang="en-US" sz="3200" dirty="0" smtClean="0">
+                <a:solidFill>
+                  <a:srgbClr val="000000"/>
+                </a:solidFill>
+                <a:latin typeface="Calibri" pitchFamily="34" charset="0"/>
+              </a:rPr>
+              <a:t>` </a:t>
+            </a:r>
+            <a:r>
               <a:rPr lang="en-US" sz="3200" dirty="0">
                 <a:solidFill>
                   <a:srgbClr val="000000"/>
                 </a:solidFill>
                 <a:latin typeface="Calibri" pitchFamily="34" charset="0"/>
               </a:rPr>
-              <a:t> function.</a:t>
+              <a:t>function.</a:t>
             </a:r>
             <a:endParaRPr lang="en-US" dirty="0"/>
           </a:p>
@@ -14489,7 +15734,7 @@
             <a:fld id="{AB249746-A831-457C-AC59-C43D077DC69E}" type="slidenum">
               <a:rPr lang="en-US" smtClean="0"/>
               <a:pPr/>
-              <a:t>17</a:t>
+              <a:t>21</a:t>
             </a:fld>
             <a:endParaRPr lang="en-US"/>
           </a:p>
@@ -14553,907 +15798,6 @@
 </p:sld>
 </file>
 
-<file path=ppt/slides/slide18.xml><?xml version="1.0" encoding="utf-8"?>
-<p:sld xmlns:a="http://schemas.openxmlformats.org/drawingml/2006/main" xmlns:r="http://schemas.openxmlformats.org/officeDocument/2006/relationships" xmlns:p="http://schemas.openxmlformats.org/presentationml/2006/main">
-  <p:cSld>
-    <p:spTree>
-      <p:nvGrpSpPr>
-        <p:cNvPr id="1" name=""/>
-        <p:cNvGrpSpPr/>
-        <p:nvPr/>
-      </p:nvGrpSpPr>
-      <p:grpSpPr>
-        <a:xfrm>
-          <a:off x="0" y="0"/>
-          <a:ext cx="0" cy="0"/>
-          <a:chOff x="0" y="0"/>
-          <a:chExt cx="0" cy="0"/>
-        </a:xfrm>
-      </p:grpSpPr>
-      <p:sp>
-        <p:nvSpPr>
-          <p:cNvPr id="2" name="Title 1"/>
-          <p:cNvSpPr>
-            <a:spLocks noGrp="1"/>
-          </p:cNvSpPr>
-          <p:nvPr>
-            <p:ph type="title"/>
-          </p:nvPr>
-        </p:nvSpPr>
-        <p:spPr/>
-        <p:txBody>
-          <a:bodyPr/>
-          <a:lstStyle/>
-          <a:p>
-            <a:r>
-              <a:rPr lang="en-US" dirty="0" smtClean="0"/>
-              <a:t>Step 5: Neural Network</a:t>
-            </a:r>
-            <a:endParaRPr lang="en-US" dirty="0"/>
-          </a:p>
-        </p:txBody>
-      </p:sp>
-      <p:sp>
-        <p:nvSpPr>
-          <p:cNvPr id="3" name="Content Placeholder 2"/>
-          <p:cNvSpPr>
-            <a:spLocks noGrp="1"/>
-          </p:cNvSpPr>
-          <p:nvPr>
-            <p:ph idx="1"/>
-          </p:nvPr>
-        </p:nvSpPr>
-        <p:spPr/>
-        <p:txBody>
-          <a:bodyPr/>
-          <a:lstStyle/>
-          <a:p>
-            <a:r>
-              <a:rPr lang="en-US" dirty="0" smtClean="0"/>
-              <a:t>Now, we have a column vector containing of 25 features of the image that we are considering.</a:t>
-            </a:r>
-          </a:p>
-          <a:p>
-            <a:r>
-              <a:rPr lang="en-US" dirty="0" smtClean="0"/>
-              <a:t>We have already trained the neural network with images that fit our description, by extracting similar features from them and then, using the `</a:t>
-            </a:r>
-            <a:r>
-              <a:rPr lang="en-US" dirty="0" err="1" smtClean="0"/>
-              <a:t>nntool</a:t>
-            </a:r>
-            <a:r>
-              <a:rPr lang="en-US" dirty="0" smtClean="0"/>
-              <a:t>` Tool from </a:t>
-            </a:r>
-            <a:r>
-              <a:rPr lang="en-US" dirty="0" err="1" smtClean="0"/>
-              <a:t>Matlab</a:t>
-            </a:r>
-            <a:r>
-              <a:rPr lang="en-US" dirty="0" smtClean="0"/>
-              <a:t> (R2009)</a:t>
-            </a:r>
-            <a:endParaRPr lang="en-US" dirty="0"/>
-          </a:p>
-        </p:txBody>
-      </p:sp>
-      <p:sp>
-        <p:nvSpPr>
-          <p:cNvPr id="4" name="Date Placeholder 3"/>
-          <p:cNvSpPr>
-            <a:spLocks noGrp="1"/>
-          </p:cNvSpPr>
-          <p:nvPr>
-            <p:ph type="dt" sz="half" idx="10"/>
-          </p:nvPr>
-        </p:nvSpPr>
-        <p:spPr/>
-        <p:txBody>
-          <a:bodyPr/>
-          <a:lstStyle/>
-          <a:p>
-            <a:r>
-              <a:rPr lang="en-US" smtClean="0"/>
-              <a:t>18th June, 2014</a:t>
-            </a:r>
-            <a:endParaRPr lang="en-US"/>
-          </a:p>
-        </p:txBody>
-      </p:sp>
-      <p:sp>
-        <p:nvSpPr>
-          <p:cNvPr id="5" name="Slide Number Placeholder 4"/>
-          <p:cNvSpPr>
-            <a:spLocks noGrp="1"/>
-          </p:cNvSpPr>
-          <p:nvPr>
-            <p:ph type="sldNum" sz="quarter" idx="12"/>
-          </p:nvPr>
-        </p:nvSpPr>
-        <p:spPr/>
-        <p:txBody>
-          <a:bodyPr/>
-          <a:lstStyle/>
-          <a:p>
-            <a:fld id="{AB249746-A831-457C-AC59-C43D077DC69E}" type="slidenum">
-              <a:rPr lang="en-US" smtClean="0"/>
-              <a:pPr/>
-              <a:t>18</a:t>
-            </a:fld>
-            <a:endParaRPr lang="en-US"/>
-          </a:p>
-        </p:txBody>
-      </p:sp>
-      <p:sp>
-        <p:nvSpPr>
-          <p:cNvPr id="6" name="Footer Placeholder 5"/>
-          <p:cNvSpPr>
-            <a:spLocks noGrp="1"/>
-          </p:cNvSpPr>
-          <p:nvPr>
-            <p:ph type="ftr" sz="quarter" idx="11"/>
-          </p:nvPr>
-        </p:nvSpPr>
-        <p:spPr/>
-        <p:txBody>
-          <a:bodyPr/>
-          <a:lstStyle/>
-          <a:p>
-            <a:r>
-              <a:rPr lang="en-US" smtClean="0"/>
-              <a:t>Image Processing Interns, IIITDM, Kancheepuram</a:t>
-            </a:r>
-            <a:endParaRPr lang="en-US"/>
-          </a:p>
-        </p:txBody>
-      </p:sp>
-    </p:spTree>
-  </p:cSld>
-  <p:clrMapOvr>
-    <a:masterClrMapping/>
-  </p:clrMapOvr>
-  <p:timing>
-    <p:tnLst>
-      <p:par>
-        <p:cTn id="1" dur="indefinite" restart="never" nodeType="tmRoot"/>
-      </p:par>
-    </p:tnLst>
-  </p:timing>
-</p:sld>
-</file>
-
-<file path=ppt/slides/slide19.xml><?xml version="1.0" encoding="utf-8"?>
-<p:sld xmlns:a="http://schemas.openxmlformats.org/drawingml/2006/main" xmlns:r="http://schemas.openxmlformats.org/officeDocument/2006/relationships" xmlns:p="http://schemas.openxmlformats.org/presentationml/2006/main">
-  <p:cSld>
-    <p:spTree>
-      <p:nvGrpSpPr>
-        <p:cNvPr id="1" name=""/>
-        <p:cNvGrpSpPr/>
-        <p:nvPr/>
-      </p:nvGrpSpPr>
-      <p:grpSpPr>
-        <a:xfrm>
-          <a:off x="0" y="0"/>
-          <a:ext cx="0" cy="0"/>
-          <a:chOff x="0" y="0"/>
-          <a:chExt cx="0" cy="0"/>
-        </a:xfrm>
-      </p:grpSpPr>
-      <p:sp>
-        <p:nvSpPr>
-          <p:cNvPr id="2" name="Title 1"/>
-          <p:cNvSpPr>
-            <a:spLocks noGrp="1"/>
-          </p:cNvSpPr>
-          <p:nvPr>
-            <p:ph type="title"/>
-          </p:nvPr>
-        </p:nvSpPr>
-        <p:spPr/>
-        <p:txBody>
-          <a:bodyPr>
-            <a:normAutofit fontScale="90000"/>
-          </a:bodyPr>
-          <a:lstStyle/>
-          <a:p>
-            <a:r>
-              <a:rPr lang="en-US" dirty="0" smtClean="0"/>
-              <a:t>More about the Neural Network being used</a:t>
-            </a:r>
-            <a:endParaRPr lang="en-US" dirty="0"/>
-          </a:p>
-        </p:txBody>
-      </p:sp>
-      <p:sp>
-        <p:nvSpPr>
-          <p:cNvPr id="3" name="Content Placeholder 2"/>
-          <p:cNvSpPr>
-            <a:spLocks noGrp="1"/>
-          </p:cNvSpPr>
-          <p:nvPr>
-            <p:ph idx="1"/>
-          </p:nvPr>
-        </p:nvSpPr>
-        <p:spPr/>
-        <p:txBody>
-          <a:bodyPr>
-            <a:normAutofit lnSpcReduction="10000"/>
-          </a:bodyPr>
-          <a:lstStyle/>
-          <a:p>
-            <a:r>
-              <a:rPr lang="en-US" dirty="0" smtClean="0"/>
-              <a:t>We are using a feed-forward </a:t>
-            </a:r>
-            <a:r>
-              <a:rPr lang="en-US" dirty="0" smtClean="0"/>
-              <a:t>back propagation </a:t>
-            </a:r>
-            <a:r>
-              <a:rPr lang="en-US" dirty="0" smtClean="0"/>
-              <a:t>neural network with two hidden layers.</a:t>
-            </a:r>
-          </a:p>
-          <a:p>
-            <a:r>
-              <a:rPr lang="en-US" dirty="0" smtClean="0"/>
-              <a:t>Tentatively, we have three classes of input images. This can be easily changed. From here onwards, we will assume that we have three classes of images.</a:t>
-            </a:r>
-          </a:p>
-          <a:p>
-            <a:r>
-              <a:rPr lang="en-US" dirty="0" smtClean="0"/>
-              <a:t>We will be using three matrices throughout: the </a:t>
-            </a:r>
-            <a:r>
-              <a:rPr lang="en-US" b="1" dirty="0" smtClean="0"/>
-              <a:t>input</a:t>
-            </a:r>
-            <a:r>
-              <a:rPr lang="en-US" dirty="0" smtClean="0"/>
-              <a:t> matrix, the </a:t>
-            </a:r>
-            <a:r>
-              <a:rPr lang="en-US" b="1" dirty="0" smtClean="0"/>
-              <a:t>target</a:t>
-            </a:r>
-            <a:r>
-              <a:rPr lang="en-US" dirty="0" smtClean="0"/>
-              <a:t> matrix and the </a:t>
-            </a:r>
-            <a:r>
-              <a:rPr lang="en-US" b="1" dirty="0" smtClean="0"/>
-              <a:t>output</a:t>
-            </a:r>
-            <a:r>
-              <a:rPr lang="en-US" dirty="0" smtClean="0"/>
-              <a:t> matrix</a:t>
-            </a:r>
-          </a:p>
-          <a:p>
-            <a:endParaRPr lang="en-US" dirty="0"/>
-          </a:p>
-        </p:txBody>
-      </p:sp>
-      <p:sp>
-        <p:nvSpPr>
-          <p:cNvPr id="4" name="Date Placeholder 3"/>
-          <p:cNvSpPr>
-            <a:spLocks noGrp="1"/>
-          </p:cNvSpPr>
-          <p:nvPr>
-            <p:ph type="dt" sz="half" idx="10"/>
-          </p:nvPr>
-        </p:nvSpPr>
-        <p:spPr/>
-        <p:txBody>
-          <a:bodyPr/>
-          <a:lstStyle/>
-          <a:p>
-            <a:r>
-              <a:rPr lang="en-US" smtClean="0"/>
-              <a:t>18th June, 2014</a:t>
-            </a:r>
-            <a:endParaRPr lang="en-US"/>
-          </a:p>
-        </p:txBody>
-      </p:sp>
-      <p:sp>
-        <p:nvSpPr>
-          <p:cNvPr id="5" name="Slide Number Placeholder 4"/>
-          <p:cNvSpPr>
-            <a:spLocks noGrp="1"/>
-          </p:cNvSpPr>
-          <p:nvPr>
-            <p:ph type="sldNum" sz="quarter" idx="12"/>
-          </p:nvPr>
-        </p:nvSpPr>
-        <p:spPr/>
-        <p:txBody>
-          <a:bodyPr/>
-          <a:lstStyle/>
-          <a:p>
-            <a:fld id="{AB249746-A831-457C-AC59-C43D077DC69E}" type="slidenum">
-              <a:rPr lang="en-US" smtClean="0"/>
-              <a:pPr/>
-              <a:t>19</a:t>
-            </a:fld>
-            <a:endParaRPr lang="en-US"/>
-          </a:p>
-        </p:txBody>
-      </p:sp>
-      <p:sp>
-        <p:nvSpPr>
-          <p:cNvPr id="6" name="Footer Placeholder 5"/>
-          <p:cNvSpPr>
-            <a:spLocks noGrp="1"/>
-          </p:cNvSpPr>
-          <p:nvPr>
-            <p:ph type="ftr" sz="quarter" idx="11"/>
-          </p:nvPr>
-        </p:nvSpPr>
-        <p:spPr/>
-        <p:txBody>
-          <a:bodyPr/>
-          <a:lstStyle/>
-          <a:p>
-            <a:r>
-              <a:rPr lang="en-US" smtClean="0"/>
-              <a:t>Image Processing Interns, IIITDM, Kancheepuram</a:t>
-            </a:r>
-            <a:endParaRPr lang="en-US"/>
-          </a:p>
-        </p:txBody>
-      </p:sp>
-    </p:spTree>
-  </p:cSld>
-  <p:clrMapOvr>
-    <a:masterClrMapping/>
-  </p:clrMapOvr>
-  <p:timing>
-    <p:tnLst>
-      <p:par>
-        <p:cTn id="1" dur="indefinite" restart="never" nodeType="tmRoot"/>
-      </p:par>
-    </p:tnLst>
-  </p:timing>
-</p:sld>
-</file>
-
-<file path=ppt/slides/slide2.xml><?xml version="1.0" encoding="utf-8"?>
-<p:sld xmlns:a="http://schemas.openxmlformats.org/drawingml/2006/main" xmlns:r="http://schemas.openxmlformats.org/officeDocument/2006/relationships" xmlns:p="http://schemas.openxmlformats.org/presentationml/2006/main">
-  <p:cSld>
-    <p:spTree>
-      <p:nvGrpSpPr>
-        <p:cNvPr id="1" name=""/>
-        <p:cNvGrpSpPr/>
-        <p:nvPr/>
-      </p:nvGrpSpPr>
-      <p:grpSpPr>
-        <a:xfrm>
-          <a:off x="0" y="0"/>
-          <a:ext cx="0" cy="0"/>
-          <a:chOff x="0" y="0"/>
-          <a:chExt cx="0" cy="0"/>
-        </a:xfrm>
-      </p:grpSpPr>
-      <p:sp>
-        <p:nvSpPr>
-          <p:cNvPr id="28674" name="TextShape 1"/>
-          <p:cNvSpPr txBox="1">
-            <a:spLocks noChangeArrowheads="1"/>
-          </p:cNvSpPr>
-          <p:nvPr/>
-        </p:nvSpPr>
-        <p:spPr bwMode="auto">
-          <a:xfrm>
-            <a:off x="457200" y="274638"/>
-            <a:ext cx="8229600" cy="1143000"/>
-          </a:xfrm>
-          <a:prstGeom prst="rect">
-            <a:avLst/>
-          </a:prstGeom>
-          <a:noFill/>
-          <a:ln w="9525">
-            <a:noFill/>
-            <a:miter lim="800000"/>
-            <a:headEnd/>
-            <a:tailEnd/>
-          </a:ln>
-        </p:spPr>
-        <p:txBody>
-          <a:bodyPr anchor="ctr"/>
-          <a:lstStyle/>
-          <a:p>
-            <a:pPr algn="ctr"/>
-            <a:r>
-              <a:rPr lang="en-US" sz="4400">
-                <a:solidFill>
-                  <a:srgbClr val="000000"/>
-                </a:solidFill>
-                <a:latin typeface="Calibri" pitchFamily="34" charset="0"/>
-              </a:rPr>
-              <a:t>Problem Statement</a:t>
-            </a:r>
-            <a:endParaRPr lang="en-US"/>
-          </a:p>
-        </p:txBody>
-      </p:sp>
-      <p:sp>
-        <p:nvSpPr>
-          <p:cNvPr id="28675" name="TextShape 2"/>
-          <p:cNvSpPr txBox="1">
-            <a:spLocks noChangeArrowheads="1"/>
-          </p:cNvSpPr>
-          <p:nvPr/>
-        </p:nvSpPr>
-        <p:spPr bwMode="auto">
-          <a:xfrm>
-            <a:off x="457200" y="1600200"/>
-            <a:ext cx="8229600" cy="4525963"/>
-          </a:xfrm>
-          <a:prstGeom prst="rect">
-            <a:avLst/>
-          </a:prstGeom>
-          <a:noFill/>
-          <a:ln w="9525">
-            <a:noFill/>
-            <a:miter lim="800000"/>
-            <a:headEnd/>
-            <a:tailEnd/>
-          </a:ln>
-        </p:spPr>
-        <p:txBody>
-          <a:bodyPr/>
-          <a:lstStyle/>
-          <a:p>
-            <a:pPr algn="ctr"/>
-            <a:r>
-              <a:rPr lang="en-US" sz="3200">
-                <a:solidFill>
-                  <a:srgbClr val="000000"/>
-                </a:solidFill>
-                <a:latin typeface="Calibri" pitchFamily="34" charset="0"/>
-              </a:rPr>
-              <a:t>Detect the traffic signs on both sides of the road, recognize and classify them. Then, give useful information to the driver regarding the meaning of the sign and the traffic rules to be followed.</a:t>
-            </a:r>
-            <a:endParaRPr lang="en-US"/>
-          </a:p>
-        </p:txBody>
-      </p:sp>
-      <p:sp>
-        <p:nvSpPr>
-          <p:cNvPr id="4" name="Date Placeholder 3"/>
-          <p:cNvSpPr>
-            <a:spLocks noGrp="1"/>
-          </p:cNvSpPr>
-          <p:nvPr>
-            <p:ph type="dt" sz="half" idx="10"/>
-          </p:nvPr>
-        </p:nvSpPr>
-        <p:spPr/>
-        <p:txBody>
-          <a:bodyPr/>
-          <a:lstStyle/>
-          <a:p>
-            <a:r>
-              <a:rPr lang="en-US" smtClean="0"/>
-              <a:t>18th June, 2014</a:t>
-            </a:r>
-            <a:endParaRPr lang="en-US"/>
-          </a:p>
-        </p:txBody>
-      </p:sp>
-      <p:sp>
-        <p:nvSpPr>
-          <p:cNvPr id="5" name="Slide Number Placeholder 4"/>
-          <p:cNvSpPr>
-            <a:spLocks noGrp="1"/>
-          </p:cNvSpPr>
-          <p:nvPr>
-            <p:ph type="sldNum" sz="quarter" idx="12"/>
-          </p:nvPr>
-        </p:nvSpPr>
-        <p:spPr/>
-        <p:txBody>
-          <a:bodyPr/>
-          <a:lstStyle/>
-          <a:p>
-            <a:fld id="{AB249746-A831-457C-AC59-C43D077DC69E}" type="slidenum">
-              <a:rPr lang="en-US" smtClean="0"/>
-              <a:pPr/>
-              <a:t>2</a:t>
-            </a:fld>
-            <a:endParaRPr lang="en-US"/>
-          </a:p>
-        </p:txBody>
-      </p:sp>
-      <p:sp>
-        <p:nvSpPr>
-          <p:cNvPr id="6" name="Footer Placeholder 5"/>
-          <p:cNvSpPr>
-            <a:spLocks noGrp="1"/>
-          </p:cNvSpPr>
-          <p:nvPr>
-            <p:ph type="ftr" sz="quarter" idx="11"/>
-          </p:nvPr>
-        </p:nvSpPr>
-        <p:spPr/>
-        <p:txBody>
-          <a:bodyPr/>
-          <a:lstStyle/>
-          <a:p>
-            <a:r>
-              <a:rPr lang="en-US" smtClean="0"/>
-              <a:t>Image Processing Interns, IIITDM, Kancheepuram</a:t>
-            </a:r>
-            <a:endParaRPr lang="en-US"/>
-          </a:p>
-        </p:txBody>
-      </p:sp>
-    </p:spTree>
-  </p:cSld>
-  <p:clrMapOvr>
-    <a:masterClrMapping/>
-  </p:clrMapOvr>
-  <p:timing>
-    <p:tnLst>
-      <p:par>
-        <p:cTn id="1" dur="indefinite" restart="never" nodeType="tmRoot"/>
-      </p:par>
-    </p:tnLst>
-  </p:timing>
-</p:sld>
-</file>
-
-<file path=ppt/slides/slide20.xml><?xml version="1.0" encoding="utf-8"?>
-<p:sld xmlns:a="http://schemas.openxmlformats.org/drawingml/2006/main" xmlns:r="http://schemas.openxmlformats.org/officeDocument/2006/relationships" xmlns:p="http://schemas.openxmlformats.org/presentationml/2006/main">
-  <p:cSld>
-    <p:spTree>
-      <p:nvGrpSpPr>
-        <p:cNvPr id="1" name=""/>
-        <p:cNvGrpSpPr/>
-        <p:nvPr/>
-      </p:nvGrpSpPr>
-      <p:grpSpPr>
-        <a:xfrm>
-          <a:off x="0" y="0"/>
-          <a:ext cx="0" cy="0"/>
-          <a:chOff x="0" y="0"/>
-          <a:chExt cx="0" cy="0"/>
-        </a:xfrm>
-      </p:grpSpPr>
-      <p:sp>
-        <p:nvSpPr>
-          <p:cNvPr id="2" name="Title 1"/>
-          <p:cNvSpPr>
-            <a:spLocks noGrp="1"/>
-          </p:cNvSpPr>
-          <p:nvPr>
-            <p:ph type="title"/>
-          </p:nvPr>
-        </p:nvSpPr>
-        <p:spPr/>
-        <p:txBody>
-          <a:bodyPr>
-            <a:normAutofit fontScale="90000"/>
-          </a:bodyPr>
-          <a:lstStyle/>
-          <a:p>
-            <a:r>
-              <a:rPr lang="en-US" dirty="0" smtClean="0"/>
-              <a:t>Matrices used in the neural network</a:t>
-            </a:r>
-            <a:endParaRPr lang="en-US" dirty="0"/>
-          </a:p>
-        </p:txBody>
-      </p:sp>
-      <p:sp>
-        <p:nvSpPr>
-          <p:cNvPr id="3" name="Content Placeholder 2"/>
-          <p:cNvSpPr>
-            <a:spLocks noGrp="1"/>
-          </p:cNvSpPr>
-          <p:nvPr>
-            <p:ph idx="1"/>
-          </p:nvPr>
-        </p:nvSpPr>
-        <p:spPr/>
-        <p:txBody>
-          <a:bodyPr>
-            <a:normAutofit/>
-          </a:bodyPr>
-          <a:lstStyle/>
-          <a:p>
-            <a:r>
-              <a:rPr lang="en-US" b="1" dirty="0"/>
-              <a:t>i</a:t>
-            </a:r>
-            <a:r>
-              <a:rPr lang="en-US" b="1" dirty="0" smtClean="0"/>
-              <a:t>nput</a:t>
-            </a:r>
-            <a:r>
-              <a:rPr lang="en-US" dirty="0" smtClean="0"/>
-              <a:t> matrix: This is the matrix that has the features of the dataset of images used for training the neural network.</a:t>
-            </a:r>
-          </a:p>
-          <a:p>
-            <a:r>
-              <a:rPr lang="en-US" b="1" dirty="0" smtClean="0"/>
-              <a:t>target</a:t>
-            </a:r>
-            <a:r>
-              <a:rPr lang="en-US" dirty="0" smtClean="0"/>
-              <a:t> matrix: This is the matrix that is used for telling the neural network to which class each of the image belongs to.</a:t>
-            </a:r>
-          </a:p>
-          <a:p>
-            <a:r>
-              <a:rPr lang="en-US" b="1" dirty="0" smtClean="0"/>
-              <a:t>output</a:t>
-            </a:r>
-            <a:r>
-              <a:rPr lang="en-US" dirty="0" smtClean="0"/>
-              <a:t> matrix: This is a row vector that // TO DO</a:t>
-            </a:r>
-          </a:p>
-        </p:txBody>
-      </p:sp>
-      <p:sp>
-        <p:nvSpPr>
-          <p:cNvPr id="4" name="Date Placeholder 3"/>
-          <p:cNvSpPr>
-            <a:spLocks noGrp="1"/>
-          </p:cNvSpPr>
-          <p:nvPr>
-            <p:ph type="dt" sz="half" idx="10"/>
-          </p:nvPr>
-        </p:nvSpPr>
-        <p:spPr/>
-        <p:txBody>
-          <a:bodyPr/>
-          <a:lstStyle/>
-          <a:p>
-            <a:r>
-              <a:rPr lang="en-US" smtClean="0"/>
-              <a:t>18th June, 2014</a:t>
-            </a:r>
-            <a:endParaRPr lang="en-US"/>
-          </a:p>
-        </p:txBody>
-      </p:sp>
-      <p:sp>
-        <p:nvSpPr>
-          <p:cNvPr id="5" name="Slide Number Placeholder 4"/>
-          <p:cNvSpPr>
-            <a:spLocks noGrp="1"/>
-          </p:cNvSpPr>
-          <p:nvPr>
-            <p:ph type="sldNum" sz="quarter" idx="12"/>
-          </p:nvPr>
-        </p:nvSpPr>
-        <p:spPr/>
-        <p:txBody>
-          <a:bodyPr/>
-          <a:lstStyle/>
-          <a:p>
-            <a:fld id="{AB249746-A831-457C-AC59-C43D077DC69E}" type="slidenum">
-              <a:rPr lang="en-US" smtClean="0"/>
-              <a:pPr/>
-              <a:t>20</a:t>
-            </a:fld>
-            <a:endParaRPr lang="en-US"/>
-          </a:p>
-        </p:txBody>
-      </p:sp>
-      <p:sp>
-        <p:nvSpPr>
-          <p:cNvPr id="6" name="Footer Placeholder 5"/>
-          <p:cNvSpPr>
-            <a:spLocks noGrp="1"/>
-          </p:cNvSpPr>
-          <p:nvPr>
-            <p:ph type="ftr" sz="quarter" idx="11"/>
-          </p:nvPr>
-        </p:nvSpPr>
-        <p:spPr/>
-        <p:txBody>
-          <a:bodyPr/>
-          <a:lstStyle/>
-          <a:p>
-            <a:r>
-              <a:rPr lang="en-US" smtClean="0"/>
-              <a:t>Image Processing Interns, IIITDM, Kancheepuram</a:t>
-            </a:r>
-            <a:endParaRPr lang="en-US"/>
-          </a:p>
-        </p:txBody>
-      </p:sp>
-    </p:spTree>
-  </p:cSld>
-  <p:clrMapOvr>
-    <a:masterClrMapping/>
-  </p:clrMapOvr>
-  <p:timing>
-    <p:tnLst>
-      <p:par>
-        <p:cTn id="1" dur="indefinite" restart="never" nodeType="tmRoot"/>
-      </p:par>
-    </p:tnLst>
-  </p:timing>
-</p:sld>
-</file>
-
-<file path=ppt/slides/slide21.xml><?xml version="1.0" encoding="utf-8"?>
-<p:sld xmlns:a="http://schemas.openxmlformats.org/drawingml/2006/main" xmlns:r="http://schemas.openxmlformats.org/officeDocument/2006/relationships" xmlns:p="http://schemas.openxmlformats.org/presentationml/2006/main">
-  <p:cSld>
-    <p:spTree>
-      <p:nvGrpSpPr>
-        <p:cNvPr id="1" name=""/>
-        <p:cNvGrpSpPr/>
-        <p:nvPr/>
-      </p:nvGrpSpPr>
-      <p:grpSpPr>
-        <a:xfrm>
-          <a:off x="0" y="0"/>
-          <a:ext cx="0" cy="0"/>
-          <a:chOff x="0" y="0"/>
-          <a:chExt cx="0" cy="0"/>
-        </a:xfrm>
-      </p:grpSpPr>
-      <p:sp>
-        <p:nvSpPr>
-          <p:cNvPr id="2" name="Title 1"/>
-          <p:cNvSpPr>
-            <a:spLocks noGrp="1"/>
-          </p:cNvSpPr>
-          <p:nvPr>
-            <p:ph type="title"/>
-          </p:nvPr>
-        </p:nvSpPr>
-        <p:spPr/>
-        <p:txBody>
-          <a:bodyPr>
-            <a:normAutofit/>
-          </a:bodyPr>
-          <a:lstStyle/>
-          <a:p>
-            <a:r>
-              <a:rPr lang="en-US" dirty="0" smtClean="0"/>
-              <a:t>1. input matrix</a:t>
-            </a:r>
-            <a:endParaRPr lang="en-US" dirty="0"/>
-          </a:p>
-        </p:txBody>
-      </p:sp>
-      <p:sp>
-        <p:nvSpPr>
-          <p:cNvPr id="3" name="Content Placeholder 2"/>
-          <p:cNvSpPr>
-            <a:spLocks noGrp="1"/>
-          </p:cNvSpPr>
-          <p:nvPr>
-            <p:ph idx="1"/>
-          </p:nvPr>
-        </p:nvSpPr>
-        <p:spPr/>
-        <p:txBody>
-          <a:bodyPr/>
-          <a:lstStyle/>
-          <a:p>
-            <a:r>
-              <a:rPr lang="en-US" dirty="0" smtClean="0"/>
-              <a:t>The input matrix for the neural network has the dimensions:</a:t>
-            </a:r>
-          </a:p>
-          <a:p>
-            <a:endParaRPr lang="en-US" dirty="0"/>
-          </a:p>
-        </p:txBody>
-      </p:sp>
-      <p:graphicFrame>
-        <p:nvGraphicFramePr>
-          <p:cNvPr id="4" name="Diagram 3"/>
-          <p:cNvGraphicFramePr/>
-          <p:nvPr/>
-        </p:nvGraphicFramePr>
-        <p:xfrm>
-          <a:off x="1600200" y="2209800"/>
-          <a:ext cx="6096000" cy="4064000"/>
-        </p:xfrm>
-        <a:graphic>
-          <a:graphicData uri="http://schemas.openxmlformats.org/drawingml/2006/diagram">
-            <dgm:relIds xmlns:dgm="http://schemas.openxmlformats.org/drawingml/2006/diagram" xmlns:r="http://schemas.openxmlformats.org/officeDocument/2006/relationships" r:dm="rId3" r:lo="rId4" r:qs="rId5" r:cs="rId6"/>
-          </a:graphicData>
-        </a:graphic>
-      </p:graphicFrame>
-      <p:sp>
-        <p:nvSpPr>
-          <p:cNvPr id="5" name="Date Placeholder 4"/>
-          <p:cNvSpPr>
-            <a:spLocks noGrp="1"/>
-          </p:cNvSpPr>
-          <p:nvPr>
-            <p:ph type="dt" sz="half" idx="10"/>
-          </p:nvPr>
-        </p:nvSpPr>
-        <p:spPr/>
-        <p:txBody>
-          <a:bodyPr/>
-          <a:lstStyle/>
-          <a:p>
-            <a:r>
-              <a:rPr lang="en-US" smtClean="0"/>
-              <a:t>18th June, 2014</a:t>
-            </a:r>
-            <a:endParaRPr lang="en-US"/>
-          </a:p>
-        </p:txBody>
-      </p:sp>
-      <p:sp>
-        <p:nvSpPr>
-          <p:cNvPr id="6" name="Slide Number Placeholder 5"/>
-          <p:cNvSpPr>
-            <a:spLocks noGrp="1"/>
-          </p:cNvSpPr>
-          <p:nvPr>
-            <p:ph type="sldNum" sz="quarter" idx="12"/>
-          </p:nvPr>
-        </p:nvSpPr>
-        <p:spPr/>
-        <p:txBody>
-          <a:bodyPr/>
-          <a:lstStyle/>
-          <a:p>
-            <a:fld id="{AB249746-A831-457C-AC59-C43D077DC69E}" type="slidenum">
-              <a:rPr lang="en-US" smtClean="0"/>
-              <a:pPr/>
-              <a:t>21</a:t>
-            </a:fld>
-            <a:endParaRPr lang="en-US"/>
-          </a:p>
-        </p:txBody>
-      </p:sp>
-      <p:sp>
-        <p:nvSpPr>
-          <p:cNvPr id="7" name="Footer Placeholder 6"/>
-          <p:cNvSpPr>
-            <a:spLocks noGrp="1"/>
-          </p:cNvSpPr>
-          <p:nvPr>
-            <p:ph type="ftr" sz="quarter" idx="11"/>
-          </p:nvPr>
-        </p:nvSpPr>
-        <p:spPr/>
-        <p:txBody>
-          <a:bodyPr/>
-          <a:lstStyle/>
-          <a:p>
-            <a:r>
-              <a:rPr lang="en-US" smtClean="0"/>
-              <a:t>Image Processing Interns, IIITDM, Kancheepuram</a:t>
-            </a:r>
-            <a:endParaRPr lang="en-US"/>
-          </a:p>
-        </p:txBody>
-      </p:sp>
-    </p:spTree>
-  </p:cSld>
-  <p:clrMapOvr>
-    <a:masterClrMapping/>
-  </p:clrMapOvr>
-  <p:timing>
-    <p:tnLst>
-      <p:par>
-        <p:cTn id="1" dur="indefinite" restart="never" nodeType="tmRoot"/>
-      </p:par>
-    </p:tnLst>
-  </p:timing>
-</p:sld>
-</file>
-
 <file path=ppt/slides/slide22.xml><?xml version="1.0" encoding="utf-8"?>
 <p:sld xmlns:a="http://schemas.openxmlformats.org/drawingml/2006/main" xmlns:r="http://schemas.openxmlformats.org/officeDocument/2006/relationships" xmlns:p="http://schemas.openxmlformats.org/presentationml/2006/main">
   <p:cSld>
@@ -15483,14 +15827,12 @@
         </p:nvSpPr>
         <p:spPr/>
         <p:txBody>
-          <a:bodyPr>
-            <a:normAutofit/>
-          </a:bodyPr>
+          <a:bodyPr/>
           <a:lstStyle/>
           <a:p>
             <a:r>
               <a:rPr lang="en-US" dirty="0" smtClean="0"/>
-              <a:t>2. target matrix</a:t>
+              <a:t>Step 5: Neural Network</a:t>
             </a:r>
             <a:endParaRPr lang="en-US" dirty="0"/>
           </a:p>
@@ -15508,94 +15850,42 @@
         </p:nvSpPr>
         <p:spPr/>
         <p:txBody>
-          <a:bodyPr>
-            <a:normAutofit fontScale="92500" lnSpcReduction="20000"/>
-          </a:bodyPr>
+          <a:bodyPr/>
           <a:lstStyle/>
           <a:p>
             <a:r>
               <a:rPr lang="en-US" dirty="0" smtClean="0"/>
-              <a:t>The target matrix has the dimensions:</a:t>
-            </a:r>
-          </a:p>
-          <a:p>
-            <a:endParaRPr lang="en-US" dirty="0" smtClean="0"/>
-          </a:p>
-          <a:p>
-            <a:endParaRPr lang="en-US" dirty="0" smtClean="0"/>
-          </a:p>
-          <a:p>
+              <a:t>Now, we have a column vector containing of 25 features of the image that we are considering.</a:t>
+            </a:r>
+          </a:p>
+          <a:p>
+            <a:r>
+              <a:rPr lang="en-US" dirty="0" smtClean="0"/>
+              <a:t>We have already trained the neural network with images that fit our description, by extracting similar features from them and then, using the `</a:t>
+            </a:r>
+            <a:r>
+              <a:rPr lang="en-US" dirty="0" err="1" smtClean="0"/>
+              <a:t>nntool</a:t>
+            </a:r>
+            <a:r>
+              <a:rPr lang="en-US" dirty="0" smtClean="0"/>
+              <a:t>` Tool from </a:t>
+            </a:r>
+            <a:r>
+              <a:rPr lang="en-US" dirty="0" err="1" smtClean="0"/>
+              <a:t>Matlab</a:t>
+            </a:r>
+            <a:r>
+              <a:rPr lang="en-US" dirty="0" smtClean="0"/>
+              <a:t> (R2009)</a:t>
+            </a:r>
             <a:endParaRPr lang="en-US" dirty="0"/>
           </a:p>
-          <a:p>
-            <a:endParaRPr lang="en-US" dirty="0" smtClean="0"/>
-          </a:p>
-          <a:p>
-            <a:endParaRPr lang="en-US" dirty="0" smtClean="0"/>
-          </a:p>
-          <a:p>
-            <a:endParaRPr lang="en-US" dirty="0"/>
-          </a:p>
-          <a:p>
-            <a:r>
-              <a:rPr lang="en-US" dirty="0" smtClean="0"/>
-              <a:t>The target matrix is such that, if the value in the </a:t>
-            </a:r>
-            <a:r>
-              <a:rPr lang="en-US" dirty="0" err="1" smtClean="0"/>
-              <a:t>ith</a:t>
-            </a:r>
-            <a:r>
-              <a:rPr lang="en-US" dirty="0" smtClean="0"/>
-              <a:t> column is 1 for the </a:t>
-            </a:r>
-            <a:r>
-              <a:rPr lang="en-US" dirty="0" err="1" smtClean="0"/>
-              <a:t>jth</a:t>
-            </a:r>
-            <a:r>
-              <a:rPr lang="en-US" dirty="0" smtClean="0"/>
-              <a:t> row, then the </a:t>
-            </a:r>
-            <a:r>
-              <a:rPr lang="en-US" dirty="0" err="1" smtClean="0"/>
-              <a:t>ith</a:t>
-            </a:r>
-            <a:r>
-              <a:rPr lang="en-US" dirty="0" smtClean="0"/>
-              <a:t> image in the final dataset belongs to the </a:t>
-            </a:r>
-            <a:r>
-              <a:rPr lang="en-US" dirty="0" err="1" smtClean="0"/>
-              <a:t>jth</a:t>
-            </a:r>
-            <a:r>
-              <a:rPr lang="en-US" dirty="0" smtClean="0"/>
-              <a:t> class.</a:t>
-            </a:r>
-            <a:endParaRPr lang="en-US" dirty="0"/>
-          </a:p>
-        </p:txBody>
-      </p:sp>
-      <p:graphicFrame>
-        <p:nvGraphicFramePr>
-          <p:cNvPr id="4" name="Diagram 3"/>
-          <p:cNvGraphicFramePr/>
-          <p:nvPr/>
-        </p:nvGraphicFramePr>
-        <p:xfrm>
-          <a:off x="1524000" y="2438400"/>
-          <a:ext cx="6096000" cy="2286000"/>
-        </p:xfrm>
-        <a:graphic>
-          <a:graphicData uri="http://schemas.openxmlformats.org/drawingml/2006/diagram">
-            <dgm:relIds xmlns:dgm="http://schemas.openxmlformats.org/drawingml/2006/diagram" xmlns:r="http://schemas.openxmlformats.org/officeDocument/2006/relationships" r:dm="rId3" r:lo="rId4" r:qs="rId5" r:cs="rId6"/>
-          </a:graphicData>
-        </a:graphic>
-      </p:graphicFrame>
-      <p:sp>
-        <p:nvSpPr>
-          <p:cNvPr id="5" name="Date Placeholder 4"/>
+        </p:txBody>
+      </p:sp>
+      <p:sp>
+        <p:nvSpPr>
+          <p:cNvPr id="4" name="Date Placeholder 3"/>
           <p:cNvSpPr>
             <a:spLocks noGrp="1"/>
           </p:cNvSpPr>
@@ -15618,7 +15908,7 @@
       </p:sp>
       <p:sp>
         <p:nvSpPr>
-          <p:cNvPr id="6" name="Slide Number Placeholder 5"/>
+          <p:cNvPr id="5" name="Slide Number Placeholder 4"/>
           <p:cNvSpPr>
             <a:spLocks noGrp="1"/>
           </p:cNvSpPr>
@@ -15642,7 +15932,7 @@
       </p:sp>
       <p:sp>
         <p:nvSpPr>
-          <p:cNvPr id="7" name="Footer Placeholder 6"/>
+          <p:cNvPr id="6" name="Footer Placeholder 5"/>
           <p:cNvSpPr>
             <a:spLocks noGrp="1"/>
           </p:cNvSpPr>
@@ -15708,13 +15998,13 @@
         <p:spPr/>
         <p:txBody>
           <a:bodyPr>
-            <a:normAutofit/>
+            <a:normAutofit fontScale="90000"/>
           </a:bodyPr>
           <a:lstStyle/>
           <a:p>
             <a:r>
               <a:rPr lang="en-US" dirty="0" smtClean="0"/>
-              <a:t>2. target matrix</a:t>
+              <a:t>More about the Neural Network being used</a:t>
             </a:r>
             <a:endParaRPr lang="en-US" dirty="0"/>
           </a:p>
@@ -15733,48 +16023,75 @@
         <p:spPr/>
         <p:txBody>
           <a:bodyPr>
-            <a:normAutofit/>
+            <a:normAutofit fontScale="92500"/>
           </a:bodyPr>
           <a:lstStyle/>
           <a:p>
             <a:r>
               <a:rPr lang="en-US" dirty="0" smtClean="0"/>
-              <a:t>Let the target matrix be:</a:t>
-            </a:r>
+              <a:t>We are using a </a:t>
+            </a:r>
+            <a:r>
+              <a:rPr lang="en-US" b="1" dirty="0" smtClean="0"/>
+              <a:t>feed-forward back propagation</a:t>
+            </a:r>
+            <a:r>
+              <a:rPr lang="en-US" dirty="0" smtClean="0"/>
+              <a:t> neural network with </a:t>
+            </a:r>
+            <a:r>
+              <a:rPr lang="en-US" b="1" dirty="0" smtClean="0"/>
+              <a:t>two hidden layers</a:t>
+            </a:r>
+            <a:r>
+              <a:rPr lang="en-US" dirty="0" smtClean="0"/>
+              <a:t>.</a:t>
+            </a:r>
+          </a:p>
+          <a:p>
+            <a:r>
+              <a:rPr lang="en-US" dirty="0" smtClean="0"/>
+              <a:t>Tentatively, we have three classes of input images. This can be easily changed. From here onwards, we will assume that we have three classes of images.</a:t>
+            </a:r>
+          </a:p>
+          <a:p>
+            <a:r>
+              <a:rPr lang="en-US" dirty="0" smtClean="0"/>
+              <a:t>We will be using three matrices throughout: the </a:t>
+            </a:r>
+            <a:r>
+              <a:rPr lang="en-US" b="1" dirty="0" smtClean="0"/>
+              <a:t>input</a:t>
+            </a:r>
+            <a:r>
+              <a:rPr lang="en-US" dirty="0" smtClean="0"/>
+              <a:t> matrix, the </a:t>
+            </a:r>
+            <a:r>
+              <a:rPr lang="en-US" b="1" dirty="0" smtClean="0"/>
+              <a:t>target</a:t>
+            </a:r>
+            <a:r>
+              <a:rPr lang="en-US" dirty="0" smtClean="0"/>
+              <a:t> matrix and the </a:t>
+            </a:r>
+            <a:r>
+              <a:rPr lang="en-US" b="1" dirty="0" smtClean="0"/>
+              <a:t>output</a:t>
+            </a:r>
+            <a:r>
+              <a:rPr lang="en-US" dirty="0" smtClean="0"/>
+              <a:t> matrix</a:t>
+            </a:r>
+          </a:p>
+          <a:p>
             <a:endParaRPr lang="en-US" dirty="0"/>
           </a:p>
-          <a:p>
-            <a:pPr>
-              <a:buNone/>
-            </a:pPr>
-            <a:r>
-              <a:rPr lang="en-US" dirty="0" smtClean="0"/>
-              <a:t>target = 1 1 0 1 0 0</a:t>
-            </a:r>
-          </a:p>
-          <a:p>
-            <a:pPr>
-              <a:buNone/>
-            </a:pPr>
-            <a:r>
-              <a:rPr lang="en-US" dirty="0" smtClean="0"/>
-              <a:t>(2x6)      0 0 1 0 1 1</a:t>
-            </a:r>
-          </a:p>
-          <a:p>
-            <a:pPr>
-              <a:buNone/>
-            </a:pPr>
-            <a:r>
-              <a:rPr lang="en-US" dirty="0" smtClean="0"/>
-              <a:t>	This matrix signifies that the first, second and fourth image belong to the first class. Whereas the third, fifth and sixth images belong to the second class.	</a:t>
-            </a:r>
-          </a:p>
-        </p:txBody>
-      </p:sp>
-      <p:sp>
-        <p:nvSpPr>
-          <p:cNvPr id="5" name="Date Placeholder 4"/>
+        </p:txBody>
+      </p:sp>
+      <p:sp>
+        <p:nvSpPr>
+          <p:cNvPr id="4" name="Date Placeholder 3"/>
           <p:cNvSpPr>
             <a:spLocks noGrp="1"/>
           </p:cNvSpPr>
@@ -15797,7 +16114,7 @@
       </p:sp>
       <p:sp>
         <p:nvSpPr>
-          <p:cNvPr id="6" name="Slide Number Placeholder 5"/>
+          <p:cNvPr id="5" name="Slide Number Placeholder 4"/>
           <p:cNvSpPr>
             <a:spLocks noGrp="1"/>
           </p:cNvSpPr>
@@ -15821,7 +16138,7 @@
       </p:sp>
       <p:sp>
         <p:nvSpPr>
-          <p:cNvPr id="7" name="Footer Placeholder 6"/>
+          <p:cNvPr id="6" name="Footer Placeholder 5"/>
           <p:cNvSpPr>
             <a:spLocks noGrp="1"/>
           </p:cNvSpPr>
@@ -15887,13 +16204,13 @@
         <p:spPr/>
         <p:txBody>
           <a:bodyPr>
-            <a:normAutofit/>
+            <a:normAutofit fontScale="90000"/>
           </a:bodyPr>
           <a:lstStyle/>
           <a:p>
             <a:r>
               <a:rPr lang="en-US" dirty="0" smtClean="0"/>
-              <a:t>3. output matrix</a:t>
+              <a:t>Matrices used in the neural network</a:t>
             </a:r>
             <a:endParaRPr lang="en-US" dirty="0"/>
           </a:p>
@@ -15917,53 +16234,43 @@
           <a:lstStyle/>
           <a:p>
             <a:r>
+              <a:rPr lang="en-US" b="1" dirty="0"/>
+              <a:t>i</a:t>
+            </a:r>
+            <a:r>
+              <a:rPr lang="en-US" b="1" dirty="0" smtClean="0"/>
+              <a:t>nput</a:t>
+            </a:r>
+            <a:r>
               <a:rPr lang="en-US" dirty="0" smtClean="0"/>
-              <a:t>The output matrix has the dimensions:</a:t>
-            </a:r>
-          </a:p>
-          <a:p>
-            <a:endParaRPr lang="en-US" dirty="0" smtClean="0"/>
-          </a:p>
-          <a:p>
-            <a:endParaRPr lang="en-US" dirty="0" smtClean="0"/>
-          </a:p>
-          <a:p>
-            <a:endParaRPr lang="en-US" dirty="0"/>
-          </a:p>
-          <a:p>
-            <a:endParaRPr lang="en-US" dirty="0" smtClean="0"/>
-          </a:p>
-          <a:p>
-            <a:endParaRPr lang="en-US" dirty="0"/>
-          </a:p>
-          <a:p>
+              <a:t> matrix: This is the matrix that has the features of the dataset of images used for training the neural network.</a:t>
+            </a:r>
+          </a:p>
+          <a:p>
+            <a:r>
+              <a:rPr lang="en-US" b="1" dirty="0" smtClean="0"/>
+              <a:t>target</a:t>
+            </a:r>
             <a:r>
               <a:rPr lang="en-US" dirty="0" smtClean="0"/>
-              <a:t>The output matrix is // TO DO</a:t>
-            </a:r>
-            <a:endParaRPr lang="en-US" dirty="0"/>
-          </a:p>
-        </p:txBody>
-      </p:sp>
-      <p:graphicFrame>
-        <p:nvGraphicFramePr>
-          <p:cNvPr id="4" name="Diagram 3"/>
-          <p:cNvGraphicFramePr/>
-          <p:nvPr/>
-        </p:nvGraphicFramePr>
-        <p:xfrm>
-          <a:off x="1524000" y="2438400"/>
-          <a:ext cx="6096000" cy="2286000"/>
-        </p:xfrm>
-        <a:graphic>
-          <a:graphicData uri="http://schemas.openxmlformats.org/drawingml/2006/diagram">
-            <dgm:relIds xmlns:dgm="http://schemas.openxmlformats.org/drawingml/2006/diagram" xmlns:r="http://schemas.openxmlformats.org/officeDocument/2006/relationships" r:dm="rId3" r:lo="rId4" r:qs="rId5" r:cs="rId6"/>
-          </a:graphicData>
-        </a:graphic>
-      </p:graphicFrame>
-      <p:sp>
-        <p:nvSpPr>
-          <p:cNvPr id="5" name="Date Placeholder 4"/>
+              <a:t> matrix: This is the matrix that is used for telling the neural network to which class each of the image belongs to.</a:t>
+            </a:r>
+          </a:p>
+          <a:p>
+            <a:r>
+              <a:rPr lang="en-US" b="1" dirty="0" smtClean="0"/>
+              <a:t>output</a:t>
+            </a:r>
+            <a:r>
+              <a:rPr lang="en-US" dirty="0" smtClean="0"/>
+              <a:t> matrix: This is a row vector that // TO DO</a:t>
+            </a:r>
+          </a:p>
+        </p:txBody>
+      </p:sp>
+      <p:sp>
+        <p:nvSpPr>
+          <p:cNvPr id="4" name="Date Placeholder 3"/>
           <p:cNvSpPr>
             <a:spLocks noGrp="1"/>
           </p:cNvSpPr>
@@ -15986,7 +16293,7 @@
       </p:sp>
       <p:sp>
         <p:nvSpPr>
-          <p:cNvPr id="6" name="Slide Number Placeholder 5"/>
+          <p:cNvPr id="5" name="Slide Number Placeholder 4"/>
           <p:cNvSpPr>
             <a:spLocks noGrp="1"/>
           </p:cNvSpPr>
@@ -16010,7 +16317,7 @@
       </p:sp>
       <p:sp>
         <p:nvSpPr>
-          <p:cNvPr id="7" name="Footer Placeholder 6"/>
+          <p:cNvPr id="6" name="Footer Placeholder 5"/>
           <p:cNvSpPr>
             <a:spLocks noGrp="1"/>
           </p:cNvSpPr>
@@ -16075,12 +16382,14 @@
         </p:nvSpPr>
         <p:spPr/>
         <p:txBody>
-          <a:bodyPr/>
+          <a:bodyPr>
+            <a:normAutofit/>
+          </a:bodyPr>
           <a:lstStyle/>
           <a:p>
             <a:r>
               <a:rPr lang="en-US" dirty="0" smtClean="0"/>
-              <a:t>Step 5: Neural Network</a:t>
+              <a:t>1. input matrix</a:t>
             </a:r>
             <a:endParaRPr lang="en-US" dirty="0"/>
           </a:p>
@@ -16103,25 +16412,33 @@
           <a:p>
             <a:r>
               <a:rPr lang="en-US" dirty="0" smtClean="0"/>
-              <a:t>Depending on the output of the neural network, we can classify the image.</a:t>
-            </a:r>
-          </a:p>
-          <a:p>
-            <a:r>
-              <a:rPr lang="en-US" dirty="0" smtClean="0"/>
-              <a:t>We </a:t>
-            </a:r>
-            <a:r>
-              <a:rPr lang="en-US" dirty="0" smtClean="0"/>
-              <a:t>will have the exact meaning of the road sign too (“two way”, “road narrows”, etc)</a:t>
-            </a:r>
+              <a:t>The input matrix for the neural network has the dimensions:</a:t>
+            </a:r>
+          </a:p>
+          <a:p>
             <a:endParaRPr lang="en-US" dirty="0"/>
           </a:p>
         </p:txBody>
       </p:sp>
-      <p:sp>
-        <p:nvSpPr>
-          <p:cNvPr id="4" name="Date Placeholder 3"/>
+      <p:graphicFrame>
+        <p:nvGraphicFramePr>
+          <p:cNvPr id="4" name="Diagram 3"/>
+          <p:cNvGraphicFramePr/>
+          <p:nvPr/>
+        </p:nvGraphicFramePr>
+        <p:xfrm>
+          <a:off x="1600200" y="2209800"/>
+          <a:ext cx="6096000" cy="4064000"/>
+        </p:xfrm>
+        <a:graphic>
+          <a:graphicData uri="http://schemas.openxmlformats.org/drawingml/2006/diagram">
+            <dgm:relIds xmlns:dgm="http://schemas.openxmlformats.org/drawingml/2006/diagram" xmlns:r="http://schemas.openxmlformats.org/officeDocument/2006/relationships" r:dm="rId3" r:lo="rId4" r:qs="rId5" r:cs="rId6"/>
+          </a:graphicData>
+        </a:graphic>
+      </p:graphicFrame>
+      <p:sp>
+        <p:nvSpPr>
+          <p:cNvPr id="5" name="Date Placeholder 4"/>
           <p:cNvSpPr>
             <a:spLocks noGrp="1"/>
           </p:cNvSpPr>
@@ -16137,29 +16454,6 @@
             <a:r>
               <a:rPr lang="en-US" smtClean="0"/>
               <a:t>18th June, 2014</a:t>
-            </a:r>
-            <a:endParaRPr lang="en-US"/>
-          </a:p>
-        </p:txBody>
-      </p:sp>
-      <p:sp>
-        <p:nvSpPr>
-          <p:cNvPr id="5" name="Footer Placeholder 4"/>
-          <p:cNvSpPr>
-            <a:spLocks noGrp="1"/>
-          </p:cNvSpPr>
-          <p:nvPr>
-            <p:ph type="ftr" sz="quarter" idx="11"/>
-          </p:nvPr>
-        </p:nvSpPr>
-        <p:spPr/>
-        <p:txBody>
-          <a:bodyPr/>
-          <a:lstStyle/>
-          <a:p>
-            <a:r>
-              <a:rPr lang="en-US" smtClean="0"/>
-              <a:t>Image Processing Interns, IIITDM, Kancheepuram</a:t>
             </a:r>
             <a:endParaRPr lang="en-US"/>
           </a:p>
@@ -16185,6 +16479,29 @@
               <a:pPr/>
               <a:t>25</a:t>
             </a:fld>
+            <a:endParaRPr lang="en-US"/>
+          </a:p>
+        </p:txBody>
+      </p:sp>
+      <p:sp>
+        <p:nvSpPr>
+          <p:cNvPr id="7" name="Footer Placeholder 6"/>
+          <p:cNvSpPr>
+            <a:spLocks noGrp="1"/>
+          </p:cNvSpPr>
+          <p:nvPr>
+            <p:ph type="ftr" sz="quarter" idx="11"/>
+          </p:nvPr>
+        </p:nvSpPr>
+        <p:spPr/>
+        <p:txBody>
+          <a:bodyPr/>
+          <a:lstStyle/>
+          <a:p>
+            <a:r>
+              <a:rPr lang="en-US" smtClean="0"/>
+              <a:t>Image Processing Interns, IIITDM, Kancheepuram</a:t>
+            </a:r>
             <a:endParaRPr lang="en-US"/>
           </a:p>
         </p:txBody>
@@ -16194,6 +16511,13 @@
   <p:clrMapOvr>
     <a:masterClrMapping/>
   </p:clrMapOvr>
+  <p:timing>
+    <p:tnLst>
+      <p:par>
+        <p:cTn id="1" dur="indefinite" restart="never" nodeType="tmRoot"/>
+      </p:par>
+    </p:tnLst>
+  </p:timing>
 </p:sld>
 </file>
 
@@ -16216,6 +16540,1306 @@
       </p:grpSpPr>
       <p:sp>
         <p:nvSpPr>
+          <p:cNvPr id="2" name="Title 1"/>
+          <p:cNvSpPr>
+            <a:spLocks noGrp="1"/>
+          </p:cNvSpPr>
+          <p:nvPr>
+            <p:ph type="title"/>
+          </p:nvPr>
+        </p:nvSpPr>
+        <p:spPr/>
+        <p:txBody>
+          <a:bodyPr>
+            <a:normAutofit/>
+          </a:bodyPr>
+          <a:lstStyle/>
+          <a:p>
+            <a:r>
+              <a:rPr lang="en-US" dirty="0" smtClean="0"/>
+              <a:t>2. target matrix</a:t>
+            </a:r>
+            <a:endParaRPr lang="en-US" dirty="0"/>
+          </a:p>
+        </p:txBody>
+      </p:sp>
+      <p:sp>
+        <p:nvSpPr>
+          <p:cNvPr id="3" name="Content Placeholder 2"/>
+          <p:cNvSpPr>
+            <a:spLocks noGrp="1"/>
+          </p:cNvSpPr>
+          <p:nvPr>
+            <p:ph idx="1"/>
+          </p:nvPr>
+        </p:nvSpPr>
+        <p:spPr/>
+        <p:txBody>
+          <a:bodyPr>
+            <a:normAutofit fontScale="92500" lnSpcReduction="20000"/>
+          </a:bodyPr>
+          <a:lstStyle/>
+          <a:p>
+            <a:r>
+              <a:rPr lang="en-US" dirty="0" smtClean="0"/>
+              <a:t>The target matrix has the dimensions:</a:t>
+            </a:r>
+          </a:p>
+          <a:p>
+            <a:endParaRPr lang="en-US" dirty="0" smtClean="0"/>
+          </a:p>
+          <a:p>
+            <a:endParaRPr lang="en-US" dirty="0" smtClean="0"/>
+          </a:p>
+          <a:p>
+            <a:endParaRPr lang="en-US" dirty="0"/>
+          </a:p>
+          <a:p>
+            <a:endParaRPr lang="en-US" dirty="0" smtClean="0"/>
+          </a:p>
+          <a:p>
+            <a:endParaRPr lang="en-US" dirty="0" smtClean="0"/>
+          </a:p>
+          <a:p>
+            <a:endParaRPr lang="en-US" dirty="0"/>
+          </a:p>
+          <a:p>
+            <a:r>
+              <a:rPr lang="en-US" dirty="0" smtClean="0"/>
+              <a:t>The target matrix is such that, if the value in the </a:t>
+            </a:r>
+            <a:r>
+              <a:rPr lang="en-US" dirty="0" err="1" smtClean="0"/>
+              <a:t>ith</a:t>
+            </a:r>
+            <a:r>
+              <a:rPr lang="en-US" dirty="0" smtClean="0"/>
+              <a:t> column is 1 for the </a:t>
+            </a:r>
+            <a:r>
+              <a:rPr lang="en-US" dirty="0" err="1" smtClean="0"/>
+              <a:t>jth</a:t>
+            </a:r>
+            <a:r>
+              <a:rPr lang="en-US" dirty="0" smtClean="0"/>
+              <a:t> row, then the </a:t>
+            </a:r>
+            <a:r>
+              <a:rPr lang="en-US" dirty="0" err="1" smtClean="0"/>
+              <a:t>ith</a:t>
+            </a:r>
+            <a:r>
+              <a:rPr lang="en-US" dirty="0" smtClean="0"/>
+              <a:t> image in the final dataset belongs to the </a:t>
+            </a:r>
+            <a:r>
+              <a:rPr lang="en-US" dirty="0" err="1" smtClean="0"/>
+              <a:t>jth</a:t>
+            </a:r>
+            <a:r>
+              <a:rPr lang="en-US" dirty="0" smtClean="0"/>
+              <a:t> class.</a:t>
+            </a:r>
+            <a:endParaRPr lang="en-US" dirty="0"/>
+          </a:p>
+        </p:txBody>
+      </p:sp>
+      <p:graphicFrame>
+        <p:nvGraphicFramePr>
+          <p:cNvPr id="4" name="Diagram 3"/>
+          <p:cNvGraphicFramePr/>
+          <p:nvPr/>
+        </p:nvGraphicFramePr>
+        <p:xfrm>
+          <a:off x="1524000" y="2438400"/>
+          <a:ext cx="6096000" cy="2286000"/>
+        </p:xfrm>
+        <a:graphic>
+          <a:graphicData uri="http://schemas.openxmlformats.org/drawingml/2006/diagram">
+            <dgm:relIds xmlns:dgm="http://schemas.openxmlformats.org/drawingml/2006/diagram" xmlns:r="http://schemas.openxmlformats.org/officeDocument/2006/relationships" r:dm="rId3" r:lo="rId4" r:qs="rId5" r:cs="rId6"/>
+          </a:graphicData>
+        </a:graphic>
+      </p:graphicFrame>
+      <p:sp>
+        <p:nvSpPr>
+          <p:cNvPr id="5" name="Date Placeholder 4"/>
+          <p:cNvSpPr>
+            <a:spLocks noGrp="1"/>
+          </p:cNvSpPr>
+          <p:nvPr>
+            <p:ph type="dt" sz="half" idx="10"/>
+          </p:nvPr>
+        </p:nvSpPr>
+        <p:spPr/>
+        <p:txBody>
+          <a:bodyPr/>
+          <a:lstStyle/>
+          <a:p>
+            <a:r>
+              <a:rPr lang="en-US" smtClean="0"/>
+              <a:t>18th June, 2014</a:t>
+            </a:r>
+            <a:endParaRPr lang="en-US"/>
+          </a:p>
+        </p:txBody>
+      </p:sp>
+      <p:sp>
+        <p:nvSpPr>
+          <p:cNvPr id="6" name="Slide Number Placeholder 5"/>
+          <p:cNvSpPr>
+            <a:spLocks noGrp="1"/>
+          </p:cNvSpPr>
+          <p:nvPr>
+            <p:ph type="sldNum" sz="quarter" idx="12"/>
+          </p:nvPr>
+        </p:nvSpPr>
+        <p:spPr/>
+        <p:txBody>
+          <a:bodyPr/>
+          <a:lstStyle/>
+          <a:p>
+            <a:fld id="{AB249746-A831-457C-AC59-C43D077DC69E}" type="slidenum">
+              <a:rPr lang="en-US" smtClean="0"/>
+              <a:pPr/>
+              <a:t>26</a:t>
+            </a:fld>
+            <a:endParaRPr lang="en-US"/>
+          </a:p>
+        </p:txBody>
+      </p:sp>
+      <p:sp>
+        <p:nvSpPr>
+          <p:cNvPr id="7" name="Footer Placeholder 6"/>
+          <p:cNvSpPr>
+            <a:spLocks noGrp="1"/>
+          </p:cNvSpPr>
+          <p:nvPr>
+            <p:ph type="ftr" sz="quarter" idx="11"/>
+          </p:nvPr>
+        </p:nvSpPr>
+        <p:spPr/>
+        <p:txBody>
+          <a:bodyPr/>
+          <a:lstStyle/>
+          <a:p>
+            <a:r>
+              <a:rPr lang="en-US" smtClean="0"/>
+              <a:t>Image Processing Interns, IIITDM, Kancheepuram</a:t>
+            </a:r>
+            <a:endParaRPr lang="en-US"/>
+          </a:p>
+        </p:txBody>
+      </p:sp>
+    </p:spTree>
+  </p:cSld>
+  <p:clrMapOvr>
+    <a:masterClrMapping/>
+  </p:clrMapOvr>
+  <p:timing>
+    <p:tnLst>
+      <p:par>
+        <p:cTn id="1" dur="indefinite" restart="never" nodeType="tmRoot"/>
+      </p:par>
+    </p:tnLst>
+  </p:timing>
+</p:sld>
+</file>
+
+<file path=ppt/slides/slide27.xml><?xml version="1.0" encoding="utf-8"?>
+<p:sld xmlns:a="http://schemas.openxmlformats.org/drawingml/2006/main" xmlns:r="http://schemas.openxmlformats.org/officeDocument/2006/relationships" xmlns:p="http://schemas.openxmlformats.org/presentationml/2006/main">
+  <p:cSld>
+    <p:spTree>
+      <p:nvGrpSpPr>
+        <p:cNvPr id="1" name=""/>
+        <p:cNvGrpSpPr/>
+        <p:nvPr/>
+      </p:nvGrpSpPr>
+      <p:grpSpPr>
+        <a:xfrm>
+          <a:off x="0" y="0"/>
+          <a:ext cx="0" cy="0"/>
+          <a:chOff x="0" y="0"/>
+          <a:chExt cx="0" cy="0"/>
+        </a:xfrm>
+      </p:grpSpPr>
+      <p:sp>
+        <p:nvSpPr>
+          <p:cNvPr id="2" name="Title 1"/>
+          <p:cNvSpPr>
+            <a:spLocks noGrp="1"/>
+          </p:cNvSpPr>
+          <p:nvPr>
+            <p:ph type="title"/>
+          </p:nvPr>
+        </p:nvSpPr>
+        <p:spPr/>
+        <p:txBody>
+          <a:bodyPr>
+            <a:normAutofit/>
+          </a:bodyPr>
+          <a:lstStyle/>
+          <a:p>
+            <a:r>
+              <a:rPr lang="en-US" dirty="0" smtClean="0"/>
+              <a:t>2. target matrix</a:t>
+            </a:r>
+            <a:endParaRPr lang="en-US" dirty="0"/>
+          </a:p>
+        </p:txBody>
+      </p:sp>
+      <p:sp>
+        <p:nvSpPr>
+          <p:cNvPr id="3" name="Content Placeholder 2"/>
+          <p:cNvSpPr>
+            <a:spLocks noGrp="1"/>
+          </p:cNvSpPr>
+          <p:nvPr>
+            <p:ph idx="1"/>
+          </p:nvPr>
+        </p:nvSpPr>
+        <p:spPr/>
+        <p:txBody>
+          <a:bodyPr>
+            <a:normAutofit/>
+          </a:bodyPr>
+          <a:lstStyle/>
+          <a:p>
+            <a:r>
+              <a:rPr lang="en-US" dirty="0" smtClean="0"/>
+              <a:t>Let the target matrix be:</a:t>
+            </a:r>
+            <a:endParaRPr lang="en-US" dirty="0"/>
+          </a:p>
+          <a:p>
+            <a:pPr>
+              <a:buNone/>
+            </a:pPr>
+            <a:r>
+              <a:rPr lang="en-US" dirty="0" smtClean="0"/>
+              <a:t>target = 1 1 0 1 0 0</a:t>
+            </a:r>
+          </a:p>
+          <a:p>
+            <a:pPr>
+              <a:buNone/>
+            </a:pPr>
+            <a:r>
+              <a:rPr lang="en-US" dirty="0" smtClean="0"/>
+              <a:t>(2x6)      0 0 1 0 1 1</a:t>
+            </a:r>
+          </a:p>
+          <a:p>
+            <a:pPr>
+              <a:buNone/>
+            </a:pPr>
+            <a:r>
+              <a:rPr lang="en-US" dirty="0" smtClean="0"/>
+              <a:t>	This matrix signifies that the first, second and fourth image belong to the first class. Whereas the third, fifth and sixth images belong to the second class.	</a:t>
+            </a:r>
+          </a:p>
+        </p:txBody>
+      </p:sp>
+      <p:sp>
+        <p:nvSpPr>
+          <p:cNvPr id="5" name="Date Placeholder 4"/>
+          <p:cNvSpPr>
+            <a:spLocks noGrp="1"/>
+          </p:cNvSpPr>
+          <p:nvPr>
+            <p:ph type="dt" sz="half" idx="10"/>
+          </p:nvPr>
+        </p:nvSpPr>
+        <p:spPr/>
+        <p:txBody>
+          <a:bodyPr/>
+          <a:lstStyle/>
+          <a:p>
+            <a:r>
+              <a:rPr lang="en-US" smtClean="0"/>
+              <a:t>18th June, 2014</a:t>
+            </a:r>
+            <a:endParaRPr lang="en-US"/>
+          </a:p>
+        </p:txBody>
+      </p:sp>
+      <p:sp>
+        <p:nvSpPr>
+          <p:cNvPr id="6" name="Slide Number Placeholder 5"/>
+          <p:cNvSpPr>
+            <a:spLocks noGrp="1"/>
+          </p:cNvSpPr>
+          <p:nvPr>
+            <p:ph type="sldNum" sz="quarter" idx="12"/>
+          </p:nvPr>
+        </p:nvSpPr>
+        <p:spPr/>
+        <p:txBody>
+          <a:bodyPr/>
+          <a:lstStyle/>
+          <a:p>
+            <a:fld id="{AB249746-A831-457C-AC59-C43D077DC69E}" type="slidenum">
+              <a:rPr lang="en-US" smtClean="0"/>
+              <a:pPr/>
+              <a:t>27</a:t>
+            </a:fld>
+            <a:endParaRPr lang="en-US"/>
+          </a:p>
+        </p:txBody>
+      </p:sp>
+      <p:sp>
+        <p:nvSpPr>
+          <p:cNvPr id="7" name="Footer Placeholder 6"/>
+          <p:cNvSpPr>
+            <a:spLocks noGrp="1"/>
+          </p:cNvSpPr>
+          <p:nvPr>
+            <p:ph type="ftr" sz="quarter" idx="11"/>
+          </p:nvPr>
+        </p:nvSpPr>
+        <p:spPr/>
+        <p:txBody>
+          <a:bodyPr/>
+          <a:lstStyle/>
+          <a:p>
+            <a:r>
+              <a:rPr lang="en-US" smtClean="0"/>
+              <a:t>Image Processing Interns, IIITDM, Kancheepuram</a:t>
+            </a:r>
+            <a:endParaRPr lang="en-US"/>
+          </a:p>
+        </p:txBody>
+      </p:sp>
+    </p:spTree>
+  </p:cSld>
+  <p:clrMapOvr>
+    <a:masterClrMapping/>
+  </p:clrMapOvr>
+  <p:timing>
+    <p:tnLst>
+      <p:par>
+        <p:cTn id="1" dur="indefinite" restart="never" nodeType="tmRoot"/>
+      </p:par>
+    </p:tnLst>
+  </p:timing>
+</p:sld>
+</file>
+
+<file path=ppt/slides/slide28.xml><?xml version="1.0" encoding="utf-8"?>
+<p:sld xmlns:a="http://schemas.openxmlformats.org/drawingml/2006/main" xmlns:r="http://schemas.openxmlformats.org/officeDocument/2006/relationships" xmlns:p="http://schemas.openxmlformats.org/presentationml/2006/main">
+  <p:cSld>
+    <p:spTree>
+      <p:nvGrpSpPr>
+        <p:cNvPr id="1" name=""/>
+        <p:cNvGrpSpPr/>
+        <p:nvPr/>
+      </p:nvGrpSpPr>
+      <p:grpSpPr>
+        <a:xfrm>
+          <a:off x="0" y="0"/>
+          <a:ext cx="0" cy="0"/>
+          <a:chOff x="0" y="0"/>
+          <a:chExt cx="0" cy="0"/>
+        </a:xfrm>
+      </p:grpSpPr>
+      <p:sp>
+        <p:nvSpPr>
+          <p:cNvPr id="2" name="Title 1"/>
+          <p:cNvSpPr>
+            <a:spLocks noGrp="1"/>
+          </p:cNvSpPr>
+          <p:nvPr>
+            <p:ph type="title"/>
+          </p:nvPr>
+        </p:nvSpPr>
+        <p:spPr/>
+        <p:txBody>
+          <a:bodyPr>
+            <a:normAutofit/>
+          </a:bodyPr>
+          <a:lstStyle/>
+          <a:p>
+            <a:r>
+              <a:rPr lang="en-US" dirty="0" smtClean="0"/>
+              <a:t>3. output matrix</a:t>
+            </a:r>
+            <a:endParaRPr lang="en-US" dirty="0"/>
+          </a:p>
+        </p:txBody>
+      </p:sp>
+      <p:sp>
+        <p:nvSpPr>
+          <p:cNvPr id="3" name="Content Placeholder 2"/>
+          <p:cNvSpPr>
+            <a:spLocks noGrp="1"/>
+          </p:cNvSpPr>
+          <p:nvPr>
+            <p:ph idx="1"/>
+          </p:nvPr>
+        </p:nvSpPr>
+        <p:spPr/>
+        <p:txBody>
+          <a:bodyPr>
+            <a:normAutofit/>
+          </a:bodyPr>
+          <a:lstStyle/>
+          <a:p>
+            <a:r>
+              <a:rPr lang="en-US" dirty="0" smtClean="0"/>
+              <a:t>The output matrix has the dimensions:</a:t>
+            </a:r>
+          </a:p>
+          <a:p>
+            <a:endParaRPr lang="en-US" dirty="0" smtClean="0"/>
+          </a:p>
+          <a:p>
+            <a:endParaRPr lang="en-US" dirty="0" smtClean="0"/>
+          </a:p>
+          <a:p>
+            <a:endParaRPr lang="en-US" dirty="0"/>
+          </a:p>
+          <a:p>
+            <a:endParaRPr lang="en-US" dirty="0" smtClean="0"/>
+          </a:p>
+          <a:p>
+            <a:endParaRPr lang="en-US" dirty="0"/>
+          </a:p>
+          <a:p>
+            <a:r>
+              <a:rPr lang="en-US" dirty="0" smtClean="0"/>
+              <a:t>The output matrix is // TO DO</a:t>
+            </a:r>
+            <a:endParaRPr lang="en-US" dirty="0"/>
+          </a:p>
+        </p:txBody>
+      </p:sp>
+      <p:graphicFrame>
+        <p:nvGraphicFramePr>
+          <p:cNvPr id="4" name="Diagram 3"/>
+          <p:cNvGraphicFramePr/>
+          <p:nvPr/>
+        </p:nvGraphicFramePr>
+        <p:xfrm>
+          <a:off x="1524000" y="2438400"/>
+          <a:ext cx="6096000" cy="2286000"/>
+        </p:xfrm>
+        <a:graphic>
+          <a:graphicData uri="http://schemas.openxmlformats.org/drawingml/2006/diagram">
+            <dgm:relIds xmlns:dgm="http://schemas.openxmlformats.org/drawingml/2006/diagram" xmlns:r="http://schemas.openxmlformats.org/officeDocument/2006/relationships" r:dm="rId3" r:lo="rId4" r:qs="rId5" r:cs="rId6"/>
+          </a:graphicData>
+        </a:graphic>
+      </p:graphicFrame>
+      <p:sp>
+        <p:nvSpPr>
+          <p:cNvPr id="5" name="Date Placeholder 4"/>
+          <p:cNvSpPr>
+            <a:spLocks noGrp="1"/>
+          </p:cNvSpPr>
+          <p:nvPr>
+            <p:ph type="dt" sz="half" idx="10"/>
+          </p:nvPr>
+        </p:nvSpPr>
+        <p:spPr/>
+        <p:txBody>
+          <a:bodyPr/>
+          <a:lstStyle/>
+          <a:p>
+            <a:r>
+              <a:rPr lang="en-US" smtClean="0"/>
+              <a:t>18th June, 2014</a:t>
+            </a:r>
+            <a:endParaRPr lang="en-US"/>
+          </a:p>
+        </p:txBody>
+      </p:sp>
+      <p:sp>
+        <p:nvSpPr>
+          <p:cNvPr id="6" name="Slide Number Placeholder 5"/>
+          <p:cNvSpPr>
+            <a:spLocks noGrp="1"/>
+          </p:cNvSpPr>
+          <p:nvPr>
+            <p:ph type="sldNum" sz="quarter" idx="12"/>
+          </p:nvPr>
+        </p:nvSpPr>
+        <p:spPr/>
+        <p:txBody>
+          <a:bodyPr/>
+          <a:lstStyle/>
+          <a:p>
+            <a:fld id="{AB249746-A831-457C-AC59-C43D077DC69E}" type="slidenum">
+              <a:rPr lang="en-US" smtClean="0"/>
+              <a:pPr/>
+              <a:t>28</a:t>
+            </a:fld>
+            <a:endParaRPr lang="en-US"/>
+          </a:p>
+        </p:txBody>
+      </p:sp>
+      <p:sp>
+        <p:nvSpPr>
+          <p:cNvPr id="7" name="Footer Placeholder 6"/>
+          <p:cNvSpPr>
+            <a:spLocks noGrp="1"/>
+          </p:cNvSpPr>
+          <p:nvPr>
+            <p:ph type="ftr" sz="quarter" idx="11"/>
+          </p:nvPr>
+        </p:nvSpPr>
+        <p:spPr/>
+        <p:txBody>
+          <a:bodyPr/>
+          <a:lstStyle/>
+          <a:p>
+            <a:r>
+              <a:rPr lang="en-US" smtClean="0"/>
+              <a:t>Image Processing Interns, IIITDM, Kancheepuram</a:t>
+            </a:r>
+            <a:endParaRPr lang="en-US"/>
+          </a:p>
+        </p:txBody>
+      </p:sp>
+    </p:spTree>
+  </p:cSld>
+  <p:clrMapOvr>
+    <a:masterClrMapping/>
+  </p:clrMapOvr>
+  <p:timing>
+    <p:tnLst>
+      <p:par>
+        <p:cTn id="1" dur="indefinite" restart="never" nodeType="tmRoot"/>
+      </p:par>
+    </p:tnLst>
+  </p:timing>
+</p:sld>
+</file>
+
+<file path=ppt/slides/slide29.xml><?xml version="1.0" encoding="utf-8"?>
+<p:sld xmlns:a="http://schemas.openxmlformats.org/drawingml/2006/main" xmlns:r="http://schemas.openxmlformats.org/officeDocument/2006/relationships" xmlns:p="http://schemas.openxmlformats.org/presentationml/2006/main">
+  <p:cSld>
+    <p:spTree>
+      <p:nvGrpSpPr>
+        <p:cNvPr id="1" name=""/>
+        <p:cNvGrpSpPr/>
+        <p:nvPr/>
+      </p:nvGrpSpPr>
+      <p:grpSpPr>
+        <a:xfrm>
+          <a:off x="0" y="0"/>
+          <a:ext cx="0" cy="0"/>
+          <a:chOff x="0" y="0"/>
+          <a:chExt cx="0" cy="0"/>
+        </a:xfrm>
+      </p:grpSpPr>
+      <p:sp>
+        <p:nvSpPr>
+          <p:cNvPr id="2" name="Title 1"/>
+          <p:cNvSpPr>
+            <a:spLocks noGrp="1"/>
+          </p:cNvSpPr>
+          <p:nvPr>
+            <p:ph type="title"/>
+          </p:nvPr>
+        </p:nvSpPr>
+        <p:spPr/>
+        <p:txBody>
+          <a:bodyPr/>
+          <a:lstStyle/>
+          <a:p>
+            <a:r>
+              <a:rPr lang="en-US" dirty="0" smtClean="0"/>
+              <a:t>Step 5: Neural Network</a:t>
+            </a:r>
+            <a:endParaRPr lang="en-US" dirty="0"/>
+          </a:p>
+        </p:txBody>
+      </p:sp>
+      <p:sp>
+        <p:nvSpPr>
+          <p:cNvPr id="3" name="Content Placeholder 2"/>
+          <p:cNvSpPr>
+            <a:spLocks noGrp="1"/>
+          </p:cNvSpPr>
+          <p:nvPr>
+            <p:ph idx="1"/>
+          </p:nvPr>
+        </p:nvSpPr>
+        <p:spPr/>
+        <p:txBody>
+          <a:bodyPr/>
+          <a:lstStyle/>
+          <a:p>
+            <a:r>
+              <a:rPr lang="en-US" dirty="0" smtClean="0"/>
+              <a:t>Depending on the output of the neural network, we can classify the image.</a:t>
+            </a:r>
+          </a:p>
+          <a:p>
+            <a:r>
+              <a:rPr lang="en-US" dirty="0" smtClean="0"/>
+              <a:t>We will have the exact meaning of the road sign too (“two way”, “road narrows”, etc)</a:t>
+            </a:r>
+            <a:endParaRPr lang="en-US" dirty="0"/>
+          </a:p>
+        </p:txBody>
+      </p:sp>
+      <p:sp>
+        <p:nvSpPr>
+          <p:cNvPr id="4" name="Date Placeholder 3"/>
+          <p:cNvSpPr>
+            <a:spLocks noGrp="1"/>
+          </p:cNvSpPr>
+          <p:nvPr>
+            <p:ph type="dt" sz="half" idx="10"/>
+          </p:nvPr>
+        </p:nvSpPr>
+        <p:spPr/>
+        <p:txBody>
+          <a:bodyPr/>
+          <a:lstStyle/>
+          <a:p>
+            <a:r>
+              <a:rPr lang="en-US" smtClean="0"/>
+              <a:t>18th June, 2014</a:t>
+            </a:r>
+            <a:endParaRPr lang="en-US"/>
+          </a:p>
+        </p:txBody>
+      </p:sp>
+      <p:sp>
+        <p:nvSpPr>
+          <p:cNvPr id="5" name="Footer Placeholder 4"/>
+          <p:cNvSpPr>
+            <a:spLocks noGrp="1"/>
+          </p:cNvSpPr>
+          <p:nvPr>
+            <p:ph type="ftr" sz="quarter" idx="11"/>
+          </p:nvPr>
+        </p:nvSpPr>
+        <p:spPr/>
+        <p:txBody>
+          <a:bodyPr/>
+          <a:lstStyle/>
+          <a:p>
+            <a:r>
+              <a:rPr lang="en-US" smtClean="0"/>
+              <a:t>Image Processing Interns, IIITDM, Kancheepuram</a:t>
+            </a:r>
+            <a:endParaRPr lang="en-US"/>
+          </a:p>
+        </p:txBody>
+      </p:sp>
+      <p:sp>
+        <p:nvSpPr>
+          <p:cNvPr id="6" name="Slide Number Placeholder 5"/>
+          <p:cNvSpPr>
+            <a:spLocks noGrp="1"/>
+          </p:cNvSpPr>
+          <p:nvPr>
+            <p:ph type="sldNum" sz="quarter" idx="12"/>
+          </p:nvPr>
+        </p:nvSpPr>
+        <p:spPr/>
+        <p:txBody>
+          <a:bodyPr/>
+          <a:lstStyle/>
+          <a:p>
+            <a:fld id="{AB249746-A831-457C-AC59-C43D077DC69E}" type="slidenum">
+              <a:rPr lang="en-US" smtClean="0"/>
+              <a:pPr/>
+              <a:t>29</a:t>
+            </a:fld>
+            <a:endParaRPr lang="en-US"/>
+          </a:p>
+        </p:txBody>
+      </p:sp>
+    </p:spTree>
+  </p:cSld>
+  <p:clrMapOvr>
+    <a:masterClrMapping/>
+  </p:clrMapOvr>
+  <p:timing>
+    <p:tnLst>
+      <p:par>
+        <p:cTn id="1" dur="indefinite" restart="never" nodeType="tmRoot"/>
+      </p:par>
+    </p:tnLst>
+  </p:timing>
+</p:sld>
+</file>
+
+<file path=ppt/slides/slide3.xml><?xml version="1.0" encoding="utf-8"?>
+<p:sld xmlns:a="http://schemas.openxmlformats.org/drawingml/2006/main" xmlns:r="http://schemas.openxmlformats.org/officeDocument/2006/relationships" xmlns:p="http://schemas.openxmlformats.org/presentationml/2006/main">
+  <p:cSld>
+    <p:spTree>
+      <p:nvGrpSpPr>
+        <p:cNvPr id="1" name=""/>
+        <p:cNvGrpSpPr/>
+        <p:nvPr/>
+      </p:nvGrpSpPr>
+      <p:grpSpPr>
+        <a:xfrm>
+          <a:off x="0" y="0"/>
+          <a:ext cx="0" cy="0"/>
+          <a:chOff x="0" y="0"/>
+          <a:chExt cx="0" cy="0"/>
+        </a:xfrm>
+      </p:grpSpPr>
+      <p:sp>
+        <p:nvSpPr>
+          <p:cNvPr id="29698" name="CustomShape 1"/>
+          <p:cNvSpPr>
+            <a:spLocks noChangeArrowheads="1"/>
+          </p:cNvSpPr>
+          <p:nvPr/>
+        </p:nvSpPr>
+        <p:spPr bwMode="auto">
+          <a:xfrm>
+            <a:off x="7938" y="1679575"/>
+            <a:ext cx="2401887" cy="1441450"/>
+          </a:xfrm>
+          <a:prstGeom prst="roundRect">
+            <a:avLst>
+              <a:gd name="adj" fmla="val 10000"/>
+            </a:avLst>
+          </a:prstGeom>
+          <a:solidFill>
+            <a:srgbClr val="4F81BD"/>
+          </a:solidFill>
+          <a:ln w="25560">
+            <a:solidFill>
+              <a:srgbClr val="FFFFFF"/>
+            </a:solidFill>
+            <a:round/>
+            <a:headEnd/>
+            <a:tailEnd/>
+          </a:ln>
+        </p:spPr>
+        <p:txBody>
+          <a:bodyPr lIns="76320" tIns="76320" rIns="76320" bIns="76320" anchor="ctr"/>
+          <a:lstStyle/>
+          <a:p>
+            <a:pPr algn="ctr">
+              <a:lnSpc>
+                <a:spcPct val="90000"/>
+              </a:lnSpc>
+            </a:pPr>
+            <a:r>
+              <a:rPr lang="en-US" sz="2000">
+                <a:solidFill>
+                  <a:srgbClr val="FFFFFF"/>
+                </a:solidFill>
+                <a:latin typeface="Calibri" pitchFamily="34" charset="0"/>
+              </a:rPr>
+              <a:t>Image Procurement</a:t>
+            </a:r>
+            <a:endParaRPr lang="en-US"/>
+          </a:p>
+        </p:txBody>
+      </p:sp>
+      <p:sp>
+        <p:nvSpPr>
+          <p:cNvPr id="29699" name="CustomShape 2"/>
+          <p:cNvSpPr>
+            <a:spLocks noChangeArrowheads="1"/>
+          </p:cNvSpPr>
+          <p:nvPr/>
+        </p:nvSpPr>
+        <p:spPr bwMode="auto">
+          <a:xfrm>
+            <a:off x="2649538" y="2101850"/>
+            <a:ext cx="509587" cy="595313"/>
+          </a:xfrm>
+          <a:prstGeom prst="rightArrow">
+            <a:avLst>
+              <a:gd name="adj1" fmla="val 60000"/>
+              <a:gd name="adj2" fmla="val 50000"/>
+            </a:avLst>
+          </a:prstGeom>
+          <a:solidFill>
+            <a:srgbClr val="B2C0DA"/>
+          </a:solidFill>
+          <a:ln w="9525">
+            <a:noFill/>
+            <a:miter lim="800000"/>
+            <a:headEnd/>
+            <a:tailEnd/>
+          </a:ln>
+        </p:spPr>
+        <p:txBody>
+          <a:bodyPr/>
+          <a:lstStyle/>
+          <a:p>
+            <a:endParaRPr lang="en-US"/>
+          </a:p>
+        </p:txBody>
+      </p:sp>
+      <p:sp>
+        <p:nvSpPr>
+          <p:cNvPr id="29700" name="CustomShape 3"/>
+          <p:cNvSpPr>
+            <a:spLocks noChangeArrowheads="1"/>
+          </p:cNvSpPr>
+          <p:nvPr/>
+        </p:nvSpPr>
+        <p:spPr bwMode="auto">
+          <a:xfrm>
+            <a:off x="3370263" y="1679575"/>
+            <a:ext cx="2401887" cy="1441450"/>
+          </a:xfrm>
+          <a:prstGeom prst="roundRect">
+            <a:avLst>
+              <a:gd name="adj" fmla="val 10000"/>
+            </a:avLst>
+          </a:prstGeom>
+          <a:solidFill>
+            <a:srgbClr val="4F81BD"/>
+          </a:solidFill>
+          <a:ln w="25560">
+            <a:solidFill>
+              <a:srgbClr val="FFFFFF"/>
+            </a:solidFill>
+            <a:round/>
+            <a:headEnd/>
+            <a:tailEnd/>
+          </a:ln>
+        </p:spPr>
+        <p:txBody>
+          <a:bodyPr lIns="76320" tIns="76320" rIns="76320" bIns="76320" anchor="ctr"/>
+          <a:lstStyle/>
+          <a:p>
+            <a:pPr algn="ctr">
+              <a:lnSpc>
+                <a:spcPct val="90000"/>
+              </a:lnSpc>
+            </a:pPr>
+            <a:r>
+              <a:rPr lang="en-US" sz="2000">
+                <a:solidFill>
+                  <a:srgbClr val="FFFFFF"/>
+                </a:solidFill>
+                <a:latin typeface="Calibri" pitchFamily="34" charset="0"/>
+              </a:rPr>
+              <a:t>Preprocessing (Enhancement, Dilation, Erosion, Thresholding)</a:t>
+            </a:r>
+            <a:endParaRPr lang="en-US"/>
+          </a:p>
+        </p:txBody>
+      </p:sp>
+      <p:sp>
+        <p:nvSpPr>
+          <p:cNvPr id="29701" name="CustomShape 4"/>
+          <p:cNvSpPr>
+            <a:spLocks noChangeArrowheads="1"/>
+          </p:cNvSpPr>
+          <p:nvPr/>
+        </p:nvSpPr>
+        <p:spPr bwMode="auto">
+          <a:xfrm>
+            <a:off x="6013450" y="2101850"/>
+            <a:ext cx="508000" cy="595313"/>
+          </a:xfrm>
+          <a:prstGeom prst="rightArrow">
+            <a:avLst>
+              <a:gd name="adj1" fmla="val 60000"/>
+              <a:gd name="adj2" fmla="val 50000"/>
+            </a:avLst>
+          </a:prstGeom>
+          <a:solidFill>
+            <a:srgbClr val="B2C0DA"/>
+          </a:solidFill>
+          <a:ln w="9525">
+            <a:noFill/>
+            <a:miter lim="800000"/>
+            <a:headEnd/>
+            <a:tailEnd/>
+          </a:ln>
+        </p:spPr>
+        <p:txBody>
+          <a:bodyPr/>
+          <a:lstStyle/>
+          <a:p>
+            <a:endParaRPr lang="en-US"/>
+          </a:p>
+        </p:txBody>
+      </p:sp>
+      <p:sp>
+        <p:nvSpPr>
+          <p:cNvPr id="29702" name="CustomShape 5"/>
+          <p:cNvSpPr>
+            <a:spLocks noChangeArrowheads="1"/>
+          </p:cNvSpPr>
+          <p:nvPr/>
+        </p:nvSpPr>
+        <p:spPr bwMode="auto">
+          <a:xfrm>
+            <a:off x="6734175" y="1679575"/>
+            <a:ext cx="2401888" cy="1441450"/>
+          </a:xfrm>
+          <a:prstGeom prst="roundRect">
+            <a:avLst>
+              <a:gd name="adj" fmla="val 10000"/>
+            </a:avLst>
+          </a:prstGeom>
+          <a:solidFill>
+            <a:srgbClr val="4F81BD"/>
+          </a:solidFill>
+          <a:ln w="25560">
+            <a:solidFill>
+              <a:srgbClr val="FFFFFF"/>
+            </a:solidFill>
+            <a:round/>
+            <a:headEnd/>
+            <a:tailEnd/>
+          </a:ln>
+        </p:spPr>
+        <p:txBody>
+          <a:bodyPr lIns="76320" tIns="76320" rIns="76320" bIns="76320" anchor="ctr"/>
+          <a:lstStyle/>
+          <a:p>
+            <a:pPr algn="ctr">
+              <a:lnSpc>
+                <a:spcPct val="90000"/>
+              </a:lnSpc>
+            </a:pPr>
+            <a:r>
+              <a:rPr lang="en-US" sz="2000">
+                <a:solidFill>
+                  <a:srgbClr val="FFFFFF"/>
+                </a:solidFill>
+                <a:latin typeface="Calibri" pitchFamily="34" charset="0"/>
+              </a:rPr>
+              <a:t>Detecting the region of interest (using YCbCr Color Space and Blob Detection)</a:t>
+            </a:r>
+            <a:endParaRPr lang="en-US"/>
+          </a:p>
+        </p:txBody>
+      </p:sp>
+      <p:sp>
+        <p:nvSpPr>
+          <p:cNvPr id="29703" name="CustomShape 6"/>
+          <p:cNvSpPr>
+            <a:spLocks noChangeArrowheads="1"/>
+          </p:cNvSpPr>
+          <p:nvPr/>
+        </p:nvSpPr>
+        <p:spPr bwMode="auto">
+          <a:xfrm>
+            <a:off x="6451600" y="4457700"/>
+            <a:ext cx="2538413" cy="1524000"/>
+          </a:xfrm>
+          <a:prstGeom prst="roundRect">
+            <a:avLst>
+              <a:gd name="adj" fmla="val 10000"/>
+            </a:avLst>
+          </a:prstGeom>
+          <a:solidFill>
+            <a:srgbClr val="4F81BD"/>
+          </a:solidFill>
+          <a:ln w="25560">
+            <a:solidFill>
+              <a:srgbClr val="FFFFFF"/>
+            </a:solidFill>
+            <a:round/>
+            <a:headEnd/>
+            <a:tailEnd/>
+          </a:ln>
+        </p:spPr>
+        <p:txBody>
+          <a:bodyPr lIns="83880" tIns="83880" rIns="83880" bIns="83880" anchor="ctr"/>
+          <a:lstStyle/>
+          <a:p>
+            <a:pPr algn="ctr">
+              <a:lnSpc>
+                <a:spcPct val="90000"/>
+              </a:lnSpc>
+            </a:pPr>
+            <a:r>
+              <a:rPr lang="en-US" sz="2200">
+                <a:solidFill>
+                  <a:srgbClr val="FFFFFF"/>
+                </a:solidFill>
+                <a:latin typeface="Calibri" pitchFamily="34" charset="0"/>
+              </a:rPr>
+              <a:t>Extraction of features from this blob</a:t>
+            </a:r>
+            <a:endParaRPr lang="en-US"/>
+          </a:p>
+        </p:txBody>
+      </p:sp>
+      <p:sp>
+        <p:nvSpPr>
+          <p:cNvPr id="29704" name="CustomShape 7"/>
+          <p:cNvSpPr>
+            <a:spLocks noChangeArrowheads="1"/>
+          </p:cNvSpPr>
+          <p:nvPr/>
+        </p:nvSpPr>
+        <p:spPr bwMode="auto">
+          <a:xfrm rot="10800000">
+            <a:off x="5659438" y="4905375"/>
+            <a:ext cx="538162" cy="628650"/>
+          </a:xfrm>
+          <a:prstGeom prst="rightArrow">
+            <a:avLst>
+              <a:gd name="adj1" fmla="val 60000"/>
+              <a:gd name="adj2" fmla="val 50000"/>
+            </a:avLst>
+          </a:prstGeom>
+          <a:solidFill>
+            <a:srgbClr val="B2C0DA"/>
+          </a:solidFill>
+          <a:ln w="9525">
+            <a:noFill/>
+            <a:miter lim="800000"/>
+            <a:headEnd/>
+            <a:tailEnd/>
+          </a:ln>
+        </p:spPr>
+        <p:txBody>
+          <a:bodyPr/>
+          <a:lstStyle/>
+          <a:p>
+            <a:endParaRPr lang="en-US"/>
+          </a:p>
+        </p:txBody>
+      </p:sp>
+      <p:sp>
+        <p:nvSpPr>
+          <p:cNvPr id="29705" name="CustomShape 8"/>
+          <p:cNvSpPr>
+            <a:spLocks noChangeArrowheads="1"/>
+          </p:cNvSpPr>
+          <p:nvPr/>
+        </p:nvSpPr>
+        <p:spPr bwMode="auto">
+          <a:xfrm>
+            <a:off x="2897188" y="4457700"/>
+            <a:ext cx="2538412" cy="1524000"/>
+          </a:xfrm>
+          <a:prstGeom prst="roundRect">
+            <a:avLst>
+              <a:gd name="adj" fmla="val 10000"/>
+            </a:avLst>
+          </a:prstGeom>
+          <a:solidFill>
+            <a:srgbClr val="4F81BD"/>
+          </a:solidFill>
+          <a:ln w="25560">
+            <a:solidFill>
+              <a:srgbClr val="FFFFFF"/>
+            </a:solidFill>
+            <a:round/>
+            <a:headEnd/>
+            <a:tailEnd/>
+          </a:ln>
+        </p:spPr>
+        <p:txBody>
+          <a:bodyPr lIns="83880" tIns="83880" rIns="83880" bIns="83880" anchor="ctr"/>
+          <a:lstStyle/>
+          <a:p>
+            <a:pPr algn="ctr">
+              <a:lnSpc>
+                <a:spcPct val="90000"/>
+              </a:lnSpc>
+            </a:pPr>
+            <a:r>
+              <a:rPr lang="en-US" sz="2200">
+                <a:solidFill>
+                  <a:srgbClr val="FFFFFF"/>
+                </a:solidFill>
+                <a:latin typeface="Calibri" pitchFamily="34" charset="0"/>
+              </a:rPr>
+              <a:t>Submitting these features to a neural network for classification</a:t>
+            </a:r>
+            <a:endParaRPr lang="en-US"/>
+          </a:p>
+        </p:txBody>
+      </p:sp>
+      <p:sp>
+        <p:nvSpPr>
+          <p:cNvPr id="29706" name="TextShape 9"/>
+          <p:cNvSpPr txBox="1">
+            <a:spLocks noChangeArrowheads="1"/>
+          </p:cNvSpPr>
+          <p:nvPr/>
+        </p:nvSpPr>
+        <p:spPr bwMode="auto">
+          <a:xfrm>
+            <a:off x="457200" y="274638"/>
+            <a:ext cx="8229600" cy="1143000"/>
+          </a:xfrm>
+          <a:prstGeom prst="rect">
+            <a:avLst/>
+          </a:prstGeom>
+          <a:noFill/>
+          <a:ln w="9525">
+            <a:noFill/>
+            <a:miter lim="800000"/>
+            <a:headEnd/>
+            <a:tailEnd/>
+          </a:ln>
+        </p:spPr>
+        <p:txBody>
+          <a:bodyPr anchor="ctr"/>
+          <a:lstStyle/>
+          <a:p>
+            <a:pPr algn="ctr"/>
+            <a:r>
+              <a:rPr lang="en-US" sz="4400">
+                <a:solidFill>
+                  <a:srgbClr val="000000"/>
+                </a:solidFill>
+                <a:latin typeface="Calibri" pitchFamily="34" charset="0"/>
+              </a:rPr>
+              <a:t>Procedure followed</a:t>
+            </a:r>
+            <a:endParaRPr lang="en-US"/>
+          </a:p>
+        </p:txBody>
+      </p:sp>
+      <p:sp>
+        <p:nvSpPr>
+          <p:cNvPr id="29707" name="CustomShape 10"/>
+          <p:cNvSpPr>
+            <a:spLocks noChangeArrowheads="1"/>
+          </p:cNvSpPr>
+          <p:nvPr/>
+        </p:nvSpPr>
+        <p:spPr bwMode="auto">
+          <a:xfrm>
+            <a:off x="7696200" y="3276600"/>
+            <a:ext cx="685800" cy="1066800"/>
+          </a:xfrm>
+          <a:prstGeom prst="downArrow">
+            <a:avLst>
+              <a:gd name="adj1" fmla="val 50000"/>
+              <a:gd name="adj2" fmla="val 49994"/>
+            </a:avLst>
+          </a:prstGeom>
+          <a:solidFill>
+            <a:srgbClr val="95B3D7"/>
+          </a:solidFill>
+          <a:ln w="25560">
+            <a:solidFill>
+              <a:srgbClr val="DCE6F2"/>
+            </a:solidFill>
+            <a:round/>
+            <a:headEnd/>
+            <a:tailEnd/>
+          </a:ln>
+        </p:spPr>
+        <p:txBody>
+          <a:bodyPr/>
+          <a:lstStyle/>
+          <a:p>
+            <a:endParaRPr lang="en-US"/>
+          </a:p>
+        </p:txBody>
+      </p:sp>
+      <p:sp>
+        <p:nvSpPr>
+          <p:cNvPr id="12" name="Date Placeholder 11"/>
+          <p:cNvSpPr>
+            <a:spLocks noGrp="1"/>
+          </p:cNvSpPr>
+          <p:nvPr>
+            <p:ph type="dt" sz="half" idx="10"/>
+          </p:nvPr>
+        </p:nvSpPr>
+        <p:spPr/>
+        <p:txBody>
+          <a:bodyPr/>
+          <a:lstStyle/>
+          <a:p>
+            <a:r>
+              <a:rPr lang="en-US" smtClean="0"/>
+              <a:t>18th June, 2014</a:t>
+            </a:r>
+            <a:endParaRPr lang="en-US"/>
+          </a:p>
+        </p:txBody>
+      </p:sp>
+      <p:sp>
+        <p:nvSpPr>
+          <p:cNvPr id="13" name="Slide Number Placeholder 12"/>
+          <p:cNvSpPr>
+            <a:spLocks noGrp="1"/>
+          </p:cNvSpPr>
+          <p:nvPr>
+            <p:ph type="sldNum" sz="quarter" idx="12"/>
+          </p:nvPr>
+        </p:nvSpPr>
+        <p:spPr/>
+        <p:txBody>
+          <a:bodyPr/>
+          <a:lstStyle/>
+          <a:p>
+            <a:fld id="{AB249746-A831-457C-AC59-C43D077DC69E}" type="slidenum">
+              <a:rPr lang="en-US" smtClean="0"/>
+              <a:pPr/>
+              <a:t>3</a:t>
+            </a:fld>
+            <a:endParaRPr lang="en-US"/>
+          </a:p>
+        </p:txBody>
+      </p:sp>
+      <p:sp>
+        <p:nvSpPr>
+          <p:cNvPr id="14" name="Footer Placeholder 13"/>
+          <p:cNvSpPr>
+            <a:spLocks noGrp="1"/>
+          </p:cNvSpPr>
+          <p:nvPr>
+            <p:ph type="ftr" sz="quarter" idx="11"/>
+          </p:nvPr>
+        </p:nvSpPr>
+        <p:spPr/>
+        <p:txBody>
+          <a:bodyPr/>
+          <a:lstStyle/>
+          <a:p>
+            <a:r>
+              <a:rPr lang="en-US" smtClean="0"/>
+              <a:t>Image Processing Interns, IIITDM, Kancheepuram</a:t>
+            </a:r>
+            <a:endParaRPr lang="en-US"/>
+          </a:p>
+        </p:txBody>
+      </p:sp>
+    </p:spTree>
+  </p:cSld>
+  <p:clrMapOvr>
+    <a:masterClrMapping/>
+  </p:clrMapOvr>
+  <p:timing>
+    <p:tnLst>
+      <p:par>
+        <p:cTn id="1" dur="indefinite" restart="never" nodeType="tmRoot"/>
+      </p:par>
+    </p:tnLst>
+  </p:timing>
+</p:sld>
+</file>
+
+<file path=ppt/slides/slide30.xml><?xml version="1.0" encoding="utf-8"?>
+<p:sld xmlns:a="http://schemas.openxmlformats.org/drawingml/2006/main" xmlns:r="http://schemas.openxmlformats.org/officeDocument/2006/relationships" xmlns:p="http://schemas.openxmlformats.org/presentationml/2006/main">
+  <p:cSld>
+    <p:spTree>
+      <p:nvGrpSpPr>
+        <p:cNvPr id="1" name=""/>
+        <p:cNvGrpSpPr/>
+        <p:nvPr/>
+      </p:nvGrpSpPr>
+      <p:grpSpPr>
+        <a:xfrm>
+          <a:off x="0" y="0"/>
+          <a:ext cx="0" cy="0"/>
+          <a:chOff x="0" y="0"/>
+          <a:chExt cx="0" cy="0"/>
+        </a:xfrm>
+      </p:grpSpPr>
+      <p:sp>
+        <p:nvSpPr>
           <p:cNvPr id="7" name="Title 6"/>
           <p:cNvSpPr>
             <a:spLocks noGrp="1"/>
@@ -16301,7 +17925,7 @@
             <a:fld id="{AB249746-A831-457C-AC59-C43D077DC69E}" type="slidenum">
               <a:rPr lang="en-US" smtClean="0"/>
               <a:pPr/>
-              <a:t>26</a:t>
+              <a:t>30</a:t>
             </a:fld>
             <a:endParaRPr lang="en-US"/>
           </a:p>
@@ -16315,7 +17939,7 @@
         </p:nvGrpSpPr>
         <p:grpSpPr>
           <a:xfrm>
-            <a:off x="0" y="3352800"/>
+            <a:off x="6324600" y="381000"/>
             <a:ext cx="2819400" cy="2667000"/>
             <a:chOff x="0" y="3200400"/>
             <a:chExt cx="2819400" cy="2667000"/>
@@ -16401,7 +18025,7 @@
         </p:nvGrpSpPr>
         <p:grpSpPr>
           <a:xfrm>
-            <a:off x="3276600" y="1143000"/>
+            <a:off x="0" y="457200"/>
             <a:ext cx="2819400" cy="2667000"/>
             <a:chOff x="6324600" y="685800"/>
             <a:chExt cx="2819400" cy="2667000"/>
@@ -16527,6 +18151,94 @@
           </a:p>
         </p:txBody>
       </p:sp>
+      <p:sp>
+        <p:nvSpPr>
+          <p:cNvPr id="15" name="Oval 14"/>
+          <p:cNvSpPr/>
+          <p:nvPr/>
+        </p:nvSpPr>
+        <p:spPr>
+          <a:xfrm>
+            <a:off x="0" y="3657600"/>
+            <a:ext cx="2819400" cy="2667000"/>
+          </a:xfrm>
+          <a:prstGeom prst="ellipse">
+            <a:avLst/>
+          </a:prstGeom>
+        </p:spPr>
+        <p:style>
+          <a:lnRef idx="2">
+            <a:schemeClr val="accent1">
+              <a:shade val="50000"/>
+            </a:schemeClr>
+          </a:lnRef>
+          <a:fillRef idx="1">
+            <a:schemeClr val="accent1"/>
+          </a:fillRef>
+          <a:effectRef idx="0">
+            <a:schemeClr val="accent1"/>
+          </a:effectRef>
+          <a:fontRef idx="minor">
+            <a:schemeClr val="lt1"/>
+          </a:fontRef>
+        </p:style>
+        <p:txBody>
+          <a:bodyPr rtlCol="0" anchor="ctr"/>
+          <a:lstStyle/>
+          <a:p>
+            <a:pPr algn="ctr"/>
+            <a:r>
+              <a:rPr lang="en-US" dirty="0" smtClean="0"/>
+              <a:t>Selection of red or blue component as the required component</a:t>
+            </a:r>
+            <a:endParaRPr lang="en-US" dirty="0"/>
+          </a:p>
+        </p:txBody>
+      </p:sp>
+      <p:sp>
+        <p:nvSpPr>
+          <p:cNvPr id="17" name="Oval 16"/>
+          <p:cNvSpPr/>
+          <p:nvPr/>
+        </p:nvSpPr>
+        <p:spPr>
+          <a:xfrm>
+            <a:off x="3276600" y="2057400"/>
+            <a:ext cx="2819400" cy="2667000"/>
+          </a:xfrm>
+          <a:prstGeom prst="ellipse">
+            <a:avLst/>
+          </a:prstGeom>
+        </p:spPr>
+        <p:style>
+          <a:lnRef idx="2">
+            <a:schemeClr val="accent1">
+              <a:shade val="50000"/>
+            </a:schemeClr>
+          </a:lnRef>
+          <a:fillRef idx="1">
+            <a:schemeClr val="accent1"/>
+          </a:fillRef>
+          <a:effectRef idx="0">
+            <a:schemeClr val="accent1"/>
+          </a:effectRef>
+          <a:fontRef idx="minor">
+            <a:schemeClr val="lt1"/>
+          </a:fontRef>
+        </p:style>
+        <p:txBody>
+          <a:bodyPr rtlCol="0" anchor="ctr"/>
+          <a:lstStyle/>
+          <a:p>
+            <a:pPr algn="ctr"/>
+            <a:r>
+              <a:rPr lang="en-US" dirty="0" smtClean="0"/>
+              <a:t>Problems faced when dealing with real-world images</a:t>
+            </a:r>
+            <a:endParaRPr lang="en-US" dirty="0"/>
+          </a:p>
+        </p:txBody>
+      </p:sp>
     </p:spTree>
   </p:cSld>
   <p:clrMapOvr>
@@ -16542,7 +18254,7 @@
 </p:sld>
 </file>
 
-<file path=ppt/slides/slide27.xml><?xml version="1.0" encoding="utf-8"?>
+<file path=ppt/slides/slide31.xml><?xml version="1.0" encoding="utf-8"?>
 <p:sld xmlns:a="http://schemas.openxmlformats.org/drawingml/2006/main" xmlns:r="http://schemas.openxmlformats.org/officeDocument/2006/relationships" xmlns:p="http://schemas.openxmlformats.org/presentationml/2006/main">
   <p:cSld>
     <p:spTree>
@@ -16682,7 +18394,7 @@
             <a:fld id="{AB249746-A831-457C-AC59-C43D077DC69E}" type="slidenum">
               <a:rPr lang="en-US" smtClean="0"/>
               <a:pPr/>
-              <a:t>27</a:t>
+              <a:t>31</a:t>
             </a:fld>
             <a:endParaRPr lang="en-US"/>
           </a:p>
@@ -16761,7 +18473,7 @@
 </p:sld>
 </file>
 
-<file path=ppt/slides/slide28.xml><?xml version="1.0" encoding="utf-8"?>
+<file path=ppt/slides/slide32.xml><?xml version="1.0" encoding="utf-8"?>
 <p:sld xmlns:a="http://schemas.openxmlformats.org/drawingml/2006/main" xmlns:r="http://schemas.openxmlformats.org/officeDocument/2006/relationships" xmlns:p="http://schemas.openxmlformats.org/presentationml/2006/main">
   <p:cSld>
     <p:spTree>
@@ -16895,7 +18607,7 @@
             <a:fld id="{AB249746-A831-457C-AC59-C43D077DC69E}" type="slidenum">
               <a:rPr lang="en-US" smtClean="0"/>
               <a:pPr/>
-              <a:t>28</a:t>
+              <a:t>32</a:t>
             </a:fld>
             <a:endParaRPr lang="en-US"/>
           </a:p>
@@ -16982,7 +18694,7 @@
 </p:sld>
 </file>
 
-<file path=ppt/slides/slide29.xml><?xml version="1.0" encoding="utf-8"?>
+<file path=ppt/slides/slide33.xml><?xml version="1.0" encoding="utf-8"?>
 <p:sld xmlns:a="http://schemas.openxmlformats.org/drawingml/2006/main" xmlns:r="http://schemas.openxmlformats.org/officeDocument/2006/relationships" xmlns:p="http://schemas.openxmlformats.org/presentationml/2006/main">
   <p:cSld>
     <p:spTree>
@@ -17014,7 +18726,11 @@
           <a:bodyPr/>
           <a:lstStyle/>
           <a:p>
-            <a:endParaRPr lang="en-US"/>
+            <a:r>
+              <a:rPr lang="en-US" dirty="0" smtClean="0"/>
+              <a:t>2. Obstruction</a:t>
+            </a:r>
+            <a:endParaRPr lang="en-US" dirty="0"/>
           </a:p>
         </p:txBody>
       </p:sp>
@@ -17030,10 +18746,28 @@
         </p:nvSpPr>
         <p:spPr/>
         <p:txBody>
-          <a:bodyPr/>
-          <a:lstStyle/>
-          <a:p>
-            <a:endParaRPr lang="en-US"/>
+          <a:bodyPr>
+            <a:normAutofit fontScale="92500" lnSpcReduction="10000"/>
+          </a:bodyPr>
+          <a:lstStyle/>
+          <a:p>
+            <a:r>
+              <a:rPr lang="en-US" dirty="0" smtClean="0"/>
+              <a:t>Prohibitory signs always have a red circle with a red line cutting across the circle.</a:t>
+            </a:r>
+          </a:p>
+          <a:p>
+            <a:r>
+              <a:rPr lang="en-US" dirty="0" smtClean="0"/>
+              <a:t>Due to this phenomenon, we get two separate blobs at step 4. And we are unable to find how to fill out the empty space between the two blobs.</a:t>
+            </a:r>
+          </a:p>
+          <a:p>
+            <a:r>
+              <a:rPr lang="en-US" dirty="0" smtClean="0"/>
+              <a:t>Tried: Filling it with a block of black pixels. But this results in us losing the shape of the object behind the obstructing line. Due to this, the neural network does not give desirable results (coefficients as low as 0.04, 0.02 etc)</a:t>
+            </a:r>
+            <a:endParaRPr lang="en-US" dirty="0"/>
           </a:p>
         </p:txBody>
       </p:sp>
@@ -17101,7 +18835,7 @@
             <a:fld id="{AB249746-A831-457C-AC59-C43D077DC69E}" type="slidenum">
               <a:rPr lang="en-US" smtClean="0"/>
               <a:pPr/>
-              <a:t>29</a:t>
+              <a:t>33</a:t>
             </a:fld>
             <a:endParaRPr lang="en-US"/>
           </a:p>
@@ -17112,10 +18846,17 @@
   <p:clrMapOvr>
     <a:masterClrMapping/>
   </p:clrMapOvr>
+  <p:timing>
+    <p:tnLst>
+      <p:par>
+        <p:cTn id="1" dur="indefinite" restart="never" nodeType="tmRoot"/>
+      </p:par>
+    </p:tnLst>
+  </p:timing>
 </p:sld>
 </file>
 
-<file path=ppt/slides/slide3.xml><?xml version="1.0" encoding="utf-8"?>
+<file path=ppt/slides/slide34.xml><?xml version="1.0" encoding="utf-8"?>
 <p:sld xmlns:a="http://schemas.openxmlformats.org/drawingml/2006/main" xmlns:r="http://schemas.openxmlformats.org/officeDocument/2006/relationships" xmlns:p="http://schemas.openxmlformats.org/presentationml/2006/main">
   <p:cSld>
     <p:spTree>
@@ -17134,387 +18875,397 @@
       </p:grpSpPr>
       <p:sp>
         <p:nvSpPr>
-          <p:cNvPr id="29698" name="CustomShape 1"/>
-          <p:cNvSpPr>
-            <a:spLocks noChangeArrowheads="1"/>
-          </p:cNvSpPr>
+          <p:cNvPr id="7" name="Title 6"/>
+          <p:cNvSpPr>
+            <a:spLocks noGrp="1"/>
+          </p:cNvSpPr>
+          <p:nvPr>
+            <p:ph type="title"/>
+          </p:nvPr>
+        </p:nvSpPr>
+        <p:spPr/>
+        <p:txBody>
+          <a:bodyPr/>
+          <a:lstStyle/>
+          <a:p>
+            <a:r>
+              <a:rPr lang="en-US" dirty="0" smtClean="0"/>
+              <a:t>2. Obstruction: Proposed Solution</a:t>
+            </a:r>
+            <a:endParaRPr lang="en-US" dirty="0"/>
+          </a:p>
+        </p:txBody>
+      </p:sp>
+      <p:sp>
+        <p:nvSpPr>
+          <p:cNvPr id="8" name="Content Placeholder 7"/>
+          <p:cNvSpPr>
+            <a:spLocks noGrp="1"/>
+          </p:cNvSpPr>
+          <p:nvPr>
+            <p:ph idx="1"/>
+          </p:nvPr>
+        </p:nvSpPr>
+        <p:spPr/>
+        <p:txBody>
+          <a:bodyPr/>
+          <a:lstStyle/>
+          <a:p>
+            <a:r>
+              <a:rPr lang="en-US" dirty="0" smtClean="0"/>
+              <a:t>Instead of trying to find what is there behind the line, we train the neural network to </a:t>
+            </a:r>
+            <a:r>
+              <a:rPr lang="en-US" dirty="0" err="1" smtClean="0"/>
+              <a:t>recognise</a:t>
+            </a:r>
+            <a:r>
+              <a:rPr lang="en-US" dirty="0" smtClean="0"/>
+              <a:t> the features on the two sides of the line.</a:t>
+            </a:r>
+          </a:p>
+          <a:p>
+            <a:r>
+              <a:rPr lang="en-US" dirty="0" smtClean="0"/>
+              <a:t>And when we get the input image, we extract the same features from the image and then, give these as input to the neural network.</a:t>
+            </a:r>
+            <a:endParaRPr lang="en-US" dirty="0"/>
+          </a:p>
+        </p:txBody>
+      </p:sp>
+      <p:sp>
+        <p:nvSpPr>
+          <p:cNvPr id="4" name="Date Placeholder 3"/>
+          <p:cNvSpPr>
+            <a:spLocks noGrp="1"/>
+          </p:cNvSpPr>
+          <p:nvPr>
+            <p:ph type="dt" sz="half" idx="10"/>
+          </p:nvPr>
+        </p:nvSpPr>
+        <p:spPr/>
+        <p:txBody>
+          <a:bodyPr/>
+          <a:lstStyle/>
+          <a:p>
+            <a:r>
+              <a:rPr lang="en-US" smtClean="0"/>
+              <a:t>18th June, 2014</a:t>
+            </a:r>
+            <a:endParaRPr lang="en-US" dirty="0"/>
+          </a:p>
+        </p:txBody>
+      </p:sp>
+      <p:sp>
+        <p:nvSpPr>
+          <p:cNvPr id="5" name="Footer Placeholder 4"/>
+          <p:cNvSpPr>
+            <a:spLocks noGrp="1"/>
+          </p:cNvSpPr>
+          <p:nvPr>
+            <p:ph type="ftr" sz="quarter" idx="11"/>
+          </p:nvPr>
+        </p:nvSpPr>
+        <p:spPr/>
+        <p:txBody>
+          <a:bodyPr/>
+          <a:lstStyle/>
+          <a:p>
+            <a:r>
+              <a:rPr lang="en-US" smtClean="0"/>
+              <a:t>Image Processing Interns, IIITDM, Kancheepuram</a:t>
+            </a:r>
+            <a:endParaRPr lang="en-US" dirty="0"/>
+          </a:p>
+        </p:txBody>
+      </p:sp>
+      <p:sp>
+        <p:nvSpPr>
+          <p:cNvPr id="6" name="Slide Number Placeholder 5"/>
+          <p:cNvSpPr>
+            <a:spLocks noGrp="1"/>
+          </p:cNvSpPr>
+          <p:nvPr>
+            <p:ph type="sldNum" sz="quarter" idx="12"/>
+          </p:nvPr>
+        </p:nvSpPr>
+        <p:spPr/>
+        <p:txBody>
+          <a:bodyPr/>
+          <a:lstStyle/>
+          <a:p>
+            <a:fld id="{AB249746-A831-457C-AC59-C43D077DC69E}" type="slidenum">
+              <a:rPr lang="en-US" smtClean="0"/>
+              <a:pPr/>
+              <a:t>34</a:t>
+            </a:fld>
+            <a:endParaRPr lang="en-US"/>
+          </a:p>
+        </p:txBody>
+      </p:sp>
+    </p:spTree>
+  </p:cSld>
+  <p:clrMapOvr>
+    <a:masterClrMapping/>
+  </p:clrMapOvr>
+</p:sld>
+</file>
+
+<file path=ppt/slides/slide35.xml><?xml version="1.0" encoding="utf-8"?>
+<p:sld xmlns:a="http://schemas.openxmlformats.org/drawingml/2006/main" xmlns:r="http://schemas.openxmlformats.org/officeDocument/2006/relationships" xmlns:p="http://schemas.openxmlformats.org/presentationml/2006/main">
+  <p:cSld>
+    <p:spTree>
+      <p:nvGrpSpPr>
+        <p:cNvPr id="1" name=""/>
+        <p:cNvGrpSpPr/>
+        <p:nvPr/>
+      </p:nvGrpSpPr>
+      <p:grpSpPr>
+        <a:xfrm>
+          <a:off x="0" y="0"/>
+          <a:ext cx="0" cy="0"/>
+          <a:chOff x="0" y="0"/>
+          <a:chExt cx="0" cy="0"/>
+        </a:xfrm>
+      </p:grpSpPr>
+      <p:sp>
+        <p:nvSpPr>
+          <p:cNvPr id="7" name="Title 6"/>
+          <p:cNvSpPr>
+            <a:spLocks noGrp="1"/>
+          </p:cNvSpPr>
+          <p:nvPr>
+            <p:ph type="title"/>
+          </p:nvPr>
+        </p:nvSpPr>
+        <p:spPr/>
+        <p:txBody>
+          <a:bodyPr>
+            <a:normAutofit fontScale="90000"/>
+          </a:bodyPr>
+          <a:lstStyle/>
+          <a:p>
+            <a:r>
+              <a:rPr lang="en-US" dirty="0" smtClean="0"/>
+              <a:t>3. Regarding the component that has the data that we need</a:t>
+            </a:r>
+            <a:endParaRPr lang="en-US" dirty="0"/>
+          </a:p>
+        </p:txBody>
+      </p:sp>
+      <p:sp>
+        <p:nvSpPr>
+          <p:cNvPr id="8" name="Content Placeholder 7"/>
+          <p:cNvSpPr>
+            <a:spLocks noGrp="1"/>
+          </p:cNvSpPr>
+          <p:nvPr>
+            <p:ph idx="1"/>
+          </p:nvPr>
+        </p:nvSpPr>
+        <p:spPr/>
+        <p:txBody>
+          <a:bodyPr/>
+          <a:lstStyle/>
+          <a:p>
+            <a:r>
+              <a:rPr lang="en-US" dirty="0" smtClean="0"/>
+              <a:t>Once we extract the blobs from both the red and the blue components, we will notice that one of the two components will give us the blob that we are looking for.</a:t>
+            </a:r>
+          </a:p>
+          <a:p>
+            <a:r>
+              <a:rPr lang="en-US" dirty="0" smtClean="0"/>
+              <a:t>But we are unable to select this component on the basis of the blobs that are detected.</a:t>
+            </a:r>
+            <a:endParaRPr lang="en-US" dirty="0"/>
+          </a:p>
+        </p:txBody>
+      </p:sp>
+      <p:sp>
+        <p:nvSpPr>
+          <p:cNvPr id="4" name="Date Placeholder 3"/>
+          <p:cNvSpPr>
+            <a:spLocks noGrp="1"/>
+          </p:cNvSpPr>
+          <p:nvPr>
+            <p:ph type="dt" sz="half" idx="10"/>
+          </p:nvPr>
+        </p:nvSpPr>
+        <p:spPr/>
+        <p:txBody>
+          <a:bodyPr/>
+          <a:lstStyle/>
+          <a:p>
+            <a:r>
+              <a:rPr lang="en-US" smtClean="0"/>
+              <a:t>18th June, 2014</a:t>
+            </a:r>
+            <a:endParaRPr lang="en-US" dirty="0"/>
+          </a:p>
+        </p:txBody>
+      </p:sp>
+      <p:sp>
+        <p:nvSpPr>
+          <p:cNvPr id="5" name="Footer Placeholder 4"/>
+          <p:cNvSpPr>
+            <a:spLocks noGrp="1"/>
+          </p:cNvSpPr>
+          <p:nvPr>
+            <p:ph type="ftr" sz="quarter" idx="11"/>
+          </p:nvPr>
+        </p:nvSpPr>
+        <p:spPr/>
+        <p:txBody>
+          <a:bodyPr/>
+          <a:lstStyle/>
+          <a:p>
+            <a:r>
+              <a:rPr lang="en-US" smtClean="0"/>
+              <a:t>Image Processing Interns, IIITDM, Kancheepuram</a:t>
+            </a:r>
+            <a:endParaRPr lang="en-US" dirty="0"/>
+          </a:p>
+        </p:txBody>
+      </p:sp>
+      <p:sp>
+        <p:nvSpPr>
+          <p:cNvPr id="6" name="Slide Number Placeholder 5"/>
+          <p:cNvSpPr>
+            <a:spLocks noGrp="1"/>
+          </p:cNvSpPr>
+          <p:nvPr>
+            <p:ph type="sldNum" sz="quarter" idx="12"/>
+          </p:nvPr>
+        </p:nvSpPr>
+        <p:spPr/>
+        <p:txBody>
+          <a:bodyPr/>
+          <a:lstStyle/>
+          <a:p>
+            <a:fld id="{AB249746-A831-457C-AC59-C43D077DC69E}" type="slidenum">
+              <a:rPr lang="en-US" smtClean="0"/>
+              <a:pPr/>
+              <a:t>35</a:t>
+            </a:fld>
+            <a:endParaRPr lang="en-US"/>
+          </a:p>
+        </p:txBody>
+      </p:sp>
+    </p:spTree>
+  </p:cSld>
+  <p:clrMapOvr>
+    <a:masterClrMapping/>
+  </p:clrMapOvr>
+</p:sld>
+</file>
+
+<file path=ppt/slides/slide36.xml><?xml version="1.0" encoding="utf-8"?>
+<p:sld xmlns:a="http://schemas.openxmlformats.org/drawingml/2006/main" xmlns:r="http://schemas.openxmlformats.org/officeDocument/2006/relationships" xmlns:p="http://schemas.openxmlformats.org/presentationml/2006/main">
+  <p:cSld>
+    <p:spTree>
+      <p:nvGrpSpPr>
+        <p:cNvPr id="1" name=""/>
+        <p:cNvGrpSpPr/>
+        <p:nvPr/>
+      </p:nvGrpSpPr>
+      <p:grpSpPr>
+        <a:xfrm>
+          <a:off x="0" y="0"/>
+          <a:ext cx="0" cy="0"/>
+          <a:chOff x="0" y="0"/>
+          <a:chExt cx="0" cy="0"/>
+        </a:xfrm>
+      </p:grpSpPr>
+      <p:sp>
+        <p:nvSpPr>
+          <p:cNvPr id="2" name="Date Placeholder 1"/>
+          <p:cNvSpPr>
+            <a:spLocks noGrp="1"/>
+          </p:cNvSpPr>
+          <p:nvPr>
+            <p:ph type="dt" sz="half" idx="10"/>
+          </p:nvPr>
+        </p:nvSpPr>
+        <p:spPr/>
+        <p:txBody>
+          <a:bodyPr/>
+          <a:lstStyle/>
+          <a:p>
+            <a:r>
+              <a:rPr lang="en-US" smtClean="0"/>
+              <a:t>18th June, 2014</a:t>
+            </a:r>
+            <a:endParaRPr lang="en-US"/>
+          </a:p>
+        </p:txBody>
+      </p:sp>
+      <p:sp>
+        <p:nvSpPr>
+          <p:cNvPr id="3" name="Footer Placeholder 2"/>
+          <p:cNvSpPr>
+            <a:spLocks noGrp="1"/>
+          </p:cNvSpPr>
+          <p:nvPr>
+            <p:ph type="ftr" sz="quarter" idx="11"/>
+          </p:nvPr>
+        </p:nvSpPr>
+        <p:spPr/>
+        <p:txBody>
+          <a:bodyPr/>
+          <a:lstStyle/>
+          <a:p>
+            <a:r>
+              <a:rPr lang="en-US" smtClean="0"/>
+              <a:t>Image Processing Interns, IIITDM, Kancheepuram</a:t>
+            </a:r>
+            <a:endParaRPr lang="en-US"/>
+          </a:p>
+        </p:txBody>
+      </p:sp>
+      <p:sp>
+        <p:nvSpPr>
+          <p:cNvPr id="4" name="Slide Number Placeholder 3"/>
+          <p:cNvSpPr>
+            <a:spLocks noGrp="1"/>
+          </p:cNvSpPr>
+          <p:nvPr>
+            <p:ph type="sldNum" sz="quarter" idx="12"/>
+          </p:nvPr>
+        </p:nvSpPr>
+        <p:spPr/>
+        <p:txBody>
+          <a:bodyPr/>
+          <a:lstStyle/>
+          <a:p>
+            <a:fld id="{AB249746-A831-457C-AC59-C43D077DC69E}" type="slidenum">
+              <a:rPr lang="en-US" smtClean="0"/>
+              <a:pPr/>
+              <a:t>36</a:t>
+            </a:fld>
+            <a:endParaRPr lang="en-US"/>
+          </a:p>
+        </p:txBody>
+      </p:sp>
+      <p:pic>
+        <p:nvPicPr>
+          <p:cNvPr id="3074" name="Picture 2"/>
+          <p:cNvPicPr>
+            <a:picLocks noChangeAspect="1" noChangeArrowheads="1"/>
+          </p:cNvPicPr>
           <p:nvPr/>
-        </p:nvSpPr>
+        </p:nvPicPr>
+        <p:blipFill>
+          <a:blip r:embed="rId2" cstate="print"/>
+          <a:srcRect/>
+          <a:stretch>
+            <a:fillRect/>
+          </a:stretch>
+        </p:blipFill>
         <p:spPr bwMode="auto">
           <a:xfrm>
-            <a:off x="7938" y="1679575"/>
-            <a:ext cx="2401887" cy="1441450"/>
-          </a:xfrm>
-          <a:prstGeom prst="roundRect">
-            <a:avLst>
-              <a:gd name="adj" fmla="val 10000"/>
-            </a:avLst>
-          </a:prstGeom>
-          <a:solidFill>
-            <a:srgbClr val="4F81BD"/>
-          </a:solidFill>
-          <a:ln w="25560">
-            <a:solidFill>
-              <a:srgbClr val="FFFFFF"/>
-            </a:solidFill>
-            <a:round/>
-            <a:headEnd/>
-            <a:tailEnd/>
-          </a:ln>
-        </p:spPr>
-        <p:txBody>
-          <a:bodyPr lIns="76320" tIns="76320" rIns="76320" bIns="76320" anchor="ctr"/>
-          <a:lstStyle/>
-          <a:p>
-            <a:pPr algn="ctr">
-              <a:lnSpc>
-                <a:spcPct val="90000"/>
-              </a:lnSpc>
-            </a:pPr>
-            <a:r>
-              <a:rPr lang="en-US" sz="2000">
-                <a:solidFill>
-                  <a:srgbClr val="FFFFFF"/>
-                </a:solidFill>
-                <a:latin typeface="Calibri" pitchFamily="34" charset="0"/>
-              </a:rPr>
-              <a:t>Image Procurement</a:t>
-            </a:r>
-            <a:endParaRPr lang="en-US"/>
-          </a:p>
-        </p:txBody>
-      </p:sp>
-      <p:sp>
-        <p:nvSpPr>
-          <p:cNvPr id="29699" name="CustomShape 2"/>
-          <p:cNvSpPr>
-            <a:spLocks noChangeArrowheads="1"/>
-          </p:cNvSpPr>
-          <p:nvPr/>
-        </p:nvSpPr>
-        <p:spPr bwMode="auto">
-          <a:xfrm>
-            <a:off x="2649538" y="2101850"/>
-            <a:ext cx="509587" cy="595313"/>
-          </a:xfrm>
-          <a:prstGeom prst="rightArrow">
-            <a:avLst>
-              <a:gd name="adj1" fmla="val 60000"/>
-              <a:gd name="adj2" fmla="val 50000"/>
-            </a:avLst>
-          </a:prstGeom>
-          <a:solidFill>
-            <a:srgbClr val="B2C0DA"/>
-          </a:solidFill>
-          <a:ln w="9525">
-            <a:noFill/>
-            <a:miter lim="800000"/>
-            <a:headEnd/>
-            <a:tailEnd/>
-          </a:ln>
-        </p:spPr>
-        <p:txBody>
-          <a:bodyPr/>
-          <a:lstStyle/>
-          <a:p>
-            <a:endParaRPr lang="en-US"/>
-          </a:p>
-        </p:txBody>
-      </p:sp>
-      <p:sp>
-        <p:nvSpPr>
-          <p:cNvPr id="29700" name="CustomShape 3"/>
-          <p:cNvSpPr>
-            <a:spLocks noChangeArrowheads="1"/>
-          </p:cNvSpPr>
-          <p:nvPr/>
-        </p:nvSpPr>
-        <p:spPr bwMode="auto">
-          <a:xfrm>
-            <a:off x="3370263" y="1679575"/>
-            <a:ext cx="2401887" cy="1441450"/>
-          </a:xfrm>
-          <a:prstGeom prst="roundRect">
-            <a:avLst>
-              <a:gd name="adj" fmla="val 10000"/>
-            </a:avLst>
-          </a:prstGeom>
-          <a:solidFill>
-            <a:srgbClr val="4F81BD"/>
-          </a:solidFill>
-          <a:ln w="25560">
-            <a:solidFill>
-              <a:srgbClr val="FFFFFF"/>
-            </a:solidFill>
-            <a:round/>
-            <a:headEnd/>
-            <a:tailEnd/>
-          </a:ln>
-        </p:spPr>
-        <p:txBody>
-          <a:bodyPr lIns="76320" tIns="76320" rIns="76320" bIns="76320" anchor="ctr"/>
-          <a:lstStyle/>
-          <a:p>
-            <a:pPr algn="ctr">
-              <a:lnSpc>
-                <a:spcPct val="90000"/>
-              </a:lnSpc>
-            </a:pPr>
-            <a:r>
-              <a:rPr lang="en-US" sz="2000">
-                <a:solidFill>
-                  <a:srgbClr val="FFFFFF"/>
-                </a:solidFill>
-                <a:latin typeface="Calibri" pitchFamily="34" charset="0"/>
-              </a:rPr>
-              <a:t>Preprocessing (Enhancement, Dilation, Erosion, Thresholding)</a:t>
-            </a:r>
-            <a:endParaRPr lang="en-US"/>
-          </a:p>
-        </p:txBody>
-      </p:sp>
-      <p:sp>
-        <p:nvSpPr>
-          <p:cNvPr id="29701" name="CustomShape 4"/>
-          <p:cNvSpPr>
-            <a:spLocks noChangeArrowheads="1"/>
-          </p:cNvSpPr>
-          <p:nvPr/>
-        </p:nvSpPr>
-        <p:spPr bwMode="auto">
-          <a:xfrm>
-            <a:off x="6013450" y="2101850"/>
-            <a:ext cx="508000" cy="595313"/>
-          </a:xfrm>
-          <a:prstGeom prst="rightArrow">
-            <a:avLst>
-              <a:gd name="adj1" fmla="val 60000"/>
-              <a:gd name="adj2" fmla="val 50000"/>
-            </a:avLst>
-          </a:prstGeom>
-          <a:solidFill>
-            <a:srgbClr val="B2C0DA"/>
-          </a:solidFill>
-          <a:ln w="9525">
-            <a:noFill/>
-            <a:miter lim="800000"/>
-            <a:headEnd/>
-            <a:tailEnd/>
-          </a:ln>
-        </p:spPr>
-        <p:txBody>
-          <a:bodyPr/>
-          <a:lstStyle/>
-          <a:p>
-            <a:endParaRPr lang="en-US"/>
-          </a:p>
-        </p:txBody>
-      </p:sp>
-      <p:sp>
-        <p:nvSpPr>
-          <p:cNvPr id="29702" name="CustomShape 5"/>
-          <p:cNvSpPr>
-            <a:spLocks noChangeArrowheads="1"/>
-          </p:cNvSpPr>
-          <p:nvPr/>
-        </p:nvSpPr>
-        <p:spPr bwMode="auto">
-          <a:xfrm>
-            <a:off x="6734175" y="1679575"/>
-            <a:ext cx="2401888" cy="1441450"/>
-          </a:xfrm>
-          <a:prstGeom prst="roundRect">
-            <a:avLst>
-              <a:gd name="adj" fmla="val 10000"/>
-            </a:avLst>
-          </a:prstGeom>
-          <a:solidFill>
-            <a:srgbClr val="4F81BD"/>
-          </a:solidFill>
-          <a:ln w="25560">
-            <a:solidFill>
-              <a:srgbClr val="FFFFFF"/>
-            </a:solidFill>
-            <a:round/>
-            <a:headEnd/>
-            <a:tailEnd/>
-          </a:ln>
-        </p:spPr>
-        <p:txBody>
-          <a:bodyPr lIns="76320" tIns="76320" rIns="76320" bIns="76320" anchor="ctr"/>
-          <a:lstStyle/>
-          <a:p>
-            <a:pPr algn="ctr">
-              <a:lnSpc>
-                <a:spcPct val="90000"/>
-              </a:lnSpc>
-            </a:pPr>
-            <a:r>
-              <a:rPr lang="en-US" sz="2000">
-                <a:solidFill>
-                  <a:srgbClr val="FFFFFF"/>
-                </a:solidFill>
-                <a:latin typeface="Calibri" pitchFamily="34" charset="0"/>
-              </a:rPr>
-              <a:t>Detecting the region of interest (using YCbCr Color Space and Blob Detection)</a:t>
-            </a:r>
-            <a:endParaRPr lang="en-US"/>
-          </a:p>
-        </p:txBody>
-      </p:sp>
-      <p:sp>
-        <p:nvSpPr>
-          <p:cNvPr id="29703" name="CustomShape 6"/>
-          <p:cNvSpPr>
-            <a:spLocks noChangeArrowheads="1"/>
-          </p:cNvSpPr>
-          <p:nvPr/>
-        </p:nvSpPr>
-        <p:spPr bwMode="auto">
-          <a:xfrm>
-            <a:off x="6451600" y="4457700"/>
-            <a:ext cx="2538413" cy="1524000"/>
-          </a:xfrm>
-          <a:prstGeom prst="roundRect">
-            <a:avLst>
-              <a:gd name="adj" fmla="val 10000"/>
-            </a:avLst>
-          </a:prstGeom>
-          <a:solidFill>
-            <a:srgbClr val="4F81BD"/>
-          </a:solidFill>
-          <a:ln w="25560">
-            <a:solidFill>
-              <a:srgbClr val="FFFFFF"/>
-            </a:solidFill>
-            <a:round/>
-            <a:headEnd/>
-            <a:tailEnd/>
-          </a:ln>
-        </p:spPr>
-        <p:txBody>
-          <a:bodyPr lIns="83880" tIns="83880" rIns="83880" bIns="83880" anchor="ctr"/>
-          <a:lstStyle/>
-          <a:p>
-            <a:pPr algn="ctr">
-              <a:lnSpc>
-                <a:spcPct val="90000"/>
-              </a:lnSpc>
-            </a:pPr>
-            <a:r>
-              <a:rPr lang="en-US" sz="2200">
-                <a:solidFill>
-                  <a:srgbClr val="FFFFFF"/>
-                </a:solidFill>
-                <a:latin typeface="Calibri" pitchFamily="34" charset="0"/>
-              </a:rPr>
-              <a:t>Extraction of features from this blob</a:t>
-            </a:r>
-            <a:endParaRPr lang="en-US"/>
-          </a:p>
-        </p:txBody>
-      </p:sp>
-      <p:sp>
-        <p:nvSpPr>
-          <p:cNvPr id="29704" name="CustomShape 7"/>
-          <p:cNvSpPr>
-            <a:spLocks noChangeArrowheads="1"/>
-          </p:cNvSpPr>
-          <p:nvPr/>
-        </p:nvSpPr>
-        <p:spPr bwMode="auto">
-          <a:xfrm rot="10800000">
-            <a:off x="5659438" y="4905375"/>
-            <a:ext cx="538162" cy="628650"/>
-          </a:xfrm>
-          <a:prstGeom prst="rightArrow">
-            <a:avLst>
-              <a:gd name="adj1" fmla="val 60000"/>
-              <a:gd name="adj2" fmla="val 50000"/>
-            </a:avLst>
-          </a:prstGeom>
-          <a:solidFill>
-            <a:srgbClr val="B2C0DA"/>
-          </a:solidFill>
-          <a:ln w="9525">
-            <a:noFill/>
-            <a:miter lim="800000"/>
-            <a:headEnd/>
-            <a:tailEnd/>
-          </a:ln>
-        </p:spPr>
-        <p:txBody>
-          <a:bodyPr/>
-          <a:lstStyle/>
-          <a:p>
-            <a:endParaRPr lang="en-US"/>
-          </a:p>
-        </p:txBody>
-      </p:sp>
-      <p:sp>
-        <p:nvSpPr>
-          <p:cNvPr id="29705" name="CustomShape 8"/>
-          <p:cNvSpPr>
-            <a:spLocks noChangeArrowheads="1"/>
-          </p:cNvSpPr>
-          <p:nvPr/>
-        </p:nvSpPr>
-        <p:spPr bwMode="auto">
-          <a:xfrm>
-            <a:off x="2897188" y="4457700"/>
-            <a:ext cx="2538412" cy="1524000"/>
-          </a:xfrm>
-          <a:prstGeom prst="roundRect">
-            <a:avLst>
-              <a:gd name="adj" fmla="val 10000"/>
-            </a:avLst>
-          </a:prstGeom>
-          <a:solidFill>
-            <a:srgbClr val="4F81BD"/>
-          </a:solidFill>
-          <a:ln w="25560">
-            <a:solidFill>
-              <a:srgbClr val="FFFFFF"/>
-            </a:solidFill>
-            <a:round/>
-            <a:headEnd/>
-            <a:tailEnd/>
-          </a:ln>
-        </p:spPr>
-        <p:txBody>
-          <a:bodyPr lIns="83880" tIns="83880" rIns="83880" bIns="83880" anchor="ctr"/>
-          <a:lstStyle/>
-          <a:p>
-            <a:pPr algn="ctr">
-              <a:lnSpc>
-                <a:spcPct val="90000"/>
-              </a:lnSpc>
-            </a:pPr>
-            <a:r>
-              <a:rPr lang="en-US" sz="2200">
-                <a:solidFill>
-                  <a:srgbClr val="FFFFFF"/>
-                </a:solidFill>
-                <a:latin typeface="Calibri" pitchFamily="34" charset="0"/>
-              </a:rPr>
-              <a:t>Submitting these features to a neural network for classification</a:t>
-            </a:r>
-            <a:endParaRPr lang="en-US"/>
-          </a:p>
-        </p:txBody>
-      </p:sp>
-      <p:sp>
-        <p:nvSpPr>
-          <p:cNvPr id="29706" name="TextShape 9"/>
-          <p:cNvSpPr txBox="1">
-            <a:spLocks noChangeArrowheads="1"/>
-          </p:cNvSpPr>
-          <p:nvPr/>
-        </p:nvSpPr>
-        <p:spPr bwMode="auto">
-          <a:xfrm>
-            <a:off x="457200" y="274638"/>
-            <a:ext cx="8229600" cy="1143000"/>
+            <a:off x="0" y="228600"/>
+            <a:ext cx="4733994" cy="3581400"/>
           </a:xfrm>
           <a:prstGeom prst="rect">
             <a:avLst/>
@@ -17526,67 +19277,178 @@
             <a:headEnd/>
             <a:tailEnd/>
           </a:ln>
+          <a:effectLst/>
         </p:spPr>
-        <p:txBody>
-          <a:bodyPr anchor="ctr"/>
-          <a:lstStyle/>
-          <a:p>
-            <a:pPr algn="ctr"/>
-            <a:r>
-              <a:rPr lang="en-US" sz="4400">
-                <a:solidFill>
-                  <a:srgbClr val="000000"/>
-                </a:solidFill>
-                <a:latin typeface="Calibri" pitchFamily="34" charset="0"/>
-              </a:rPr>
-              <a:t>Procedure followed</a:t>
-            </a:r>
-            <a:endParaRPr lang="en-US"/>
-          </a:p>
-        </p:txBody>
-      </p:sp>
-      <p:sp>
-        <p:nvSpPr>
-          <p:cNvPr id="29707" name="CustomShape 10"/>
-          <p:cNvSpPr>
-            <a:spLocks noChangeArrowheads="1"/>
-          </p:cNvSpPr>
+      </p:pic>
+      <p:pic>
+        <p:nvPicPr>
+          <p:cNvPr id="3075" name="Picture 3"/>
+          <p:cNvPicPr>
+            <a:picLocks noChangeAspect="1" noChangeArrowheads="1"/>
+          </p:cNvPicPr>
           <p:nvPr/>
-        </p:nvSpPr>
+        </p:nvPicPr>
+        <p:blipFill>
+          <a:blip r:embed="rId3" cstate="print"/>
+          <a:srcRect/>
+          <a:stretch>
+            <a:fillRect/>
+          </a:stretch>
+        </p:blipFill>
         <p:spPr bwMode="auto">
           <a:xfrm>
-            <a:off x="7696200" y="3276600"/>
-            <a:ext cx="685800" cy="1066800"/>
+            <a:off x="6953250" y="3352800"/>
+            <a:ext cx="2190750" cy="1924050"/>
           </a:xfrm>
-          <a:prstGeom prst="downArrow">
-            <a:avLst>
-              <a:gd name="adj1" fmla="val 50000"/>
-              <a:gd name="adj2" fmla="val 49994"/>
-            </a:avLst>
+          <a:prstGeom prst="rect">
+            <a:avLst/>
           </a:prstGeom>
-          <a:solidFill>
-            <a:srgbClr val="95B3D7"/>
-          </a:solidFill>
-          <a:ln w="25560">
-            <a:solidFill>
-              <a:srgbClr val="DCE6F2"/>
-            </a:solidFill>
-            <a:round/>
+          <a:noFill/>
+          <a:ln w="9525">
+            <a:noFill/>
+            <a:miter lim="800000"/>
             <a:headEnd/>
             <a:tailEnd/>
           </a:ln>
+          <a:effectLst/>
         </p:spPr>
-        <p:txBody>
-          <a:bodyPr/>
-          <a:lstStyle/>
-          <a:p>
-            <a:endParaRPr lang="en-US"/>
-          </a:p>
-        </p:txBody>
-      </p:sp>
-      <p:sp>
-        <p:nvSpPr>
-          <p:cNvPr id="12" name="Date Placeholder 11"/>
+      </p:pic>
+      <p:sp>
+        <p:nvSpPr>
+          <p:cNvPr id="10" name="Right Arrow 9"/>
+          <p:cNvSpPr/>
+          <p:nvPr/>
+        </p:nvSpPr>
+        <p:spPr>
+          <a:xfrm rot="1438906">
+            <a:off x="5004526" y="2676571"/>
+            <a:ext cx="1676400" cy="609600"/>
+          </a:xfrm>
+          <a:prstGeom prst="rightArrow">
+            <a:avLst/>
+          </a:prstGeom>
+        </p:spPr>
+        <p:style>
+          <a:lnRef idx="2">
+            <a:schemeClr val="accent1">
+              <a:shade val="50000"/>
+            </a:schemeClr>
+          </a:lnRef>
+          <a:fillRef idx="1">
+            <a:schemeClr val="accent1"/>
+          </a:fillRef>
+          <a:effectRef idx="0">
+            <a:schemeClr val="accent1"/>
+          </a:effectRef>
+          <a:fontRef idx="minor">
+            <a:schemeClr val="lt1"/>
+          </a:fontRef>
+        </p:style>
+        <p:txBody>
+          <a:bodyPr rtlCol="0" anchor="ctr"/>
+          <a:lstStyle/>
+          <a:p>
+            <a:pPr algn="ctr"/>
+            <a:endParaRPr lang="en-US"/>
+          </a:p>
+        </p:txBody>
+      </p:sp>
+      <p:sp>
+        <p:nvSpPr>
+          <p:cNvPr id="9" name="TextBox 8"/>
+          <p:cNvSpPr txBox="1"/>
+          <p:nvPr/>
+        </p:nvSpPr>
+        <p:spPr>
+          <a:xfrm>
+            <a:off x="6934200" y="1905000"/>
+            <a:ext cx="2209800" cy="923330"/>
+          </a:xfrm>
+          <a:prstGeom prst="rect">
+            <a:avLst/>
+          </a:prstGeom>
+          <a:noFill/>
+        </p:spPr>
+        <p:txBody>
+          <a:bodyPr wrap="square" rtlCol="0">
+            <a:spAutoFit/>
+          </a:bodyPr>
+          <a:lstStyle/>
+          <a:p>
+            <a:r>
+              <a:rPr lang="en-US" dirty="0" smtClean="0"/>
+              <a:t>Detected using the </a:t>
+            </a:r>
+            <a:r>
+              <a:rPr lang="en-US" b="1" dirty="0" smtClean="0"/>
+              <a:t>blue</a:t>
+            </a:r>
+            <a:r>
+              <a:rPr lang="en-US" dirty="0" smtClean="0"/>
+              <a:t> component of the original image.</a:t>
+            </a:r>
+            <a:endParaRPr lang="en-US" dirty="0"/>
+          </a:p>
+        </p:txBody>
+      </p:sp>
+    </p:spTree>
+  </p:cSld>
+  <p:clrMapOvr>
+    <a:masterClrMapping/>
+  </p:clrMapOvr>
+  <p:timing>
+    <p:tnLst>
+      <p:par>
+        <p:cTn id="1" dur="indefinite" restart="never" nodeType="tmRoot"/>
+      </p:par>
+    </p:tnLst>
+  </p:timing>
+</p:sld>
+</file>
+
+<file path=ppt/slides/slide37.xml><?xml version="1.0" encoding="utf-8"?>
+<p:sld xmlns:a="http://schemas.openxmlformats.org/drawingml/2006/main" xmlns:r="http://schemas.openxmlformats.org/officeDocument/2006/relationships" xmlns:p="http://schemas.openxmlformats.org/presentationml/2006/main">
+  <p:cSld>
+    <p:spTree>
+      <p:nvGrpSpPr>
+        <p:cNvPr id="1" name=""/>
+        <p:cNvGrpSpPr/>
+        <p:nvPr/>
+      </p:nvGrpSpPr>
+      <p:grpSpPr>
+        <a:xfrm>
+          <a:off x="0" y="0"/>
+          <a:ext cx="0" cy="0"/>
+          <a:chOff x="0" y="0"/>
+          <a:chExt cx="0" cy="0"/>
+        </a:xfrm>
+      </p:grpSpPr>
+      <p:sp>
+        <p:nvSpPr>
+          <p:cNvPr id="13" name="Title 12"/>
+          <p:cNvSpPr>
+            <a:spLocks noGrp="1"/>
+          </p:cNvSpPr>
+          <p:nvPr>
+            <p:ph type="title"/>
+          </p:nvPr>
+        </p:nvSpPr>
+        <p:spPr/>
+        <p:txBody>
+          <a:bodyPr/>
+          <a:lstStyle/>
+          <a:p>
+            <a:r>
+              <a:rPr lang="en-US" dirty="0" smtClean="0"/>
+              <a:t>Whereas…</a:t>
+            </a:r>
+            <a:endParaRPr lang="en-US" dirty="0"/>
+          </a:p>
+        </p:txBody>
+      </p:sp>
+      <p:sp>
+        <p:nvSpPr>
+          <p:cNvPr id="3" name="Date Placeholder 2"/>
           <p:cNvSpPr>
             <a:spLocks noGrp="1"/>
           </p:cNvSpPr>
@@ -17609,7 +19471,30 @@
       </p:sp>
       <p:sp>
         <p:nvSpPr>
-          <p:cNvPr id="13" name="Slide Number Placeholder 12"/>
+          <p:cNvPr id="4" name="Footer Placeholder 3"/>
+          <p:cNvSpPr>
+            <a:spLocks noGrp="1"/>
+          </p:cNvSpPr>
+          <p:nvPr>
+            <p:ph type="ftr" sz="quarter" idx="11"/>
+          </p:nvPr>
+        </p:nvSpPr>
+        <p:spPr/>
+        <p:txBody>
+          <a:bodyPr/>
+          <a:lstStyle/>
+          <a:p>
+            <a:r>
+              <a:rPr lang="en-US" smtClean="0"/>
+              <a:t>Image Processing Interns, IIITDM, Kancheepuram</a:t>
+            </a:r>
+            <a:endParaRPr lang="en-US"/>
+          </a:p>
+        </p:txBody>
+      </p:sp>
+      <p:sp>
+        <p:nvSpPr>
+          <p:cNvPr id="5" name="Slide Number Placeholder 4"/>
           <p:cNvSpPr>
             <a:spLocks noGrp="1"/>
           </p:cNvSpPr>
@@ -17625,15 +19510,314 @@
             <a:fld id="{AB249746-A831-457C-AC59-C43D077DC69E}" type="slidenum">
               <a:rPr lang="en-US" smtClean="0"/>
               <a:pPr/>
-              <a:t>3</a:t>
+              <a:t>37</a:t>
             </a:fld>
             <a:endParaRPr lang="en-US"/>
           </a:p>
         </p:txBody>
       </p:sp>
-      <p:sp>
-        <p:nvSpPr>
-          <p:cNvPr id="14" name="Footer Placeholder 13"/>
+      <p:pic>
+        <p:nvPicPr>
+          <p:cNvPr id="4098" name="Picture 2"/>
+          <p:cNvPicPr>
+            <a:picLocks noChangeAspect="1" noChangeArrowheads="1"/>
+          </p:cNvPicPr>
+          <p:nvPr/>
+        </p:nvPicPr>
+        <p:blipFill>
+          <a:blip r:embed="rId2" cstate="print"/>
+          <a:srcRect b="19705"/>
+          <a:stretch>
+            <a:fillRect/>
+          </a:stretch>
+        </p:blipFill>
+        <p:spPr bwMode="auto">
+          <a:xfrm>
+            <a:off x="6858000" y="5105400"/>
+            <a:ext cx="2286000" cy="1552575"/>
+          </a:xfrm>
+          <a:prstGeom prst="rect">
+            <a:avLst/>
+          </a:prstGeom>
+          <a:noFill/>
+          <a:ln w="9525">
+            <a:noFill/>
+            <a:miter lim="800000"/>
+            <a:headEnd/>
+            <a:tailEnd/>
+          </a:ln>
+          <a:effectLst/>
+        </p:spPr>
+      </p:pic>
+      <p:pic>
+        <p:nvPicPr>
+          <p:cNvPr id="4099" name="Picture 3"/>
+          <p:cNvPicPr>
+            <a:picLocks noChangeAspect="1" noChangeArrowheads="1"/>
+          </p:cNvPicPr>
+          <p:nvPr/>
+        </p:nvPicPr>
+        <p:blipFill>
+          <a:blip r:embed="rId3" cstate="print"/>
+          <a:srcRect/>
+          <a:stretch>
+            <a:fillRect/>
+          </a:stretch>
+        </p:blipFill>
+        <p:spPr bwMode="auto">
+          <a:xfrm>
+            <a:off x="0" y="1447800"/>
+            <a:ext cx="5372100" cy="3724275"/>
+          </a:xfrm>
+          <a:prstGeom prst="rect">
+            <a:avLst/>
+          </a:prstGeom>
+          <a:noFill/>
+          <a:ln w="9525">
+            <a:noFill/>
+            <a:miter lim="800000"/>
+            <a:headEnd/>
+            <a:tailEnd/>
+          </a:ln>
+          <a:effectLst/>
+        </p:spPr>
+      </p:pic>
+      <p:sp>
+        <p:nvSpPr>
+          <p:cNvPr id="8" name="Right Arrow 7"/>
+          <p:cNvSpPr/>
+          <p:nvPr/>
+        </p:nvSpPr>
+        <p:spPr>
+          <a:xfrm rot="2057591">
+            <a:off x="5407536" y="4595441"/>
+            <a:ext cx="1376748" cy="685800"/>
+          </a:xfrm>
+          <a:prstGeom prst="rightArrow">
+            <a:avLst/>
+          </a:prstGeom>
+        </p:spPr>
+        <p:style>
+          <a:lnRef idx="2">
+            <a:schemeClr val="accent1">
+              <a:shade val="50000"/>
+            </a:schemeClr>
+          </a:lnRef>
+          <a:fillRef idx="1">
+            <a:schemeClr val="accent1"/>
+          </a:fillRef>
+          <a:effectRef idx="0">
+            <a:schemeClr val="accent1"/>
+          </a:effectRef>
+          <a:fontRef idx="minor">
+            <a:schemeClr val="lt1"/>
+          </a:fontRef>
+        </p:style>
+        <p:txBody>
+          <a:bodyPr rtlCol="0" anchor="ctr"/>
+          <a:lstStyle/>
+          <a:p>
+            <a:pPr algn="ctr"/>
+            <a:endParaRPr lang="en-US"/>
+          </a:p>
+        </p:txBody>
+      </p:sp>
+      <p:sp>
+        <p:nvSpPr>
+          <p:cNvPr id="14" name="TextBox 13"/>
+          <p:cNvSpPr txBox="1"/>
+          <p:nvPr/>
+        </p:nvSpPr>
+        <p:spPr>
+          <a:xfrm>
+            <a:off x="6629400" y="3657600"/>
+            <a:ext cx="2209800" cy="923330"/>
+          </a:xfrm>
+          <a:prstGeom prst="rect">
+            <a:avLst/>
+          </a:prstGeom>
+          <a:noFill/>
+        </p:spPr>
+        <p:txBody>
+          <a:bodyPr wrap="square" rtlCol="0">
+            <a:spAutoFit/>
+          </a:bodyPr>
+          <a:lstStyle/>
+          <a:p>
+            <a:r>
+              <a:rPr lang="en-US" dirty="0" smtClean="0"/>
+              <a:t>Detected using the </a:t>
+            </a:r>
+            <a:r>
+              <a:rPr lang="en-US" b="1" dirty="0" smtClean="0"/>
+              <a:t>red</a:t>
+            </a:r>
+            <a:r>
+              <a:rPr lang="en-US" dirty="0" smtClean="0"/>
+              <a:t> component of the original image.</a:t>
+            </a:r>
+            <a:endParaRPr lang="en-US" dirty="0"/>
+          </a:p>
+        </p:txBody>
+      </p:sp>
+    </p:spTree>
+  </p:cSld>
+  <p:clrMapOvr>
+    <a:masterClrMapping/>
+  </p:clrMapOvr>
+  <p:timing>
+    <p:tnLst>
+      <p:par>
+        <p:cTn id="1" dur="indefinite" restart="never" nodeType="tmRoot"/>
+      </p:par>
+    </p:tnLst>
+  </p:timing>
+</p:sld>
+</file>
+
+<file path=ppt/slides/slide38.xml><?xml version="1.0" encoding="utf-8"?>
+<p:sld xmlns:a="http://schemas.openxmlformats.org/drawingml/2006/main" xmlns:r="http://schemas.openxmlformats.org/officeDocument/2006/relationships" xmlns:p="http://schemas.openxmlformats.org/presentationml/2006/main">
+  <p:cSld>
+    <p:spTree>
+      <p:nvGrpSpPr>
+        <p:cNvPr id="1" name=""/>
+        <p:cNvGrpSpPr/>
+        <p:nvPr/>
+      </p:nvGrpSpPr>
+      <p:grpSpPr>
+        <a:xfrm>
+          <a:off x="0" y="0"/>
+          <a:ext cx="0" cy="0"/>
+          <a:chOff x="0" y="0"/>
+          <a:chExt cx="0" cy="0"/>
+        </a:xfrm>
+      </p:grpSpPr>
+      <p:sp>
+        <p:nvSpPr>
+          <p:cNvPr id="6" name="Title 5"/>
+          <p:cNvSpPr>
+            <a:spLocks noGrp="1"/>
+          </p:cNvSpPr>
+          <p:nvPr>
+            <p:ph type="title"/>
+          </p:nvPr>
+        </p:nvSpPr>
+        <p:spPr/>
+        <p:txBody>
+          <a:bodyPr>
+            <a:normAutofit fontScale="90000"/>
+          </a:bodyPr>
+          <a:lstStyle/>
+          <a:p>
+            <a:r>
+              <a:rPr lang="en-US" dirty="0" smtClean="0"/>
+              <a:t>4. Output Vector of Neural Network</a:t>
+            </a:r>
+            <a:endParaRPr lang="en-US" dirty="0"/>
+          </a:p>
+        </p:txBody>
+      </p:sp>
+      <p:sp>
+        <p:nvSpPr>
+          <p:cNvPr id="7" name="Content Placeholder 6"/>
+          <p:cNvSpPr>
+            <a:spLocks noGrp="1"/>
+          </p:cNvSpPr>
+          <p:nvPr>
+            <p:ph idx="1"/>
+          </p:nvPr>
+        </p:nvSpPr>
+        <p:spPr/>
+        <p:txBody>
+          <a:bodyPr>
+            <a:normAutofit lnSpcReduction="10000"/>
+          </a:bodyPr>
+          <a:lstStyle/>
+          <a:p>
+            <a:r>
+              <a:rPr lang="en-US" dirty="0" smtClean="0"/>
+              <a:t>Values in the output vector are doubles from 0 to 1.</a:t>
+            </a:r>
+          </a:p>
+          <a:p>
+            <a:r>
+              <a:rPr lang="en-US" dirty="0" smtClean="0"/>
+              <a:t>The closer the value is to 1, the higher is the match obtained by the neural network.</a:t>
+            </a:r>
+          </a:p>
+          <a:p>
+            <a:r>
+              <a:rPr lang="en-US" dirty="0" smtClean="0"/>
+              <a:t>Sometimes, these values are as low as 0.043 for a correct match.</a:t>
+            </a:r>
+          </a:p>
+          <a:p>
+            <a:r>
+              <a:rPr lang="en-US" dirty="0" smtClean="0"/>
+              <a:t>Due to this, we are </a:t>
+            </a:r>
+            <a:r>
+              <a:rPr lang="en-US" b="1" dirty="0" smtClean="0"/>
+              <a:t>unable</a:t>
+            </a:r>
+            <a:r>
+              <a:rPr lang="en-US" dirty="0" smtClean="0"/>
+              <a:t> to give a hard </a:t>
+            </a:r>
+            <a:r>
+              <a:rPr lang="en-US" b="1" dirty="0" smtClean="0"/>
+              <a:t>threshold</a:t>
+            </a:r>
+            <a:r>
+              <a:rPr lang="en-US" dirty="0" smtClean="0"/>
+              <a:t> </a:t>
+            </a:r>
+            <a:r>
+              <a:rPr lang="en-US" b="1" dirty="0" smtClean="0"/>
+              <a:t>below</a:t>
+            </a:r>
+            <a:r>
+              <a:rPr lang="en-US" dirty="0" smtClean="0"/>
+              <a:t> which we may classify all values as a “</a:t>
+            </a:r>
+            <a:r>
+              <a:rPr lang="en-US" b="1" dirty="0" smtClean="0"/>
+              <a:t>wrong</a:t>
+            </a:r>
+            <a:r>
+              <a:rPr lang="en-US" dirty="0" smtClean="0"/>
+              <a:t>” match.</a:t>
+            </a:r>
+            <a:endParaRPr lang="en-US" dirty="0"/>
+          </a:p>
+        </p:txBody>
+      </p:sp>
+      <p:sp>
+        <p:nvSpPr>
+          <p:cNvPr id="3" name="Date Placeholder 2"/>
+          <p:cNvSpPr>
+            <a:spLocks noGrp="1"/>
+          </p:cNvSpPr>
+          <p:nvPr>
+            <p:ph type="dt" sz="half" idx="10"/>
+          </p:nvPr>
+        </p:nvSpPr>
+        <p:spPr/>
+        <p:txBody>
+          <a:bodyPr/>
+          <a:lstStyle/>
+          <a:p>
+            <a:r>
+              <a:rPr lang="en-US" smtClean="0"/>
+              <a:t>18th June, 2014</a:t>
+            </a:r>
+            <a:endParaRPr lang="en-US"/>
+          </a:p>
+        </p:txBody>
+      </p:sp>
+      <p:sp>
+        <p:nvSpPr>
+          <p:cNvPr id="4" name="Footer Placeholder 3"/>
           <p:cNvSpPr>
             <a:spLocks noGrp="1"/>
           </p:cNvSpPr>
@@ -17651,6 +19835,232 @@
               <a:t>Image Processing Interns, IIITDM, Kancheepuram</a:t>
             </a:r>
             <a:endParaRPr lang="en-US"/>
+          </a:p>
+        </p:txBody>
+      </p:sp>
+      <p:sp>
+        <p:nvSpPr>
+          <p:cNvPr id="5" name="Slide Number Placeholder 4"/>
+          <p:cNvSpPr>
+            <a:spLocks noGrp="1"/>
+          </p:cNvSpPr>
+          <p:nvPr>
+            <p:ph type="sldNum" sz="quarter" idx="12"/>
+          </p:nvPr>
+        </p:nvSpPr>
+        <p:spPr/>
+        <p:txBody>
+          <a:bodyPr/>
+          <a:lstStyle/>
+          <a:p>
+            <a:fld id="{AB249746-A831-457C-AC59-C43D077DC69E}" type="slidenum">
+              <a:rPr lang="en-US" smtClean="0"/>
+              <a:pPr/>
+              <a:t>38</a:t>
+            </a:fld>
+            <a:endParaRPr lang="en-US"/>
+          </a:p>
+        </p:txBody>
+      </p:sp>
+    </p:spTree>
+  </p:cSld>
+  <p:clrMapOvr>
+    <a:masterClrMapping/>
+  </p:clrMapOvr>
+</p:sld>
+</file>
+
+<file path=ppt/slides/slide39.xml><?xml version="1.0" encoding="utf-8"?>
+<p:sld xmlns:a="http://schemas.openxmlformats.org/drawingml/2006/main" xmlns:r="http://schemas.openxmlformats.org/officeDocument/2006/relationships" xmlns:p="http://schemas.openxmlformats.org/presentationml/2006/main">
+  <p:cSld>
+    <p:spTree>
+      <p:nvGrpSpPr>
+        <p:cNvPr id="1" name=""/>
+        <p:cNvGrpSpPr/>
+        <p:nvPr/>
+      </p:nvGrpSpPr>
+      <p:grpSpPr>
+        <a:xfrm>
+          <a:off x="0" y="0"/>
+          <a:ext cx="0" cy="0"/>
+          <a:chOff x="0" y="0"/>
+          <a:chExt cx="0" cy="0"/>
+        </a:xfrm>
+      </p:grpSpPr>
+      <p:sp>
+        <p:nvSpPr>
+          <p:cNvPr id="7" name="Title 6"/>
+          <p:cNvSpPr>
+            <a:spLocks noGrp="1"/>
+          </p:cNvSpPr>
+          <p:nvPr>
+            <p:ph type="title"/>
+          </p:nvPr>
+        </p:nvSpPr>
+        <p:spPr>
+          <a:xfrm>
+            <a:off x="457200" y="274638"/>
+            <a:ext cx="8229600" cy="868362"/>
+          </a:xfrm>
+        </p:spPr>
+        <p:txBody>
+          <a:bodyPr>
+            <a:normAutofit fontScale="90000"/>
+          </a:bodyPr>
+          <a:lstStyle/>
+          <a:p>
+            <a:r>
+              <a:rPr lang="en-US" dirty="0" smtClean="0"/>
+              <a:t>5. Inconsistency with real world images</a:t>
+            </a:r>
+            <a:endParaRPr lang="en-US" dirty="0"/>
+          </a:p>
+        </p:txBody>
+      </p:sp>
+      <p:sp>
+        <p:nvSpPr>
+          <p:cNvPr id="4" name="Date Placeholder 3"/>
+          <p:cNvSpPr>
+            <a:spLocks noGrp="1"/>
+          </p:cNvSpPr>
+          <p:nvPr>
+            <p:ph type="dt" sz="half" idx="10"/>
+          </p:nvPr>
+        </p:nvSpPr>
+        <p:spPr/>
+        <p:txBody>
+          <a:bodyPr/>
+          <a:lstStyle/>
+          <a:p>
+            <a:r>
+              <a:rPr lang="en-US" smtClean="0"/>
+              <a:t>18th June, 2014</a:t>
+            </a:r>
+            <a:endParaRPr lang="en-US" dirty="0"/>
+          </a:p>
+        </p:txBody>
+      </p:sp>
+      <p:sp>
+        <p:nvSpPr>
+          <p:cNvPr id="5" name="Footer Placeholder 4"/>
+          <p:cNvSpPr>
+            <a:spLocks noGrp="1"/>
+          </p:cNvSpPr>
+          <p:nvPr>
+            <p:ph type="ftr" sz="quarter" idx="11"/>
+          </p:nvPr>
+        </p:nvSpPr>
+        <p:spPr/>
+        <p:txBody>
+          <a:bodyPr/>
+          <a:lstStyle/>
+          <a:p>
+            <a:r>
+              <a:rPr lang="en-US" smtClean="0"/>
+              <a:t>Image Processing Interns, IIITDM, Kancheepuram</a:t>
+            </a:r>
+            <a:endParaRPr lang="en-US" dirty="0"/>
+          </a:p>
+        </p:txBody>
+      </p:sp>
+      <p:sp>
+        <p:nvSpPr>
+          <p:cNvPr id="6" name="Slide Number Placeholder 5"/>
+          <p:cNvSpPr>
+            <a:spLocks noGrp="1"/>
+          </p:cNvSpPr>
+          <p:nvPr>
+            <p:ph type="sldNum" sz="quarter" idx="12"/>
+          </p:nvPr>
+        </p:nvSpPr>
+        <p:spPr/>
+        <p:txBody>
+          <a:bodyPr/>
+          <a:lstStyle/>
+          <a:p>
+            <a:fld id="{AB249746-A831-457C-AC59-C43D077DC69E}" type="slidenum">
+              <a:rPr lang="en-US" smtClean="0"/>
+              <a:pPr/>
+              <a:t>39</a:t>
+            </a:fld>
+            <a:endParaRPr lang="en-US"/>
+          </a:p>
+        </p:txBody>
+      </p:sp>
+      <p:pic>
+        <p:nvPicPr>
+          <p:cNvPr id="5122" name="Picture 2"/>
+          <p:cNvPicPr>
+            <a:picLocks noChangeAspect="1" noChangeArrowheads="1"/>
+          </p:cNvPicPr>
+          <p:nvPr/>
+        </p:nvPicPr>
+        <p:blipFill>
+          <a:blip r:embed="rId2" cstate="print"/>
+          <a:srcRect/>
+          <a:stretch>
+            <a:fillRect/>
+          </a:stretch>
+        </p:blipFill>
+        <p:spPr bwMode="auto">
+          <a:xfrm>
+            <a:off x="0" y="1371601"/>
+            <a:ext cx="5181600" cy="3895262"/>
+          </a:xfrm>
+          <a:prstGeom prst="rect">
+            <a:avLst/>
+          </a:prstGeom>
+          <a:noFill/>
+          <a:ln w="9525">
+            <a:noFill/>
+            <a:miter lim="800000"/>
+            <a:headEnd/>
+            <a:tailEnd/>
+          </a:ln>
+          <a:effectLst/>
+        </p:spPr>
+      </p:pic>
+      <p:sp>
+        <p:nvSpPr>
+          <p:cNvPr id="10" name="Oval 9"/>
+          <p:cNvSpPr/>
+          <p:nvPr/>
+        </p:nvSpPr>
+        <p:spPr>
+          <a:xfrm>
+            <a:off x="6096000" y="1981200"/>
+            <a:ext cx="2819400" cy="2743200"/>
+          </a:xfrm>
+          <a:prstGeom prst="ellipse">
+            <a:avLst/>
+          </a:prstGeom>
+        </p:spPr>
+        <p:style>
+          <a:lnRef idx="2">
+            <a:schemeClr val="accent1">
+              <a:shade val="50000"/>
+            </a:schemeClr>
+          </a:lnRef>
+          <a:fillRef idx="1">
+            <a:schemeClr val="accent1"/>
+          </a:fillRef>
+          <a:effectRef idx="0">
+            <a:schemeClr val="accent1"/>
+          </a:effectRef>
+          <a:fontRef idx="minor">
+            <a:schemeClr val="lt1"/>
+          </a:fontRef>
+        </p:style>
+        <p:txBody>
+          <a:bodyPr rtlCol="0" anchor="ctr"/>
+          <a:lstStyle/>
+          <a:p>
+            <a:pPr algn="ctr"/>
+            <a:r>
+              <a:rPr lang="en-US" dirty="0" smtClean="0"/>
+              <a:t>In this image, as the border of the traffic sign is pretty close to the orange truck, the sign is not detected at all, at the region of interest step.</a:t>
+            </a:r>
+            <a:endParaRPr lang="en-US" dirty="0"/>
           </a:p>
         </p:txBody>
       </p:sp>
@@ -17962,6 +20372,346 @@
 </p:sld>
 </file>
 
+<file path=ppt/slides/slide40.xml><?xml version="1.0" encoding="utf-8"?>
+<p:sld xmlns:a="http://schemas.openxmlformats.org/drawingml/2006/main" xmlns:r="http://schemas.openxmlformats.org/officeDocument/2006/relationships" xmlns:p="http://schemas.openxmlformats.org/presentationml/2006/main">
+  <p:cSld>
+    <p:spTree>
+      <p:nvGrpSpPr>
+        <p:cNvPr id="1" name=""/>
+        <p:cNvGrpSpPr/>
+        <p:nvPr/>
+      </p:nvGrpSpPr>
+      <p:grpSpPr>
+        <a:xfrm>
+          <a:off x="0" y="0"/>
+          <a:ext cx="0" cy="0"/>
+          <a:chOff x="0" y="0"/>
+          <a:chExt cx="0" cy="0"/>
+        </a:xfrm>
+      </p:grpSpPr>
+      <p:sp>
+        <p:nvSpPr>
+          <p:cNvPr id="4" name="Date Placeholder 3"/>
+          <p:cNvSpPr>
+            <a:spLocks noGrp="1"/>
+          </p:cNvSpPr>
+          <p:nvPr>
+            <p:ph type="dt" sz="half" idx="10"/>
+          </p:nvPr>
+        </p:nvSpPr>
+        <p:spPr/>
+        <p:txBody>
+          <a:bodyPr/>
+          <a:lstStyle/>
+          <a:p>
+            <a:r>
+              <a:rPr lang="en-US" smtClean="0"/>
+              <a:t>18th June, 2014</a:t>
+            </a:r>
+            <a:endParaRPr lang="en-US" dirty="0"/>
+          </a:p>
+        </p:txBody>
+      </p:sp>
+      <p:sp>
+        <p:nvSpPr>
+          <p:cNvPr id="5" name="Footer Placeholder 4"/>
+          <p:cNvSpPr>
+            <a:spLocks noGrp="1"/>
+          </p:cNvSpPr>
+          <p:nvPr>
+            <p:ph type="ftr" sz="quarter" idx="11"/>
+          </p:nvPr>
+        </p:nvSpPr>
+        <p:spPr/>
+        <p:txBody>
+          <a:bodyPr/>
+          <a:lstStyle/>
+          <a:p>
+            <a:r>
+              <a:rPr lang="en-US" smtClean="0"/>
+              <a:t>Image Processing Interns, IIITDM, Kancheepuram</a:t>
+            </a:r>
+            <a:endParaRPr lang="en-US" dirty="0"/>
+          </a:p>
+        </p:txBody>
+      </p:sp>
+      <p:sp>
+        <p:nvSpPr>
+          <p:cNvPr id="6" name="Slide Number Placeholder 5"/>
+          <p:cNvSpPr>
+            <a:spLocks noGrp="1"/>
+          </p:cNvSpPr>
+          <p:nvPr>
+            <p:ph type="sldNum" sz="quarter" idx="12"/>
+          </p:nvPr>
+        </p:nvSpPr>
+        <p:spPr/>
+        <p:txBody>
+          <a:bodyPr/>
+          <a:lstStyle/>
+          <a:p>
+            <a:fld id="{AB249746-A831-457C-AC59-C43D077DC69E}" type="slidenum">
+              <a:rPr lang="en-US" smtClean="0"/>
+              <a:pPr/>
+              <a:t>40</a:t>
+            </a:fld>
+            <a:endParaRPr lang="en-US"/>
+          </a:p>
+        </p:txBody>
+      </p:sp>
+      <p:sp>
+        <p:nvSpPr>
+          <p:cNvPr id="8" name="Title 7"/>
+          <p:cNvSpPr>
+            <a:spLocks noGrp="1"/>
+          </p:cNvSpPr>
+          <p:nvPr>
+            <p:ph type="title"/>
+          </p:nvPr>
+        </p:nvSpPr>
+        <p:spPr>
+          <a:xfrm>
+            <a:off x="0" y="228600"/>
+            <a:ext cx="9144000" cy="563562"/>
+          </a:xfrm>
+        </p:spPr>
+        <p:txBody>
+          <a:bodyPr>
+            <a:normAutofit fontScale="90000"/>
+          </a:bodyPr>
+          <a:lstStyle/>
+          <a:p>
+            <a:r>
+              <a:rPr lang="en-US" dirty="0" smtClean="0"/>
+              <a:t>Problems with </a:t>
+            </a:r>
+            <a:r>
+              <a:rPr lang="en-US" dirty="0" err="1" smtClean="0"/>
+              <a:t>thresholding</a:t>
+            </a:r>
+            <a:endParaRPr lang="en-US" dirty="0"/>
+          </a:p>
+        </p:txBody>
+      </p:sp>
+      <p:pic>
+        <p:nvPicPr>
+          <p:cNvPr id="6146" name="Picture 2"/>
+          <p:cNvPicPr>
+            <a:picLocks noChangeAspect="1" noChangeArrowheads="1"/>
+          </p:cNvPicPr>
+          <p:nvPr/>
+        </p:nvPicPr>
+        <p:blipFill>
+          <a:blip r:embed="rId2" cstate="print"/>
+          <a:srcRect/>
+          <a:stretch>
+            <a:fillRect/>
+          </a:stretch>
+        </p:blipFill>
+        <p:spPr bwMode="auto">
+          <a:xfrm>
+            <a:off x="228600" y="1066800"/>
+            <a:ext cx="3276600" cy="2470420"/>
+          </a:xfrm>
+          <a:prstGeom prst="rect">
+            <a:avLst/>
+          </a:prstGeom>
+          <a:noFill/>
+          <a:ln w="9525">
+            <a:noFill/>
+            <a:miter lim="800000"/>
+            <a:headEnd/>
+            <a:tailEnd/>
+          </a:ln>
+          <a:effectLst/>
+        </p:spPr>
+      </p:pic>
+      <p:sp>
+        <p:nvSpPr>
+          <p:cNvPr id="10" name="TextBox 9"/>
+          <p:cNvSpPr txBox="1"/>
+          <p:nvPr/>
+        </p:nvSpPr>
+        <p:spPr>
+          <a:xfrm>
+            <a:off x="6248400" y="1295400"/>
+            <a:ext cx="2667000" cy="1477328"/>
+          </a:xfrm>
+          <a:prstGeom prst="rect">
+            <a:avLst/>
+          </a:prstGeom>
+          <a:noFill/>
+        </p:spPr>
+        <p:txBody>
+          <a:bodyPr wrap="square" rtlCol="0">
+            <a:spAutoFit/>
+          </a:bodyPr>
+          <a:lstStyle/>
+          <a:p>
+            <a:r>
+              <a:rPr lang="en-US" dirty="0" smtClean="0"/>
+              <a:t>Although the circle is </a:t>
+            </a:r>
+          </a:p>
+          <a:p>
+            <a:r>
+              <a:rPr lang="en-US" dirty="0" smtClean="0"/>
+              <a:t>visible to us, </a:t>
+            </a:r>
+          </a:p>
+          <a:p>
+            <a:r>
+              <a:rPr lang="en-US" dirty="0" smtClean="0"/>
+              <a:t>the threshold is too </a:t>
+            </a:r>
+          </a:p>
+          <a:p>
+            <a:r>
+              <a:rPr lang="en-US" dirty="0" smtClean="0"/>
+              <a:t>low too partition the image properly.</a:t>
+            </a:r>
+            <a:endParaRPr lang="en-US" dirty="0"/>
+          </a:p>
+        </p:txBody>
+      </p:sp>
+      <p:sp>
+        <p:nvSpPr>
+          <p:cNvPr id="12" name="Right Arrow 11"/>
+          <p:cNvSpPr/>
+          <p:nvPr/>
+        </p:nvSpPr>
+        <p:spPr>
+          <a:xfrm rot="1747633">
+            <a:off x="3581400" y="3657600"/>
+            <a:ext cx="1828800" cy="685800"/>
+          </a:xfrm>
+          <a:prstGeom prst="rightArrow">
+            <a:avLst/>
+          </a:prstGeom>
+        </p:spPr>
+        <p:style>
+          <a:lnRef idx="2">
+            <a:schemeClr val="accent1">
+              <a:shade val="50000"/>
+            </a:schemeClr>
+          </a:lnRef>
+          <a:fillRef idx="1">
+            <a:schemeClr val="accent1"/>
+          </a:fillRef>
+          <a:effectRef idx="0">
+            <a:schemeClr val="accent1"/>
+          </a:effectRef>
+          <a:fontRef idx="minor">
+            <a:schemeClr val="lt1"/>
+          </a:fontRef>
+        </p:style>
+        <p:txBody>
+          <a:bodyPr rtlCol="0" anchor="ctr"/>
+          <a:lstStyle/>
+          <a:p>
+            <a:pPr algn="ctr"/>
+            <a:endParaRPr lang="en-US"/>
+          </a:p>
+        </p:txBody>
+      </p:sp>
+      <p:sp>
+        <p:nvSpPr>
+          <p:cNvPr id="13" name="TextBox 12"/>
+          <p:cNvSpPr txBox="1"/>
+          <p:nvPr/>
+        </p:nvSpPr>
+        <p:spPr>
+          <a:xfrm>
+            <a:off x="609600" y="4724400"/>
+            <a:ext cx="3733800" cy="1200329"/>
+          </a:xfrm>
+          <a:prstGeom prst="rect">
+            <a:avLst/>
+          </a:prstGeom>
+          <a:noFill/>
+        </p:spPr>
+        <p:txBody>
+          <a:bodyPr wrap="square" rtlCol="0">
+            <a:spAutoFit/>
+          </a:bodyPr>
+          <a:lstStyle/>
+          <a:p>
+            <a:r>
+              <a:rPr lang="en-US" dirty="0" smtClean="0"/>
+              <a:t>After </a:t>
+            </a:r>
+            <a:r>
+              <a:rPr lang="en-US" dirty="0" err="1" smtClean="0"/>
+              <a:t>thresholding</a:t>
+            </a:r>
+            <a:r>
+              <a:rPr lang="en-US" dirty="0" smtClean="0"/>
+              <a:t> and conversion to binary image, using Otsu </a:t>
+            </a:r>
+            <a:r>
+              <a:rPr lang="en-US" dirty="0" err="1" smtClean="0"/>
+              <a:t>thresholding</a:t>
+            </a:r>
+            <a:r>
+              <a:rPr lang="en-US" dirty="0" smtClean="0"/>
+              <a:t>, the circle is completely lost, Due to the white part next </a:t>
+            </a:r>
+            <a:r>
+              <a:rPr lang="en-US" smtClean="0"/>
+              <a:t>to it.</a:t>
+            </a:r>
+            <a:endParaRPr lang="en-US" dirty="0"/>
+          </a:p>
+        </p:txBody>
+      </p:sp>
+      <p:pic>
+        <p:nvPicPr>
+          <p:cNvPr id="6148" name="Picture 4"/>
+          <p:cNvPicPr>
+            <a:picLocks noChangeAspect="1" noChangeArrowheads="1"/>
+          </p:cNvPicPr>
+          <p:nvPr/>
+        </p:nvPicPr>
+        <p:blipFill>
+          <a:blip r:embed="rId3" cstate="print"/>
+          <a:srcRect/>
+          <a:stretch>
+            <a:fillRect/>
+          </a:stretch>
+        </p:blipFill>
+        <p:spPr bwMode="auto">
+          <a:xfrm>
+            <a:off x="5410200" y="3930779"/>
+            <a:ext cx="3557588" cy="2698440"/>
+          </a:xfrm>
+          <a:prstGeom prst="rect">
+            <a:avLst/>
+          </a:prstGeom>
+          <a:noFill/>
+          <a:ln w="9525">
+            <a:noFill/>
+            <a:miter lim="800000"/>
+            <a:headEnd/>
+            <a:tailEnd/>
+          </a:ln>
+          <a:effectLst/>
+        </p:spPr>
+      </p:pic>
+    </p:spTree>
+  </p:cSld>
+  <p:clrMapOvr>
+    <a:masterClrMapping/>
+  </p:clrMapOvr>
+  <p:timing>
+    <p:tnLst>
+      <p:par>
+        <p:cTn id="1" dur="indefinite" restart="never" nodeType="tmRoot"/>
+      </p:par>
+    </p:tnLst>
+  </p:timing>
+</p:sld>
+</file>
+
 <file path=ppt/slides/slide5.xml><?xml version="1.0" encoding="utf-8"?>
 <p:sld xmlns:a="http://schemas.openxmlformats.org/drawingml/2006/main" xmlns:r="http://schemas.openxmlformats.org/officeDocument/2006/relationships" xmlns:p="http://schemas.openxmlformats.org/presentationml/2006/main">
   <p:cSld>
@@ -18072,13 +20822,13 @@
               <a:t>may be procured from a </a:t>
             </a:r>
             <a:r>
-              <a:rPr lang="en-US" sz="3200" dirty="0" err="1">
+              <a:rPr lang="en-US" sz="3200" dirty="0" smtClean="0">
                 <a:solidFill>
                   <a:srgbClr val="000000"/>
                 </a:solidFill>
                 <a:latin typeface="Calibri" pitchFamily="34" charset="0"/>
               </a:rPr>
-              <a:t>continously</a:t>
+              <a:t>continuously </a:t>
             </a:r>
             <a:r>
               <a:rPr lang="en-US" sz="3200" dirty="0">
@@ -18087,7 +20837,7 @@
                 </a:solidFill>
                 <a:latin typeface="Calibri" pitchFamily="34" charset="0"/>
               </a:rPr>
-              <a:t> running camera fixed on the top of the vehicle.</a:t>
+              <a:t>running camera fixed on the top of the vehicle.</a:t>
             </a:r>
             <a:endParaRPr lang="en-US" dirty="0"/>
           </a:p>
@@ -18295,7 +21045,7 @@
               <a:buChar char="•"/>
             </a:pPr>
             <a:r>
-              <a:rPr lang="en-US" sz="3200" dirty="0" smtClean="0">
+              <a:rPr lang="en-US" sz="2800" dirty="0" smtClean="0">
                 <a:solidFill>
                   <a:srgbClr val="000000"/>
                 </a:solidFill>
@@ -18304,15 +21054,24 @@
               <a:t> Dilation</a:t>
             </a:r>
             <a:r>
-              <a:rPr lang="en-US" sz="3200" dirty="0">
+              <a:rPr lang="en-US" sz="2800" dirty="0">
                 <a:solidFill>
                   <a:srgbClr val="000000"/>
                 </a:solidFill>
                 <a:latin typeface="Calibri" pitchFamily="34" charset="0"/>
               </a:rPr>
-              <a:t>: It is the morphological operation which // TO DO</a:t>
-            </a:r>
-            <a:endParaRPr lang="en-US" dirty="0"/>
+              <a:t>: It is the morphological operation </a:t>
+            </a:r>
+            <a:r>
+              <a:rPr lang="en-US" sz="2800" dirty="0" smtClean="0">
+                <a:solidFill>
+                  <a:srgbClr val="000000"/>
+                </a:solidFill>
+                <a:latin typeface="Calibri" pitchFamily="34" charset="0"/>
+              </a:rPr>
+              <a:t>which probes the image using a structuring element and expands the shapes that are contained in the image </a:t>
+            </a:r>
+            <a:endParaRPr lang="en-US" sz="2800" dirty="0"/>
           </a:p>
           <a:p>
             <a:pPr>
@@ -18320,7 +21079,7 @@
               <a:buChar char="•"/>
             </a:pPr>
             <a:r>
-              <a:rPr lang="en-US" sz="3200" dirty="0" smtClean="0">
+              <a:rPr lang="en-US" sz="2800" dirty="0" smtClean="0">
                 <a:solidFill>
                   <a:srgbClr val="000000"/>
                 </a:solidFill>
@@ -18329,15 +21088,24 @@
               <a:t> Erosion</a:t>
             </a:r>
             <a:r>
-              <a:rPr lang="en-US" sz="3200" dirty="0">
+              <a:rPr lang="en-US" sz="2800" dirty="0">
                 <a:solidFill>
                   <a:srgbClr val="000000"/>
                 </a:solidFill>
                 <a:latin typeface="Calibri" pitchFamily="34" charset="0"/>
               </a:rPr>
-              <a:t>: It is the morphological operation which // TO DO</a:t>
-            </a:r>
-            <a:endParaRPr lang="en-US" dirty="0"/>
+              <a:t>: It is the morphological operation </a:t>
+            </a:r>
+            <a:r>
+              <a:rPr lang="en-US" sz="2800" dirty="0" smtClean="0">
+                <a:solidFill>
+                  <a:srgbClr val="000000"/>
+                </a:solidFill>
+                <a:latin typeface="Calibri" pitchFamily="34" charset="0"/>
+              </a:rPr>
+              <a:t>which probes the image using a structuring element and reduces the edges of the shapes that are contained in the image.</a:t>
+            </a:r>
+            <a:endParaRPr lang="en-US" sz="2800" dirty="0"/>
           </a:p>
           <a:p>
             <a:pPr>
@@ -18345,7 +21113,7 @@
               <a:buChar char="•"/>
             </a:pPr>
             <a:r>
-              <a:rPr lang="en-US" sz="3200" dirty="0" smtClean="0">
+              <a:rPr lang="en-US" sz="2800" dirty="0" smtClean="0">
                 <a:solidFill>
                   <a:srgbClr val="000000"/>
                 </a:solidFill>
@@ -18354,15 +21122,50 @@
               <a:t> Enhancement </a:t>
             </a:r>
             <a:r>
-              <a:rPr lang="en-US" sz="3200" dirty="0">
+              <a:rPr lang="en-US" sz="2800" dirty="0">
                 <a:solidFill>
                   <a:srgbClr val="000000"/>
                 </a:solidFill>
                 <a:latin typeface="Calibri" pitchFamily="34" charset="0"/>
               </a:rPr>
-              <a:t>using the Lucy-Richardson Filter.</a:t>
-            </a:r>
-            <a:endParaRPr lang="en-US" dirty="0"/>
+              <a:t>using </a:t>
+            </a:r>
+            <a:r>
+              <a:rPr lang="en-US" sz="2800" dirty="0" smtClean="0">
+                <a:solidFill>
+                  <a:srgbClr val="000000"/>
+                </a:solidFill>
+                <a:latin typeface="Calibri" pitchFamily="34" charset="0"/>
+              </a:rPr>
+              <a:t>non-linear </a:t>
+            </a:r>
+            <a:r>
+              <a:rPr lang="en-US" sz="2800" dirty="0" smtClean="0">
+                <a:solidFill>
+                  <a:srgbClr val="000000"/>
+                </a:solidFill>
+                <a:latin typeface="Calibri" pitchFamily="34" charset="0"/>
+              </a:rPr>
+              <a:t>Lucy-Richardson </a:t>
+            </a:r>
+            <a:r>
+              <a:rPr lang="en-US" sz="2800" dirty="0">
+                <a:solidFill>
+                  <a:srgbClr val="000000"/>
+                </a:solidFill>
+                <a:latin typeface="Calibri" pitchFamily="34" charset="0"/>
+              </a:rPr>
+              <a:t>Filter</a:t>
+            </a:r>
+            <a:r>
+              <a:rPr lang="en-US" sz="2800" dirty="0" smtClean="0">
+                <a:solidFill>
+                  <a:srgbClr val="000000"/>
+                </a:solidFill>
+                <a:latin typeface="Calibri" pitchFamily="34" charset="0"/>
+              </a:rPr>
+              <a:t>.(Not yet implemented)</a:t>
+            </a:r>
           </a:p>
         </p:txBody>
       </p:sp>
@@ -18729,16 +21532,93 @@
       </p:grpSpPr>
       <p:sp>
         <p:nvSpPr>
-          <p:cNvPr id="34818" name="TextShape 1"/>
-          <p:cNvSpPr txBox="1">
-            <a:spLocks noChangeArrowheads="1"/>
-          </p:cNvSpPr>
+          <p:cNvPr id="2" name="Date Placeholder 1"/>
+          <p:cNvSpPr>
+            <a:spLocks noGrp="1"/>
+          </p:cNvSpPr>
+          <p:nvPr>
+            <p:ph type="dt" sz="half" idx="10"/>
+          </p:nvPr>
+        </p:nvSpPr>
+        <p:spPr/>
+        <p:txBody>
+          <a:bodyPr/>
+          <a:lstStyle/>
+          <a:p>
+            <a:r>
+              <a:rPr lang="en-US" smtClean="0"/>
+              <a:t>18th June, 2014</a:t>
+            </a:r>
+            <a:endParaRPr lang="en-US"/>
+          </a:p>
+        </p:txBody>
+      </p:sp>
+      <p:sp>
+        <p:nvSpPr>
+          <p:cNvPr id="3" name="Footer Placeholder 2"/>
+          <p:cNvSpPr>
+            <a:spLocks noGrp="1"/>
+          </p:cNvSpPr>
+          <p:nvPr>
+            <p:ph type="ftr" sz="quarter" idx="11"/>
+          </p:nvPr>
+        </p:nvSpPr>
+        <p:spPr/>
+        <p:txBody>
+          <a:bodyPr/>
+          <a:lstStyle/>
+          <a:p>
+            <a:r>
+              <a:rPr lang="en-US" smtClean="0"/>
+              <a:t>Image Processing Interns, IIITDM, Kancheepuram</a:t>
+            </a:r>
+            <a:endParaRPr lang="en-US"/>
+          </a:p>
+        </p:txBody>
+      </p:sp>
+      <p:sp>
+        <p:nvSpPr>
+          <p:cNvPr id="4" name="Slide Number Placeholder 3"/>
+          <p:cNvSpPr>
+            <a:spLocks noGrp="1"/>
+          </p:cNvSpPr>
+          <p:nvPr>
+            <p:ph type="sldNum" sz="quarter" idx="12"/>
+          </p:nvPr>
+        </p:nvSpPr>
+        <p:spPr/>
+        <p:txBody>
+          <a:bodyPr/>
+          <a:lstStyle/>
+          <a:p>
+            <a:fld id="{AB249746-A831-457C-AC59-C43D077DC69E}" type="slidenum">
+              <a:rPr lang="en-US" smtClean="0"/>
+              <a:pPr/>
+              <a:t>8</a:t>
+            </a:fld>
+            <a:endParaRPr lang="en-US"/>
+          </a:p>
+        </p:txBody>
+      </p:sp>
+      <p:pic>
+        <p:nvPicPr>
+          <p:cNvPr id="1026" name="Picture 2"/>
+          <p:cNvPicPr>
+            <a:picLocks noChangeAspect="1" noChangeArrowheads="1"/>
+          </p:cNvPicPr>
           <p:nvPr/>
-        </p:nvSpPr>
+        </p:nvPicPr>
+        <p:blipFill>
+          <a:blip r:embed="rId2" cstate="print"/>
+          <a:srcRect/>
+          <a:stretch>
+            <a:fillRect/>
+          </a:stretch>
+        </p:blipFill>
         <p:spPr bwMode="auto">
           <a:xfrm>
-            <a:off x="457200" y="274638"/>
-            <a:ext cx="8229600" cy="1143000"/>
+            <a:off x="93663" y="647700"/>
+            <a:ext cx="8955087" cy="5562600"/>
           </a:xfrm>
           <a:prstGeom prst="rect">
             <a:avLst/>
@@ -18750,226 +21630,9 @@
             <a:headEnd/>
             <a:tailEnd/>
           </a:ln>
+          <a:effectLst/>
         </p:spPr>
-        <p:txBody>
-          <a:bodyPr anchor="ctr"/>
-          <a:lstStyle/>
-          <a:p>
-            <a:pPr algn="ctr"/>
-            <a:r>
-              <a:rPr lang="en-US" sz="4400">
-                <a:solidFill>
-                  <a:srgbClr val="000000"/>
-                </a:solidFill>
-                <a:latin typeface="Calibri" pitchFamily="34" charset="0"/>
-              </a:rPr>
-              <a:t>More About Road Signs</a:t>
-            </a:r>
-            <a:endParaRPr lang="en-US"/>
-          </a:p>
-        </p:txBody>
-      </p:sp>
-      <p:sp>
-        <p:nvSpPr>
-          <p:cNvPr id="34819" name="TextShape 2"/>
-          <p:cNvSpPr txBox="1">
-            <a:spLocks noChangeArrowheads="1"/>
-          </p:cNvSpPr>
-          <p:nvPr/>
-        </p:nvSpPr>
-        <p:spPr bwMode="auto">
-          <a:xfrm>
-            <a:off x="457200" y="1600200"/>
-            <a:ext cx="8229600" cy="4525963"/>
-          </a:xfrm>
-          <a:prstGeom prst="rect">
-            <a:avLst/>
-          </a:prstGeom>
-          <a:noFill/>
-          <a:ln w="9525">
-            <a:noFill/>
-            <a:miter lim="800000"/>
-            <a:headEnd/>
-            <a:tailEnd/>
-          </a:ln>
-        </p:spPr>
-        <p:txBody>
-          <a:bodyPr/>
-          <a:lstStyle/>
-          <a:p>
-            <a:pPr>
-              <a:buFont typeface="Arial" pitchFamily="34" charset="0"/>
-              <a:buChar char="•"/>
-            </a:pPr>
-            <a:r>
-              <a:rPr lang="en-US" sz="3200" dirty="0" smtClean="0">
-                <a:solidFill>
-                  <a:srgbClr val="000000"/>
-                </a:solidFill>
-                <a:latin typeface="Calibri" pitchFamily="34" charset="0"/>
-              </a:rPr>
-              <a:t> There </a:t>
-            </a:r>
-            <a:r>
-              <a:rPr lang="en-US" sz="3200" dirty="0">
-                <a:solidFill>
-                  <a:srgbClr val="000000"/>
-                </a:solidFill>
-                <a:latin typeface="Calibri" pitchFamily="34" charset="0"/>
-              </a:rPr>
-              <a:t>are 4 types of road </a:t>
-            </a:r>
-            <a:r>
-              <a:rPr lang="en-US" sz="3200" dirty="0" smtClean="0">
-                <a:solidFill>
-                  <a:srgbClr val="000000"/>
-                </a:solidFill>
-                <a:latin typeface="Calibri" pitchFamily="34" charset="0"/>
-              </a:rPr>
-              <a:t>signs</a:t>
-            </a:r>
-          </a:p>
-          <a:p>
-            <a:pPr marL="1028700" lvl="1" indent="-571500">
-              <a:buSzPct val="25000"/>
-            </a:pPr>
-            <a:r>
-              <a:rPr lang="en-US" sz="2800" dirty="0" smtClean="0">
-                <a:solidFill>
-                  <a:srgbClr val="000000"/>
-                </a:solidFill>
-                <a:latin typeface="Calibri" pitchFamily="34" charset="0"/>
-              </a:rPr>
-              <a:t>- Compulsory/Prohibitory</a:t>
-            </a:r>
-            <a:endParaRPr lang="en-US" dirty="0" smtClean="0"/>
-          </a:p>
-          <a:p>
-            <a:pPr lvl="1">
-              <a:buSzPct val="25000"/>
-            </a:pPr>
-            <a:r>
-              <a:rPr lang="en-US" sz="2800" dirty="0" smtClean="0">
-                <a:solidFill>
-                  <a:srgbClr val="000000"/>
-                </a:solidFill>
-                <a:latin typeface="Calibri" pitchFamily="34" charset="0"/>
-              </a:rPr>
-              <a:t>- Warning</a:t>
-            </a:r>
-            <a:endParaRPr lang="en-US" dirty="0"/>
-          </a:p>
-          <a:p>
-            <a:pPr lvl="1">
-              <a:buSzPct val="25000"/>
-            </a:pPr>
-            <a:r>
-              <a:rPr lang="en-US" sz="2800" dirty="0" smtClean="0">
-                <a:solidFill>
-                  <a:srgbClr val="000000"/>
-                </a:solidFill>
-                <a:latin typeface="Calibri" pitchFamily="34" charset="0"/>
-              </a:rPr>
-              <a:t>- Regulatory</a:t>
-            </a:r>
-            <a:endParaRPr lang="en-US" dirty="0"/>
-          </a:p>
-          <a:p>
-            <a:pPr lvl="1">
-              <a:buSzPct val="25000"/>
-            </a:pPr>
-            <a:r>
-              <a:rPr lang="en-US" sz="2800" dirty="0" smtClean="0">
-                <a:solidFill>
-                  <a:srgbClr val="000000"/>
-                </a:solidFill>
-                <a:latin typeface="Calibri" pitchFamily="34" charset="0"/>
-              </a:rPr>
-              <a:t>- Informatory </a:t>
-            </a:r>
-            <a:r>
-              <a:rPr lang="en-US" sz="2800" dirty="0">
-                <a:solidFill>
-                  <a:srgbClr val="000000"/>
-                </a:solidFill>
-                <a:latin typeface="Calibri" pitchFamily="34" charset="0"/>
-              </a:rPr>
-              <a:t>(Out of the scope of this project)</a:t>
-            </a:r>
-            <a:endParaRPr lang="en-US" dirty="0"/>
-          </a:p>
-        </p:txBody>
-      </p:sp>
-      <p:sp>
-        <p:nvSpPr>
-          <p:cNvPr id="4" name="Date Placeholder 3"/>
-          <p:cNvSpPr>
-            <a:spLocks noGrp="1"/>
-          </p:cNvSpPr>
-          <p:nvPr>
-            <p:ph type="dt" sz="half" idx="10"/>
-          </p:nvPr>
-        </p:nvSpPr>
-        <p:spPr/>
-        <p:txBody>
-          <a:bodyPr/>
-          <a:lstStyle/>
-          <a:p>
-            <a:r>
-              <a:rPr lang="en-US" smtClean="0"/>
-              <a:t>18th June, 2014</a:t>
-            </a:r>
-            <a:endParaRPr lang="en-US"/>
-          </a:p>
-        </p:txBody>
-      </p:sp>
-      <p:sp>
-        <p:nvSpPr>
-          <p:cNvPr id="5" name="Slide Number Placeholder 4"/>
-          <p:cNvSpPr>
-            <a:spLocks noGrp="1"/>
-          </p:cNvSpPr>
-          <p:nvPr>
-            <p:ph type="sldNum" sz="quarter" idx="12"/>
-          </p:nvPr>
-        </p:nvSpPr>
-        <p:spPr/>
-        <p:txBody>
-          <a:bodyPr/>
-          <a:lstStyle/>
-          <a:p>
-            <a:fld id="{AB249746-A831-457C-AC59-C43D077DC69E}" type="slidenum">
-              <a:rPr lang="en-US" smtClean="0"/>
-              <a:pPr/>
-              <a:t>8</a:t>
-            </a:fld>
-            <a:endParaRPr lang="en-US"/>
-          </a:p>
-        </p:txBody>
-      </p:sp>
-      <p:sp>
-        <p:nvSpPr>
-          <p:cNvPr id="6" name="Footer Placeholder 5"/>
-          <p:cNvSpPr>
-            <a:spLocks noGrp="1"/>
-          </p:cNvSpPr>
-          <p:nvPr>
-            <p:ph type="ftr" sz="quarter" idx="11"/>
-          </p:nvPr>
-        </p:nvSpPr>
-        <p:spPr/>
-        <p:txBody>
-          <a:bodyPr/>
-          <a:lstStyle/>
-          <a:p>
-            <a:r>
-              <a:rPr lang="en-US" smtClean="0"/>
-              <a:t>Image Processing Interns, IIITDM, Kancheepuram</a:t>
-            </a:r>
-            <a:endParaRPr lang="en-US"/>
-          </a:p>
-        </p:txBody>
-      </p:sp>
+      </p:pic>
     </p:spTree>
   </p:cSld>
   <p:clrMapOvr>
@@ -19004,7 +21667,7 @@
       </p:grpSpPr>
       <p:sp>
         <p:nvSpPr>
-          <p:cNvPr id="35842" name="TextShape 1"/>
+          <p:cNvPr id="34818" name="TextShape 1"/>
           <p:cNvSpPr txBox="1">
             <a:spLocks noChangeArrowheads="1"/>
           </p:cNvSpPr>
@@ -19038,15 +21701,15 @@
                 </a:solidFill>
                 <a:latin typeface="Calibri" pitchFamily="34" charset="0"/>
               </a:rPr>
-              <a:t>Compulsory Signs</a:t>
-            </a:r>
-            <a:endParaRPr lang="en-US"/>
-          </a:p>
-        </p:txBody>
-      </p:sp>
-      <p:sp>
-        <p:nvSpPr>
-          <p:cNvPr id="35843" name="TextShape 2"/>
+              <a:t>More About Road Signs</a:t>
+            </a:r>
+            <a:endParaRPr lang="en-US"/>
+          </a:p>
+        </p:txBody>
+      </p:sp>
+      <p:sp>
+        <p:nvSpPr>
+          <p:cNvPr id="34819" name="TextShape 2"/>
           <p:cNvSpPr txBox="1">
             <a:spLocks noChangeArrowheads="1"/>
           </p:cNvSpPr>
@@ -19077,129 +21740,107 @@
               <a:buChar char="•"/>
             </a:pPr>
             <a:r>
-              <a:rPr lang="en-US" sz="3200">
+              <a:rPr lang="en-US" sz="3200" dirty="0" smtClean="0">
                 <a:solidFill>
                   <a:srgbClr val="000000"/>
                 </a:solidFill>
                 <a:latin typeface="Calibri" pitchFamily="34" charset="0"/>
               </a:rPr>
-              <a:t>Compulsory signs are circles with RED border, WHITE background, and BLACK text/image.</a:t>
-            </a:r>
-            <a:endParaRPr lang="en-US"/>
-          </a:p>
-          <a:p>
-            <a:endParaRPr lang="en-US"/>
-          </a:p>
-        </p:txBody>
-      </p:sp>
-      <p:pic>
-        <p:nvPicPr>
-          <p:cNvPr id="35844" name="Picture 5"/>
-          <p:cNvPicPr>
-            <a:picLocks noChangeAspect="1" noChangeArrowheads="1"/>
-          </p:cNvPicPr>
-          <p:nvPr/>
-        </p:nvPicPr>
-        <p:blipFill>
-          <a:blip r:embed="rId3" cstate="print"/>
-          <a:srcRect/>
-          <a:stretch>
-            <a:fillRect/>
-          </a:stretch>
-        </p:blipFill>
-        <p:spPr bwMode="auto">
-          <a:xfrm>
-            <a:off x="685800" y="3048000"/>
-            <a:ext cx="2262188" cy="2262188"/>
-          </a:xfrm>
-          <a:prstGeom prst="rect">
-            <a:avLst/>
-          </a:prstGeom>
-          <a:noFill/>
-          <a:ln w="9525">
-            <a:noFill/>
-            <a:miter lim="800000"/>
-            <a:headEnd/>
-            <a:tailEnd/>
-          </a:ln>
-        </p:spPr>
-      </p:pic>
-      <p:pic>
-        <p:nvPicPr>
-          <p:cNvPr id="35845" name="Picture 6"/>
-          <p:cNvPicPr>
-            <a:picLocks noChangeAspect="1" noChangeArrowheads="1"/>
-          </p:cNvPicPr>
-          <p:nvPr/>
-        </p:nvPicPr>
-        <p:blipFill>
-          <a:blip r:embed="rId4" cstate="print"/>
-          <a:srcRect/>
-          <a:stretch>
-            <a:fillRect/>
-          </a:stretch>
-        </p:blipFill>
-        <p:spPr bwMode="auto">
-          <a:xfrm>
-            <a:off x="6477000" y="3124200"/>
-            <a:ext cx="2185988" cy="2185988"/>
-          </a:xfrm>
-          <a:prstGeom prst="rect">
-            <a:avLst/>
-          </a:prstGeom>
-          <a:noFill/>
-          <a:ln w="9525">
-            <a:noFill/>
-            <a:miter lim="800000"/>
-            <a:headEnd/>
-            <a:tailEnd/>
-          </a:ln>
-        </p:spPr>
-      </p:pic>
-      <p:sp>
-        <p:nvSpPr>
-          <p:cNvPr id="35846" name="CustomShape 3"/>
-          <p:cNvSpPr>
-            <a:spLocks noChangeArrowheads="1"/>
-          </p:cNvSpPr>
-          <p:nvPr/>
-        </p:nvSpPr>
-        <p:spPr bwMode="auto">
-          <a:xfrm>
-            <a:off x="4876800" y="5867400"/>
-            <a:ext cx="4267200" cy="365125"/>
-          </a:xfrm>
-          <a:prstGeom prst="rect">
-            <a:avLst/>
-          </a:prstGeom>
-          <a:noFill/>
-          <a:ln w="9525">
-            <a:noFill/>
-            <a:miter lim="800000"/>
-            <a:headEnd/>
-            <a:tailEnd/>
-          </a:ln>
-        </p:spPr>
-        <p:txBody>
-          <a:bodyPr lIns="90000" tIns="45000" rIns="90000" bIns="45000"/>
-          <a:lstStyle/>
-          <a:p>
-            <a:r>
-              <a:rPr lang="en-US" dirty="0">
+              <a:t> There </a:t>
+            </a:r>
+            <a:r>
+              <a:rPr lang="en-US" sz="3200" dirty="0">
                 <a:solidFill>
                   <a:srgbClr val="000000"/>
                 </a:solidFill>
                 <a:latin typeface="Calibri" pitchFamily="34" charset="0"/>
               </a:rPr>
-              <a:t>Image Courtesy: Delhi Traffic Police Website</a:t>
+              <a:t>are 4 types of road </a:t>
+            </a:r>
+            <a:r>
+              <a:rPr lang="en-US" sz="3200" dirty="0" smtClean="0">
+                <a:solidFill>
+                  <a:srgbClr val="000000"/>
+                </a:solidFill>
+                <a:latin typeface="Calibri" pitchFamily="34" charset="0"/>
+              </a:rPr>
+              <a:t>signs</a:t>
+            </a:r>
+          </a:p>
+          <a:p>
+            <a:pPr marL="1028700" lvl="1" indent="-571500">
+              <a:buSzPct val="25000"/>
+            </a:pPr>
+            <a:r>
+              <a:rPr lang="en-US" sz="2800" dirty="0" smtClean="0">
+                <a:solidFill>
+                  <a:srgbClr val="000000"/>
+                </a:solidFill>
+                <a:latin typeface="Calibri" pitchFamily="34" charset="0"/>
+              </a:rPr>
+              <a:t>- Compulsory/Prohibitory</a:t>
+            </a:r>
+            <a:endParaRPr lang="en-US" dirty="0" smtClean="0"/>
+          </a:p>
+          <a:p>
+            <a:pPr lvl="1">
+              <a:buSzPct val="25000"/>
+            </a:pPr>
+            <a:r>
+              <a:rPr lang="en-US" sz="2800" dirty="0" smtClean="0">
+                <a:solidFill>
+                  <a:srgbClr val="000000"/>
+                </a:solidFill>
+                <a:latin typeface="Calibri" pitchFamily="34" charset="0"/>
+              </a:rPr>
+              <a:t>- Warning</a:t>
             </a:r>
             <a:endParaRPr lang="en-US" dirty="0"/>
           </a:p>
-        </p:txBody>
-      </p:sp>
-      <p:sp>
-        <p:nvSpPr>
-          <p:cNvPr id="7" name="Date Placeholder 6"/>
+          <a:p>
+            <a:pPr lvl="1">
+              <a:buSzPct val="25000"/>
+            </a:pPr>
+            <a:r>
+              <a:rPr lang="en-US" sz="2800" dirty="0" smtClean="0">
+                <a:solidFill>
+                  <a:srgbClr val="000000"/>
+                </a:solidFill>
+                <a:latin typeface="Calibri" pitchFamily="34" charset="0"/>
+              </a:rPr>
+              <a:t>- Regulatory</a:t>
+            </a:r>
+            <a:endParaRPr lang="en-US" dirty="0"/>
+          </a:p>
+          <a:p>
+            <a:pPr lvl="1">
+              <a:buSzPct val="25000"/>
+            </a:pPr>
+            <a:r>
+              <a:rPr lang="en-US" sz="2800" dirty="0" smtClean="0">
+                <a:solidFill>
+                  <a:srgbClr val="000000"/>
+                </a:solidFill>
+                <a:latin typeface="Calibri" pitchFamily="34" charset="0"/>
+              </a:rPr>
+              <a:t>- Informatory </a:t>
+            </a:r>
+            <a:r>
+              <a:rPr lang="en-US" sz="2800" dirty="0">
+                <a:solidFill>
+                  <a:srgbClr val="000000"/>
+                </a:solidFill>
+                <a:latin typeface="Calibri" pitchFamily="34" charset="0"/>
+              </a:rPr>
+              <a:t>(Out of the scope of this project)</a:t>
+            </a:r>
+            <a:endParaRPr lang="en-US" dirty="0"/>
+          </a:p>
+        </p:txBody>
+      </p:sp>
+      <p:sp>
+        <p:nvSpPr>
+          <p:cNvPr id="4" name="Date Placeholder 3"/>
           <p:cNvSpPr>
             <a:spLocks noGrp="1"/>
           </p:cNvSpPr>
@@ -19222,7 +21863,7 @@
       </p:sp>
       <p:sp>
         <p:nvSpPr>
-          <p:cNvPr id="8" name="Slide Number Placeholder 7"/>
+          <p:cNvPr id="5" name="Slide Number Placeholder 4"/>
           <p:cNvSpPr>
             <a:spLocks noGrp="1"/>
           </p:cNvSpPr>
@@ -19240,13 +21881,13 @@
               <a:pPr/>
               <a:t>9</a:t>
             </a:fld>
-            <a:endParaRPr lang="en-US" dirty="0"/>
-          </a:p>
-        </p:txBody>
-      </p:sp>
-      <p:sp>
-        <p:nvSpPr>
-          <p:cNvPr id="9" name="Footer Placeholder 8"/>
+            <a:endParaRPr lang="en-US"/>
+          </a:p>
+        </p:txBody>
+      </p:sp>
+      <p:sp>
+        <p:nvSpPr>
+          <p:cNvPr id="6" name="Footer Placeholder 5"/>
           <p:cNvSpPr>
             <a:spLocks noGrp="1"/>
           </p:cNvSpPr>

--- a/Presentation1.pptx
+++ b/Presentation1.pptx
@@ -2740,7 +2740,7 @@
         <a:p>
           <a:r>
             <a:rPr lang="en-US" dirty="0" smtClean="0"/>
-            <a:t>1</a:t>
+            <a:t>No. of classes of images</a:t>
           </a:r>
           <a:endParaRPr lang="en-US" dirty="0"/>
         </a:p>
@@ -2777,7 +2777,7 @@
         <a:p>
           <a:r>
             <a:rPr lang="en-US" dirty="0" smtClean="0"/>
-            <a:t>No. of classes of images</a:t>
+            <a:t>1</a:t>
           </a:r>
           <a:endParaRPr lang="en-US" dirty="0"/>
         </a:p>
@@ -3430,7 +3430,7 @@
           </a:pPr>
           <a:r>
             <a:rPr lang="en-US" sz="3000" kern="1200" dirty="0" smtClean="0"/>
-            <a:t>1</a:t>
+            <a:t>No. of classes of images</a:t>
           </a:r>
           <a:endParaRPr lang="en-US" sz="3000" kern="1200" dirty="0"/>
         </a:p>
@@ -3573,7 +3573,7 @@
           </a:pPr>
           <a:r>
             <a:rPr lang="en-US" sz="3000" kern="1200" dirty="0" smtClean="0"/>
-            <a:t>No. of classes of images</a:t>
+            <a:t>1</a:t>
           </a:r>
           <a:endParaRPr lang="en-US" sz="3000" kern="1200" dirty="0"/>
         </a:p>
@@ -7237,7 +7237,7 @@
             <a:fld id="{6F64CFDD-B40B-4247-9307-EA47CA882A58}" type="datetimeFigureOut">
               <a:rPr lang="en-US" smtClean="0"/>
               <a:pPr/>
-              <a:t>18-Jun-14</a:t>
+              <a:t>19-Jun-14</a:t>
             </a:fld>
             <a:endParaRPr lang="en-US"/>
           </a:p>
@@ -16263,8 +16263,21 @@
             </a:r>
             <a:r>
               <a:rPr lang="en-US" dirty="0" smtClean="0"/>
-              <a:t> matrix: This is a row vector that // TO DO</a:t>
-            </a:r>
+              <a:t> matrix: This is a row vector that </a:t>
+            </a:r>
+            <a:r>
+              <a:rPr lang="en-US" dirty="0" smtClean="0"/>
+              <a:t>consists </a:t>
+            </a:r>
+            <a:r>
+              <a:rPr lang="en-US" smtClean="0"/>
+              <a:t>of coefficients </a:t>
+            </a:r>
+            <a:r>
+              <a:rPr lang="en-US" dirty="0" smtClean="0"/>
+              <a:t>ranging from 0 to 1.</a:t>
+            </a:r>
+            <a:endParaRPr lang="en-US" dirty="0" smtClean="0"/>
           </a:p>
         </p:txBody>
       </p:sp>
@@ -16979,7 +16992,7 @@
         <p:spPr/>
         <p:txBody>
           <a:bodyPr>
-            <a:normAutofit/>
+            <a:normAutofit fontScale="85000" lnSpcReduction="10000"/>
           </a:bodyPr>
           <a:lstStyle/>
           <a:p>
@@ -17006,7 +17019,19 @@
           <a:p>
             <a:r>
               <a:rPr lang="en-US" dirty="0" smtClean="0"/>
-              <a:t>The output matrix is // TO DO</a:t>
+              <a:t>The output matrix is </a:t>
+            </a:r>
+            <a:r>
+              <a:rPr lang="en-US" dirty="0" smtClean="0"/>
+              <a:t>a row vector that consists of coefficients in the range 0 to 1, such that the closer a </a:t>
+            </a:r>
+            <a:r>
+              <a:rPr lang="en-US" dirty="0" err="1" smtClean="0"/>
+              <a:t>coeffecient</a:t>
+            </a:r>
+            <a:r>
+              <a:rPr lang="en-US" dirty="0" smtClean="0"/>
+              <a:t> is to 1, the higher is the probability of the input feature set being a part of that class.</a:t>
             </a:r>
             <a:endParaRPr lang="en-US" dirty="0"/>
           </a:p>
@@ -17019,7 +17044,7 @@
           <p:nvPr/>
         </p:nvGraphicFramePr>
         <p:xfrm>
-          <a:off x="1524000" y="2438400"/>
+          <a:off x="1524000" y="1981200"/>
           <a:ext cx="6096000" cy="2286000"/>
         </p:xfrm>
         <a:graphic>
@@ -17962,15 +17987,15 @@
           </p:spPr>
           <p:style>
             <a:lnRef idx="2">
-              <a:schemeClr val="accent1">
+              <a:schemeClr val="accent3">
                 <a:shade val="50000"/>
               </a:schemeClr>
             </a:lnRef>
             <a:fillRef idx="1">
-              <a:schemeClr val="accent1"/>
+              <a:schemeClr val="accent3"/>
             </a:fillRef>
             <a:effectRef idx="0">
-              <a:schemeClr val="accent1"/>
+              <a:schemeClr val="accent3"/>
             </a:effectRef>
             <a:fontRef idx="minor">
               <a:schemeClr val="lt1"/>
@@ -18239,6 +18264,36 @@
           </a:p>
         </p:txBody>
       </p:sp>
+      <p:sp>
+        <p:nvSpPr>
+          <p:cNvPr id="18" name="TextBox 17"/>
+          <p:cNvSpPr txBox="1"/>
+          <p:nvPr/>
+        </p:nvSpPr>
+        <p:spPr>
+          <a:xfrm>
+            <a:off x="7162800" y="838200"/>
+            <a:ext cx="1111394" cy="461665"/>
+          </a:xfrm>
+          <a:prstGeom prst="rect">
+            <a:avLst/>
+          </a:prstGeom>
+          <a:noFill/>
+        </p:spPr>
+        <p:txBody>
+          <a:bodyPr wrap="none" rtlCol="0">
+            <a:spAutoFit/>
+          </a:bodyPr>
+          <a:lstStyle/>
+          <a:p>
+            <a:r>
+              <a:rPr lang="en-US" sz="2400" dirty="0" smtClean="0"/>
+              <a:t>Solved!</a:t>
+            </a:r>
+            <a:endParaRPr lang="en-US" sz="2400" dirty="0"/>
+          </a:p>
+        </p:txBody>
+      </p:sp>
     </p:spTree>
   </p:cSld>
   <p:clrMapOvr>
@@ -18890,7 +18945,11 @@
           <a:p>
             <a:r>
               <a:rPr lang="en-US" dirty="0" smtClean="0"/>
-              <a:t>2. Obstruction: Proposed Solution</a:t>
+              <a:t>2. Obstruction: </a:t>
+            </a:r>
+            <a:r>
+              <a:rPr lang="en-US" dirty="0" smtClean="0"/>
+              <a:t>Solution</a:t>
             </a:r>
             <a:endParaRPr lang="en-US" dirty="0"/>
           </a:p>
@@ -18916,12 +18975,12 @@
               <a:t>Instead of trying to find what is there behind the line, we train the neural network to </a:t>
             </a:r>
             <a:r>
-              <a:rPr lang="en-US" dirty="0" err="1" smtClean="0"/>
-              <a:t>recognise</a:t>
-            </a:r>
-            <a:r>
               <a:rPr lang="en-US" dirty="0" smtClean="0"/>
-              <a:t> the features on the two sides of the line.</a:t>
+              <a:t>recognize </a:t>
+            </a:r>
+            <a:r>
+              <a:rPr lang="en-US" dirty="0" smtClean="0"/>
+              <a:t>the features on the two sides of the line.</a:t>
             </a:r>
           </a:p>
           <a:p>
@@ -21137,16 +21196,7 @@
                 </a:solidFill>
                 <a:latin typeface="Calibri" pitchFamily="34" charset="0"/>
               </a:rPr>
-              <a:t>non-linear </a:t>
-            </a:r>
-            <a:r>
-              <a:rPr lang="en-US" sz="2800" dirty="0" smtClean="0">
-                <a:solidFill>
-                  <a:srgbClr val="000000"/>
-                </a:solidFill>
-                <a:latin typeface="Calibri" pitchFamily="34" charset="0"/>
-              </a:rPr>
-              <a:t>Lucy-Richardson </a:t>
+              <a:t>non-linear Lucy-Richardson </a:t>
             </a:r>
             <a:r>
               <a:rPr lang="en-US" sz="2800" dirty="0">
